--- a/PracticeTasks/Module2/Task_9.1/Task 9.1 Resources and microservices.pptx
+++ b/PracticeTasks/Module2/Task_9.1/Task 9.1 Resources and microservices.pptx
@@ -5,19 +5,24 @@
     <p:sldMasterId id="2147483659" r:id="rId1"/>
   </p:sldMasterIdLst>
   <p:notesMasterIdLst>
-    <p:notesMasterId r:id="rId12"/>
+    <p:notesMasterId r:id="rId17"/>
   </p:notesMasterIdLst>
   <p:sldIdLst>
     <p:sldId id="263" r:id="rId2"/>
     <p:sldId id="267" r:id="rId3"/>
     <p:sldId id="268" r:id="rId4"/>
     <p:sldId id="273" r:id="rId5"/>
-    <p:sldId id="269" r:id="rId6"/>
-    <p:sldId id="270" r:id="rId7"/>
-    <p:sldId id="271" r:id="rId8"/>
-    <p:sldId id="272" r:id="rId9"/>
-    <p:sldId id="261" r:id="rId10"/>
-    <p:sldId id="262" r:id="rId11"/>
+    <p:sldId id="274" r:id="rId6"/>
+    <p:sldId id="269" r:id="rId7"/>
+    <p:sldId id="272" r:id="rId8"/>
+    <p:sldId id="275" r:id="rId9"/>
+    <p:sldId id="270" r:id="rId10"/>
+    <p:sldId id="278" r:id="rId11"/>
+    <p:sldId id="276" r:id="rId12"/>
+    <p:sldId id="277" r:id="rId13"/>
+    <p:sldId id="271" r:id="rId14"/>
+    <p:sldId id="261" r:id="rId15"/>
+    <p:sldId id="262" r:id="rId16"/>
   </p:sldIdLst>
   <p:sldSz cx="9144000" cy="5143500" type="screen16x9"/>
   <p:notesSz cx="6858000" cy="9144000"/>
@@ -819,6 +824,546 @@
   <p:cSld>
     <p:spTree>
       <p:nvGrpSpPr>
+        <p:cNvPr id="1" name="Shape 91"/>
+        <p:cNvGrpSpPr/>
+        <p:nvPr/>
+      </p:nvGrpSpPr>
+      <p:grpSpPr>
+        <a:xfrm>
+          <a:off x="0" y="0"/>
+          <a:ext cx="0" cy="0"/>
+          <a:chOff x="0" y="0"/>
+          <a:chExt cx="0" cy="0"/>
+        </a:xfrm>
+      </p:grpSpPr>
+      <p:sp>
+        <p:nvSpPr>
+          <p:cNvPr id="92" name="Google Shape;92;gf6a3e371d8_0_120:notes"/>
+          <p:cNvSpPr>
+            <a:spLocks noGrp="1" noRot="1" noChangeAspect="1"/>
+          </p:cNvSpPr>
+          <p:nvPr>
+            <p:ph type="sldImg" idx="2"/>
+          </p:nvPr>
+        </p:nvSpPr>
+        <p:spPr>
+          <a:xfrm>
+            <a:off x="381000" y="685800"/>
+            <a:ext cx="6096000" cy="3429000"/>
+          </a:xfrm>
+          <a:custGeom>
+            <a:avLst/>
+            <a:gdLst/>
+            <a:ahLst/>
+            <a:cxnLst/>
+            <a:rect l="l" t="t" r="r" b="b"/>
+            <a:pathLst>
+              <a:path w="120000" h="120000" extrusionOk="0">
+                <a:moveTo>
+                  <a:pt x="0" y="0"/>
+                </a:moveTo>
+                <a:lnTo>
+                  <a:pt x="120000" y="0"/>
+                </a:lnTo>
+                <a:lnTo>
+                  <a:pt x="120000" y="120000"/>
+                </a:lnTo>
+                <a:lnTo>
+                  <a:pt x="0" y="120000"/>
+                </a:lnTo>
+                <a:close/>
+              </a:path>
+            </a:pathLst>
+          </a:custGeom>
+        </p:spPr>
+      </p:sp>
+      <p:sp>
+        <p:nvSpPr>
+          <p:cNvPr id="93" name="Google Shape;93;gf6a3e371d8_0_120:notes"/>
+          <p:cNvSpPr txBox="1">
+            <a:spLocks noGrp="1"/>
+          </p:cNvSpPr>
+          <p:nvPr>
+            <p:ph type="body" idx="1"/>
+          </p:nvPr>
+        </p:nvSpPr>
+        <p:spPr>
+          <a:xfrm>
+            <a:off x="685800" y="4343400"/>
+            <a:ext cx="5486400" cy="4114800"/>
+          </a:xfrm>
+          <a:prstGeom prst="rect">
+            <a:avLst/>
+          </a:prstGeom>
+        </p:spPr>
+        <p:txBody>
+          <a:bodyPr spcFirstLastPara="1" wrap="square" lIns="91425" tIns="91425" rIns="91425" bIns="91425" anchor="t" anchorCtr="0">
+            <a:noAutofit/>
+          </a:bodyPr>
+          <a:lstStyle/>
+          <a:p>
+            <a:pPr marL="0" lvl="0" indent="0" algn="l" rtl="0">
+              <a:spcBef>
+                <a:spcPts val="0"/>
+              </a:spcBef>
+              <a:spcAft>
+                <a:spcPts val="0"/>
+              </a:spcAft>
+              <a:buNone/>
+            </a:pPr>
+            <a:endParaRPr/>
+          </a:p>
+        </p:txBody>
+      </p:sp>
+    </p:spTree>
+    <p:extLst>
+      <p:ext uri="{BB962C8B-B14F-4D97-AF65-F5344CB8AC3E}">
+        <p14:creationId xmlns:p14="http://schemas.microsoft.com/office/powerpoint/2010/main" val="3591033285"/>
+      </p:ext>
+    </p:extLst>
+  </p:cSld>
+  <p:clrMapOvr>
+    <a:masterClrMapping/>
+  </p:clrMapOvr>
+</p:notes>
+</file>
+
+<file path=ppt/notesSlides/notesSlide11.xml><?xml version="1.0" encoding="utf-8"?>
+<p:notes xmlns:a="http://schemas.openxmlformats.org/drawingml/2006/main" xmlns:r="http://schemas.openxmlformats.org/officeDocument/2006/relationships" xmlns:p="http://schemas.openxmlformats.org/presentationml/2006/main" showMasterSp="0" showMasterPhAnim="0">
+  <p:cSld>
+    <p:spTree>
+      <p:nvGrpSpPr>
+        <p:cNvPr id="1" name="Shape 91"/>
+        <p:cNvGrpSpPr/>
+        <p:nvPr/>
+      </p:nvGrpSpPr>
+      <p:grpSpPr>
+        <a:xfrm>
+          <a:off x="0" y="0"/>
+          <a:ext cx="0" cy="0"/>
+          <a:chOff x="0" y="0"/>
+          <a:chExt cx="0" cy="0"/>
+        </a:xfrm>
+      </p:grpSpPr>
+      <p:sp>
+        <p:nvSpPr>
+          <p:cNvPr id="92" name="Google Shape;92;gf6a3e371d8_0_120:notes"/>
+          <p:cNvSpPr>
+            <a:spLocks noGrp="1" noRot="1" noChangeAspect="1"/>
+          </p:cNvSpPr>
+          <p:nvPr>
+            <p:ph type="sldImg" idx="2"/>
+          </p:nvPr>
+        </p:nvSpPr>
+        <p:spPr>
+          <a:xfrm>
+            <a:off x="381000" y="685800"/>
+            <a:ext cx="6096000" cy="3429000"/>
+          </a:xfrm>
+          <a:custGeom>
+            <a:avLst/>
+            <a:gdLst/>
+            <a:ahLst/>
+            <a:cxnLst/>
+            <a:rect l="l" t="t" r="r" b="b"/>
+            <a:pathLst>
+              <a:path w="120000" h="120000" extrusionOk="0">
+                <a:moveTo>
+                  <a:pt x="0" y="0"/>
+                </a:moveTo>
+                <a:lnTo>
+                  <a:pt x="120000" y="0"/>
+                </a:lnTo>
+                <a:lnTo>
+                  <a:pt x="120000" y="120000"/>
+                </a:lnTo>
+                <a:lnTo>
+                  <a:pt x="0" y="120000"/>
+                </a:lnTo>
+                <a:close/>
+              </a:path>
+            </a:pathLst>
+          </a:custGeom>
+        </p:spPr>
+      </p:sp>
+      <p:sp>
+        <p:nvSpPr>
+          <p:cNvPr id="93" name="Google Shape;93;gf6a3e371d8_0_120:notes"/>
+          <p:cNvSpPr txBox="1">
+            <a:spLocks noGrp="1"/>
+          </p:cNvSpPr>
+          <p:nvPr>
+            <p:ph type="body" idx="1"/>
+          </p:nvPr>
+        </p:nvSpPr>
+        <p:spPr>
+          <a:xfrm>
+            <a:off x="685800" y="4343400"/>
+            <a:ext cx="5486400" cy="4114800"/>
+          </a:xfrm>
+          <a:prstGeom prst="rect">
+            <a:avLst/>
+          </a:prstGeom>
+        </p:spPr>
+        <p:txBody>
+          <a:bodyPr spcFirstLastPara="1" wrap="square" lIns="91425" tIns="91425" rIns="91425" bIns="91425" anchor="t" anchorCtr="0">
+            <a:noAutofit/>
+          </a:bodyPr>
+          <a:lstStyle/>
+          <a:p>
+            <a:pPr marL="0" lvl="0" indent="0" algn="l" rtl="0">
+              <a:spcBef>
+                <a:spcPts val="0"/>
+              </a:spcBef>
+              <a:spcAft>
+                <a:spcPts val="0"/>
+              </a:spcAft>
+              <a:buNone/>
+            </a:pPr>
+            <a:endParaRPr/>
+          </a:p>
+        </p:txBody>
+      </p:sp>
+    </p:spTree>
+    <p:extLst>
+      <p:ext uri="{BB962C8B-B14F-4D97-AF65-F5344CB8AC3E}">
+        <p14:creationId xmlns:p14="http://schemas.microsoft.com/office/powerpoint/2010/main" val="2805846599"/>
+      </p:ext>
+    </p:extLst>
+  </p:cSld>
+  <p:clrMapOvr>
+    <a:masterClrMapping/>
+  </p:clrMapOvr>
+</p:notes>
+</file>
+
+<file path=ppt/notesSlides/notesSlide12.xml><?xml version="1.0" encoding="utf-8"?>
+<p:notes xmlns:a="http://schemas.openxmlformats.org/drawingml/2006/main" xmlns:r="http://schemas.openxmlformats.org/officeDocument/2006/relationships" xmlns:p="http://schemas.openxmlformats.org/presentationml/2006/main" showMasterSp="0" showMasterPhAnim="0">
+  <p:cSld>
+    <p:spTree>
+      <p:nvGrpSpPr>
+        <p:cNvPr id="1" name="Shape 91"/>
+        <p:cNvGrpSpPr/>
+        <p:nvPr/>
+      </p:nvGrpSpPr>
+      <p:grpSpPr>
+        <a:xfrm>
+          <a:off x="0" y="0"/>
+          <a:ext cx="0" cy="0"/>
+          <a:chOff x="0" y="0"/>
+          <a:chExt cx="0" cy="0"/>
+        </a:xfrm>
+      </p:grpSpPr>
+      <p:sp>
+        <p:nvSpPr>
+          <p:cNvPr id="92" name="Google Shape;92;gf6a3e371d8_0_120:notes"/>
+          <p:cNvSpPr>
+            <a:spLocks noGrp="1" noRot="1" noChangeAspect="1"/>
+          </p:cNvSpPr>
+          <p:nvPr>
+            <p:ph type="sldImg" idx="2"/>
+          </p:nvPr>
+        </p:nvSpPr>
+        <p:spPr>
+          <a:xfrm>
+            <a:off x="381000" y="685800"/>
+            <a:ext cx="6096000" cy="3429000"/>
+          </a:xfrm>
+          <a:custGeom>
+            <a:avLst/>
+            <a:gdLst/>
+            <a:ahLst/>
+            <a:cxnLst/>
+            <a:rect l="l" t="t" r="r" b="b"/>
+            <a:pathLst>
+              <a:path w="120000" h="120000" extrusionOk="0">
+                <a:moveTo>
+                  <a:pt x="0" y="0"/>
+                </a:moveTo>
+                <a:lnTo>
+                  <a:pt x="120000" y="0"/>
+                </a:lnTo>
+                <a:lnTo>
+                  <a:pt x="120000" y="120000"/>
+                </a:lnTo>
+                <a:lnTo>
+                  <a:pt x="0" y="120000"/>
+                </a:lnTo>
+                <a:close/>
+              </a:path>
+            </a:pathLst>
+          </a:custGeom>
+        </p:spPr>
+      </p:sp>
+      <p:sp>
+        <p:nvSpPr>
+          <p:cNvPr id="93" name="Google Shape;93;gf6a3e371d8_0_120:notes"/>
+          <p:cNvSpPr txBox="1">
+            <a:spLocks noGrp="1"/>
+          </p:cNvSpPr>
+          <p:nvPr>
+            <p:ph type="body" idx="1"/>
+          </p:nvPr>
+        </p:nvSpPr>
+        <p:spPr>
+          <a:xfrm>
+            <a:off x="685800" y="4343400"/>
+            <a:ext cx="5486400" cy="4114800"/>
+          </a:xfrm>
+          <a:prstGeom prst="rect">
+            <a:avLst/>
+          </a:prstGeom>
+        </p:spPr>
+        <p:txBody>
+          <a:bodyPr spcFirstLastPara="1" wrap="square" lIns="91425" tIns="91425" rIns="91425" bIns="91425" anchor="t" anchorCtr="0">
+            <a:noAutofit/>
+          </a:bodyPr>
+          <a:lstStyle/>
+          <a:p>
+            <a:pPr marL="0" lvl="0" indent="0" algn="l" rtl="0">
+              <a:spcBef>
+                <a:spcPts val="0"/>
+              </a:spcBef>
+              <a:spcAft>
+                <a:spcPts val="0"/>
+              </a:spcAft>
+              <a:buNone/>
+            </a:pPr>
+            <a:endParaRPr/>
+          </a:p>
+        </p:txBody>
+      </p:sp>
+    </p:spTree>
+    <p:extLst>
+      <p:ext uri="{BB962C8B-B14F-4D97-AF65-F5344CB8AC3E}">
+        <p14:creationId xmlns:p14="http://schemas.microsoft.com/office/powerpoint/2010/main" val="2350722413"/>
+      </p:ext>
+    </p:extLst>
+  </p:cSld>
+  <p:clrMapOvr>
+    <a:masterClrMapping/>
+  </p:clrMapOvr>
+</p:notes>
+</file>
+
+<file path=ppt/notesSlides/notesSlide13.xml><?xml version="1.0" encoding="utf-8"?>
+<p:notes xmlns:a="http://schemas.openxmlformats.org/drawingml/2006/main" xmlns:r="http://schemas.openxmlformats.org/officeDocument/2006/relationships" xmlns:p="http://schemas.openxmlformats.org/presentationml/2006/main" showMasterSp="0" showMasterPhAnim="0">
+  <p:cSld>
+    <p:spTree>
+      <p:nvGrpSpPr>
+        <p:cNvPr id="1" name="Shape 91"/>
+        <p:cNvGrpSpPr/>
+        <p:nvPr/>
+      </p:nvGrpSpPr>
+      <p:grpSpPr>
+        <a:xfrm>
+          <a:off x="0" y="0"/>
+          <a:ext cx="0" cy="0"/>
+          <a:chOff x="0" y="0"/>
+          <a:chExt cx="0" cy="0"/>
+        </a:xfrm>
+      </p:grpSpPr>
+      <p:sp>
+        <p:nvSpPr>
+          <p:cNvPr id="92" name="Google Shape;92;gf6a3e371d8_0_120:notes"/>
+          <p:cNvSpPr>
+            <a:spLocks noGrp="1" noRot="1" noChangeAspect="1"/>
+          </p:cNvSpPr>
+          <p:nvPr>
+            <p:ph type="sldImg" idx="2"/>
+          </p:nvPr>
+        </p:nvSpPr>
+        <p:spPr>
+          <a:xfrm>
+            <a:off x="381000" y="685800"/>
+            <a:ext cx="6096000" cy="3429000"/>
+          </a:xfrm>
+          <a:custGeom>
+            <a:avLst/>
+            <a:gdLst/>
+            <a:ahLst/>
+            <a:cxnLst/>
+            <a:rect l="l" t="t" r="r" b="b"/>
+            <a:pathLst>
+              <a:path w="120000" h="120000" extrusionOk="0">
+                <a:moveTo>
+                  <a:pt x="0" y="0"/>
+                </a:moveTo>
+                <a:lnTo>
+                  <a:pt x="120000" y="0"/>
+                </a:lnTo>
+                <a:lnTo>
+                  <a:pt x="120000" y="120000"/>
+                </a:lnTo>
+                <a:lnTo>
+                  <a:pt x="0" y="120000"/>
+                </a:lnTo>
+                <a:close/>
+              </a:path>
+            </a:pathLst>
+          </a:custGeom>
+        </p:spPr>
+      </p:sp>
+      <p:sp>
+        <p:nvSpPr>
+          <p:cNvPr id="93" name="Google Shape;93;gf6a3e371d8_0_120:notes"/>
+          <p:cNvSpPr txBox="1">
+            <a:spLocks noGrp="1"/>
+          </p:cNvSpPr>
+          <p:nvPr>
+            <p:ph type="body" idx="1"/>
+          </p:nvPr>
+        </p:nvSpPr>
+        <p:spPr>
+          <a:xfrm>
+            <a:off x="685800" y="4343400"/>
+            <a:ext cx="5486400" cy="4114800"/>
+          </a:xfrm>
+          <a:prstGeom prst="rect">
+            <a:avLst/>
+          </a:prstGeom>
+        </p:spPr>
+        <p:txBody>
+          <a:bodyPr spcFirstLastPara="1" wrap="square" lIns="91425" tIns="91425" rIns="91425" bIns="91425" anchor="t" anchorCtr="0">
+            <a:noAutofit/>
+          </a:bodyPr>
+          <a:lstStyle/>
+          <a:p>
+            <a:pPr marL="0" lvl="0" indent="0" algn="l" rtl="0">
+              <a:spcBef>
+                <a:spcPts val="0"/>
+              </a:spcBef>
+              <a:spcAft>
+                <a:spcPts val="0"/>
+              </a:spcAft>
+              <a:buNone/>
+            </a:pPr>
+            <a:endParaRPr/>
+          </a:p>
+        </p:txBody>
+      </p:sp>
+    </p:spTree>
+    <p:extLst>
+      <p:ext uri="{BB962C8B-B14F-4D97-AF65-F5344CB8AC3E}">
+        <p14:creationId xmlns:p14="http://schemas.microsoft.com/office/powerpoint/2010/main" val="1640745857"/>
+      </p:ext>
+    </p:extLst>
+  </p:cSld>
+  <p:clrMapOvr>
+    <a:masterClrMapping/>
+  </p:clrMapOvr>
+</p:notes>
+</file>
+
+<file path=ppt/notesSlides/notesSlide14.xml><?xml version="1.0" encoding="utf-8"?>
+<p:notes xmlns:a="http://schemas.openxmlformats.org/drawingml/2006/main" xmlns:r="http://schemas.openxmlformats.org/officeDocument/2006/relationships" xmlns:p="http://schemas.openxmlformats.org/presentationml/2006/main" showMasterSp="0" showMasterPhAnim="0">
+  <p:cSld>
+    <p:spTree>
+      <p:nvGrpSpPr>
+        <p:cNvPr id="1" name="Shape 81"/>
+        <p:cNvGrpSpPr/>
+        <p:nvPr/>
+      </p:nvGrpSpPr>
+      <p:grpSpPr>
+        <a:xfrm>
+          <a:off x="0" y="0"/>
+          <a:ext cx="0" cy="0"/>
+          <a:chOff x="0" y="0"/>
+          <a:chExt cx="0" cy="0"/>
+        </a:xfrm>
+      </p:grpSpPr>
+      <p:sp>
+        <p:nvSpPr>
+          <p:cNvPr id="82" name="Google Shape;82;gfb266a612e_0_0:notes"/>
+          <p:cNvSpPr>
+            <a:spLocks noGrp="1" noRot="1" noChangeAspect="1"/>
+          </p:cNvSpPr>
+          <p:nvPr>
+            <p:ph type="sldImg" idx="2"/>
+          </p:nvPr>
+        </p:nvSpPr>
+        <p:spPr>
+          <a:xfrm>
+            <a:off x="381000" y="685800"/>
+            <a:ext cx="6096000" cy="3429000"/>
+          </a:xfrm>
+          <a:custGeom>
+            <a:avLst/>
+            <a:gdLst/>
+            <a:ahLst/>
+            <a:cxnLst/>
+            <a:rect l="l" t="t" r="r" b="b"/>
+            <a:pathLst>
+              <a:path w="120000" h="120000" extrusionOk="0">
+                <a:moveTo>
+                  <a:pt x="0" y="0"/>
+                </a:moveTo>
+                <a:lnTo>
+                  <a:pt x="120000" y="0"/>
+                </a:lnTo>
+                <a:lnTo>
+                  <a:pt x="120000" y="120000"/>
+                </a:lnTo>
+                <a:lnTo>
+                  <a:pt x="0" y="120000"/>
+                </a:lnTo>
+                <a:close/>
+              </a:path>
+            </a:pathLst>
+          </a:custGeom>
+        </p:spPr>
+      </p:sp>
+      <p:sp>
+        <p:nvSpPr>
+          <p:cNvPr id="83" name="Google Shape;83;gfb266a612e_0_0:notes"/>
+          <p:cNvSpPr txBox="1">
+            <a:spLocks noGrp="1"/>
+          </p:cNvSpPr>
+          <p:nvPr>
+            <p:ph type="body" idx="1"/>
+          </p:nvPr>
+        </p:nvSpPr>
+        <p:spPr>
+          <a:xfrm>
+            <a:off x="685800" y="4343400"/>
+            <a:ext cx="5486400" cy="4114800"/>
+          </a:xfrm>
+          <a:prstGeom prst="rect">
+            <a:avLst/>
+          </a:prstGeom>
+        </p:spPr>
+        <p:txBody>
+          <a:bodyPr spcFirstLastPara="1" wrap="square" lIns="91425" tIns="91425" rIns="91425" bIns="91425" anchor="t" anchorCtr="0">
+            <a:noAutofit/>
+          </a:bodyPr>
+          <a:lstStyle/>
+          <a:p>
+            <a:pPr marL="0" lvl="0" indent="0" algn="l" rtl="0">
+              <a:spcBef>
+                <a:spcPts val="0"/>
+              </a:spcBef>
+              <a:spcAft>
+                <a:spcPts val="0"/>
+              </a:spcAft>
+              <a:buNone/>
+            </a:pPr>
+            <a:endParaRPr/>
+          </a:p>
+        </p:txBody>
+      </p:sp>
+    </p:spTree>
+  </p:cSld>
+  <p:clrMapOvr>
+    <a:masterClrMapping/>
+  </p:clrMapOvr>
+</p:notes>
+</file>
+
+<file path=ppt/notesSlides/notesSlide15.xml><?xml version="1.0" encoding="utf-8"?>
+<p:notes xmlns:a="http://schemas.openxmlformats.org/drawingml/2006/main" xmlns:r="http://schemas.openxmlformats.org/officeDocument/2006/relationships" xmlns:p="http://schemas.openxmlformats.org/presentationml/2006/main" showMasterSp="0" showMasterPhAnim="0">
+  <p:cSld>
+    <p:spTree>
+      <p:nvGrpSpPr>
         <p:cNvPr id="1" name="Shape 87"/>
         <p:cNvGrpSpPr/>
         <p:nvPr/>
@@ -1334,7 +1879,7 @@
     </p:spTree>
     <p:extLst>
       <p:ext uri="{BB962C8B-B14F-4D97-AF65-F5344CB8AC3E}">
-        <p14:creationId xmlns:p14="http://schemas.microsoft.com/office/powerpoint/2010/main" val="883992255"/>
+        <p14:creationId xmlns:p14="http://schemas.microsoft.com/office/powerpoint/2010/main" val="4104238910"/>
       </p:ext>
     </p:extLst>
   </p:cSld>
@@ -1443,7 +1988,7 @@
     </p:spTree>
     <p:extLst>
       <p:ext uri="{BB962C8B-B14F-4D97-AF65-F5344CB8AC3E}">
-        <p14:creationId xmlns:p14="http://schemas.microsoft.com/office/powerpoint/2010/main" val="3673230045"/>
+        <p14:creationId xmlns:p14="http://schemas.microsoft.com/office/powerpoint/2010/main" val="883992255"/>
       </p:ext>
     </p:extLst>
   </p:cSld>
@@ -1552,7 +2097,7 @@
     </p:spTree>
     <p:extLst>
       <p:ext uri="{BB962C8B-B14F-4D97-AF65-F5344CB8AC3E}">
-        <p14:creationId xmlns:p14="http://schemas.microsoft.com/office/powerpoint/2010/main" val="1640745857"/>
+        <p14:creationId xmlns:p14="http://schemas.microsoft.com/office/powerpoint/2010/main" val="47371821"/>
       </p:ext>
     </p:extLst>
   </p:cSld>
@@ -1661,7 +2206,7 @@
     </p:spTree>
     <p:extLst>
       <p:ext uri="{BB962C8B-B14F-4D97-AF65-F5344CB8AC3E}">
-        <p14:creationId xmlns:p14="http://schemas.microsoft.com/office/powerpoint/2010/main" val="47371821"/>
+        <p14:creationId xmlns:p14="http://schemas.microsoft.com/office/powerpoint/2010/main" val="744335688"/>
       </p:ext>
     </p:extLst>
   </p:cSld>
@@ -1676,7 +2221,7 @@
   <p:cSld>
     <p:spTree>
       <p:nvGrpSpPr>
-        <p:cNvPr id="1" name="Shape 81"/>
+        <p:cNvPr id="1" name="Shape 91"/>
         <p:cNvGrpSpPr/>
         <p:nvPr/>
       </p:nvGrpSpPr>
@@ -1690,7 +2235,7 @@
       </p:grpSpPr>
       <p:sp>
         <p:nvSpPr>
-          <p:cNvPr id="82" name="Google Shape;82;gfb266a612e_0_0:notes"/>
+          <p:cNvPr id="92" name="Google Shape;92;gf6a3e371d8_0_120:notes"/>
           <p:cNvSpPr>
             <a:spLocks noGrp="1" noRot="1" noChangeAspect="1"/>
           </p:cNvSpPr>
@@ -1731,7 +2276,7 @@
       </p:sp>
       <p:sp>
         <p:nvSpPr>
-          <p:cNvPr id="83" name="Google Shape;83;gfb266a612e_0_0:notes"/>
+          <p:cNvPr id="93" name="Google Shape;93;gf6a3e371d8_0_120:notes"/>
           <p:cNvSpPr txBox="1">
             <a:spLocks noGrp="1"/>
           </p:cNvSpPr>
@@ -1768,6 +2313,11 @@
         </p:txBody>
       </p:sp>
     </p:spTree>
+    <p:extLst>
+      <p:ext uri="{BB962C8B-B14F-4D97-AF65-F5344CB8AC3E}">
+        <p14:creationId xmlns:p14="http://schemas.microsoft.com/office/powerpoint/2010/main" val="3673230045"/>
+      </p:ext>
+    </p:extLst>
   </p:cSld>
   <p:clrMapOvr>
     <a:masterClrMapping/>
@@ -6638,6 +7188,1133 @@
   <p:cSld>
     <p:spTree>
       <p:nvGrpSpPr>
+        <p:cNvPr id="1" name="Shape 94"/>
+        <p:cNvGrpSpPr/>
+        <p:nvPr/>
+      </p:nvGrpSpPr>
+      <p:grpSpPr>
+        <a:xfrm>
+          <a:off x="0" y="0"/>
+          <a:ext cx="0" cy="0"/>
+          <a:chOff x="0" y="0"/>
+          <a:chExt cx="0" cy="0"/>
+        </a:xfrm>
+      </p:grpSpPr>
+      <p:sp>
+        <p:nvSpPr>
+          <p:cNvPr id="95" name="Google Shape;95;p19"/>
+          <p:cNvSpPr txBox="1">
+            <a:spLocks noGrp="1"/>
+          </p:cNvSpPr>
+          <p:nvPr>
+            <p:ph type="title"/>
+          </p:nvPr>
+        </p:nvSpPr>
+        <p:spPr>
+          <a:xfrm>
+            <a:off x="226208" y="230849"/>
+            <a:ext cx="8520600" cy="572700"/>
+          </a:xfrm>
+          <a:prstGeom prst="rect">
+            <a:avLst/>
+          </a:prstGeom>
+        </p:spPr>
+        <p:txBody>
+          <a:bodyPr spcFirstLastPara="1" wrap="square" lIns="91425" tIns="91425" rIns="91425" bIns="91425" anchor="t" anchorCtr="0">
+            <a:noAutofit/>
+          </a:bodyPr>
+          <a:lstStyle/>
+          <a:p>
+            <a:pPr marL="0" lvl="0" indent="0" algn="l" rtl="0">
+              <a:spcBef>
+                <a:spcPts val="0"/>
+              </a:spcBef>
+              <a:spcAft>
+                <a:spcPts val="0"/>
+              </a:spcAft>
+              <a:buNone/>
+            </a:pPr>
+            <a:r>
+              <a:rPr lang="en-GB" b="1" dirty="0">
+                <a:solidFill>
+                  <a:schemeClr val="tx1"/>
+                </a:solidFill>
+                <a:effectLst>
+                  <a:outerShdw blurRad="38100" dist="38100" dir="2700000" algn="tl">
+                    <a:srgbClr val="000000">
+                      <a:alpha val="43137"/>
+                    </a:srgbClr>
+                  </a:outerShdw>
+                </a:effectLst>
+              </a:rPr>
+              <a:t>Logger Aggregation</a:t>
+            </a:r>
+            <a:endParaRPr b="1" dirty="0">
+              <a:solidFill>
+                <a:schemeClr val="tx1"/>
+              </a:solidFill>
+              <a:effectLst>
+                <a:outerShdw blurRad="38100" dist="38100" dir="2700000" algn="tl">
+                  <a:srgbClr val="000000">
+                    <a:alpha val="43137"/>
+                  </a:srgbClr>
+                </a:outerShdw>
+              </a:effectLst>
+            </a:endParaRPr>
+          </a:p>
+        </p:txBody>
+      </p:sp>
+      <p:sp>
+        <p:nvSpPr>
+          <p:cNvPr id="2" name="Slide Number Placeholder 1">
+            <a:extLst>
+              <a:ext uri="{FF2B5EF4-FFF2-40B4-BE49-F238E27FC236}">
+                <a16:creationId xmlns:a16="http://schemas.microsoft.com/office/drawing/2014/main" id="{272B98B5-4E5D-4669-BBE9-A43F81998D44}"/>
+              </a:ext>
+            </a:extLst>
+          </p:cNvPr>
+          <p:cNvSpPr>
+            <a:spLocks noGrp="1"/>
+          </p:cNvSpPr>
+          <p:nvPr>
+            <p:ph type="sldNum" idx="12"/>
+          </p:nvPr>
+        </p:nvSpPr>
+        <p:spPr/>
+        <p:txBody>
+          <a:bodyPr/>
+          <a:lstStyle/>
+          <a:p>
+            <a:pPr marL="0" lvl="0" indent="0" algn="r" rtl="0">
+              <a:spcBef>
+                <a:spcPts val="0"/>
+              </a:spcBef>
+              <a:spcAft>
+                <a:spcPts val="0"/>
+              </a:spcAft>
+              <a:buNone/>
+            </a:pPr>
+            <a:fld id="{00000000-1234-1234-1234-123412341234}" type="slidenum">
+              <a:rPr lang="en-GB" smtClean="0"/>
+              <a:t>10</a:t>
+            </a:fld>
+            <a:endParaRPr lang="en-GB"/>
+          </a:p>
+        </p:txBody>
+      </p:sp>
+      <p:pic>
+        <p:nvPicPr>
+          <p:cNvPr id="3074" name="Picture 2">
+            <a:extLst>
+              <a:ext uri="{FF2B5EF4-FFF2-40B4-BE49-F238E27FC236}">
+                <a16:creationId xmlns:a16="http://schemas.microsoft.com/office/drawing/2014/main" id="{D0A6D8E3-F1E6-47BE-9876-B9F6D05BC1B2}"/>
+              </a:ext>
+            </a:extLst>
+          </p:cNvPr>
+          <p:cNvPicPr>
+            <a:picLocks noChangeAspect="1" noChangeArrowheads="1"/>
+          </p:cNvPicPr>
+          <p:nvPr/>
+        </p:nvPicPr>
+        <p:blipFill>
+          <a:blip r:embed="rId3"/>
+          <a:srcRect/>
+          <a:stretch/>
+        </p:blipFill>
+        <p:spPr bwMode="auto">
+          <a:xfrm>
+            <a:off x="3172629" y="884231"/>
+            <a:ext cx="2627758" cy="3903277"/>
+          </a:xfrm>
+          <a:prstGeom prst="rect">
+            <a:avLst/>
+          </a:prstGeom>
+          <a:noFill/>
+          <a:extLst>
+            <a:ext uri="{909E8E84-426E-40DD-AFC4-6F175D3DCCD1}">
+              <a14:hiddenFill xmlns:a14="http://schemas.microsoft.com/office/drawing/2010/main">
+                <a:solidFill>
+                  <a:srgbClr val="FFFFFF"/>
+                </a:solidFill>
+              </a14:hiddenFill>
+            </a:ext>
+          </a:extLst>
+        </p:spPr>
+      </p:pic>
+      <p:sp>
+        <p:nvSpPr>
+          <p:cNvPr id="3" name="TextBox 2">
+            <a:extLst>
+              <a:ext uri="{FF2B5EF4-FFF2-40B4-BE49-F238E27FC236}">
+                <a16:creationId xmlns:a16="http://schemas.microsoft.com/office/drawing/2014/main" id="{ED9C455E-9313-43F8-B49E-9AC3F80BDBFB}"/>
+              </a:ext>
+            </a:extLst>
+          </p:cNvPr>
+          <p:cNvSpPr txBox="1"/>
+          <p:nvPr/>
+        </p:nvSpPr>
+        <p:spPr>
+          <a:xfrm>
+            <a:off x="4572000" y="2010337"/>
+            <a:ext cx="981635" cy="307777"/>
+          </a:xfrm>
+          <a:prstGeom prst="rect">
+            <a:avLst/>
+          </a:prstGeom>
+          <a:noFill/>
+        </p:spPr>
+        <p:txBody>
+          <a:bodyPr wrap="square" rtlCol="0">
+            <a:spAutoFit/>
+          </a:bodyPr>
+          <a:lstStyle/>
+          <a:p>
+            <a:r>
+              <a:rPr lang="en-US" dirty="0"/>
+              <a:t>has</a:t>
+            </a:r>
+            <a:endParaRPr lang="ru-RU" dirty="0"/>
+          </a:p>
+        </p:txBody>
+      </p:sp>
+      <p:sp>
+        <p:nvSpPr>
+          <p:cNvPr id="4" name="TextBox 3">
+            <a:extLst>
+              <a:ext uri="{FF2B5EF4-FFF2-40B4-BE49-F238E27FC236}">
+                <a16:creationId xmlns:a16="http://schemas.microsoft.com/office/drawing/2014/main" id="{AD2CA4D7-C772-460E-A6C8-3FD64396FA30}"/>
+              </a:ext>
+            </a:extLst>
+          </p:cNvPr>
+          <p:cNvSpPr txBox="1"/>
+          <p:nvPr/>
+        </p:nvSpPr>
+        <p:spPr>
+          <a:xfrm>
+            <a:off x="4572000" y="3361765"/>
+            <a:ext cx="1445559" cy="307777"/>
+          </a:xfrm>
+          <a:prstGeom prst="rect">
+            <a:avLst/>
+          </a:prstGeom>
+          <a:noFill/>
+        </p:spPr>
+        <p:txBody>
+          <a:bodyPr wrap="square" rtlCol="0">
+            <a:spAutoFit/>
+          </a:bodyPr>
+          <a:lstStyle/>
+          <a:p>
+            <a:r>
+              <a:rPr lang="en-US" dirty="0"/>
+              <a:t>consists of</a:t>
+            </a:r>
+            <a:endParaRPr lang="ru-RU" dirty="0"/>
+          </a:p>
+        </p:txBody>
+      </p:sp>
+    </p:spTree>
+    <p:extLst>
+      <p:ext uri="{BB962C8B-B14F-4D97-AF65-F5344CB8AC3E}">
+        <p14:creationId xmlns:p14="http://schemas.microsoft.com/office/powerpoint/2010/main" val="1420547182"/>
+      </p:ext>
+    </p:extLst>
+  </p:cSld>
+  <p:clrMapOvr>
+    <a:masterClrMapping/>
+  </p:clrMapOvr>
+</p:sld>
+</file>
+
+<file path=ppt/slides/slide11.xml><?xml version="1.0" encoding="utf-8"?>
+<p:sld xmlns:a="http://schemas.openxmlformats.org/drawingml/2006/main" xmlns:r="http://schemas.openxmlformats.org/officeDocument/2006/relationships" xmlns:p="http://schemas.openxmlformats.org/presentationml/2006/main">
+  <p:cSld>
+    <p:spTree>
+      <p:nvGrpSpPr>
+        <p:cNvPr id="1" name="Shape 94"/>
+        <p:cNvGrpSpPr/>
+        <p:nvPr/>
+      </p:nvGrpSpPr>
+      <p:grpSpPr>
+        <a:xfrm>
+          <a:off x="0" y="0"/>
+          <a:ext cx="0" cy="0"/>
+          <a:chOff x="0" y="0"/>
+          <a:chExt cx="0" cy="0"/>
+        </a:xfrm>
+      </p:grpSpPr>
+      <p:sp>
+        <p:nvSpPr>
+          <p:cNvPr id="95" name="Google Shape;95;p19"/>
+          <p:cNvSpPr txBox="1">
+            <a:spLocks noGrp="1"/>
+          </p:cNvSpPr>
+          <p:nvPr>
+            <p:ph type="title"/>
+          </p:nvPr>
+        </p:nvSpPr>
+        <p:spPr>
+          <a:xfrm>
+            <a:off x="226208" y="230849"/>
+            <a:ext cx="8520600" cy="572700"/>
+          </a:xfrm>
+          <a:prstGeom prst="rect">
+            <a:avLst/>
+          </a:prstGeom>
+        </p:spPr>
+        <p:txBody>
+          <a:bodyPr spcFirstLastPara="1" wrap="square" lIns="91425" tIns="91425" rIns="91425" bIns="91425" anchor="t" anchorCtr="0">
+            <a:noAutofit/>
+          </a:bodyPr>
+          <a:lstStyle/>
+          <a:p>
+            <a:pPr marL="0" lvl="0" indent="0" algn="l" rtl="0">
+              <a:spcBef>
+                <a:spcPts val="0"/>
+              </a:spcBef>
+              <a:spcAft>
+                <a:spcPts val="0"/>
+              </a:spcAft>
+              <a:buNone/>
+            </a:pPr>
+            <a:r>
+              <a:rPr lang="en-GB" b="1" dirty="0">
+                <a:solidFill>
+                  <a:schemeClr val="tx1"/>
+                </a:solidFill>
+                <a:effectLst>
+                  <a:outerShdw blurRad="38100" dist="38100" dir="2700000" algn="tl">
+                    <a:srgbClr val="000000">
+                      <a:alpha val="43137"/>
+                    </a:srgbClr>
+                  </a:outerShdw>
+                </a:effectLst>
+              </a:rPr>
+              <a:t>Load Balancer Aggregation</a:t>
+            </a:r>
+            <a:endParaRPr b="1" dirty="0">
+              <a:solidFill>
+                <a:schemeClr val="tx1"/>
+              </a:solidFill>
+              <a:effectLst>
+                <a:outerShdw blurRad="38100" dist="38100" dir="2700000" algn="tl">
+                  <a:srgbClr val="000000">
+                    <a:alpha val="43137"/>
+                  </a:srgbClr>
+                </a:outerShdw>
+              </a:effectLst>
+            </a:endParaRPr>
+          </a:p>
+        </p:txBody>
+      </p:sp>
+      <p:sp>
+        <p:nvSpPr>
+          <p:cNvPr id="2" name="Slide Number Placeholder 1">
+            <a:extLst>
+              <a:ext uri="{FF2B5EF4-FFF2-40B4-BE49-F238E27FC236}">
+                <a16:creationId xmlns:a16="http://schemas.microsoft.com/office/drawing/2014/main" id="{272B98B5-4E5D-4669-BBE9-A43F81998D44}"/>
+              </a:ext>
+            </a:extLst>
+          </p:cNvPr>
+          <p:cNvSpPr>
+            <a:spLocks noGrp="1"/>
+          </p:cNvSpPr>
+          <p:nvPr>
+            <p:ph type="sldNum" idx="12"/>
+          </p:nvPr>
+        </p:nvSpPr>
+        <p:spPr/>
+        <p:txBody>
+          <a:bodyPr/>
+          <a:lstStyle/>
+          <a:p>
+            <a:pPr marL="0" lvl="0" indent="0" algn="r" rtl="0">
+              <a:spcBef>
+                <a:spcPts val="0"/>
+              </a:spcBef>
+              <a:spcAft>
+                <a:spcPts val="0"/>
+              </a:spcAft>
+              <a:buNone/>
+            </a:pPr>
+            <a:fld id="{00000000-1234-1234-1234-123412341234}" type="slidenum">
+              <a:rPr lang="en-GB" smtClean="0"/>
+              <a:t>11</a:t>
+            </a:fld>
+            <a:endParaRPr lang="en-GB"/>
+          </a:p>
+        </p:txBody>
+      </p:sp>
+      <p:pic>
+        <p:nvPicPr>
+          <p:cNvPr id="3074" name="Picture 2" descr="PlantUML Diagram">
+            <a:extLst>
+              <a:ext uri="{FF2B5EF4-FFF2-40B4-BE49-F238E27FC236}">
+                <a16:creationId xmlns:a16="http://schemas.microsoft.com/office/drawing/2014/main" id="{D0A6D8E3-F1E6-47BE-9876-B9F6D05BC1B2}"/>
+              </a:ext>
+            </a:extLst>
+          </p:cNvPr>
+          <p:cNvPicPr>
+            <a:picLocks noChangeAspect="1" noChangeArrowheads="1"/>
+          </p:cNvPicPr>
+          <p:nvPr/>
+        </p:nvPicPr>
+        <p:blipFill>
+          <a:blip r:embed="rId3">
+            <a:extLst>
+              <a:ext uri="{28A0092B-C50C-407E-A947-70E740481C1C}">
+                <a14:useLocalDpi xmlns:a14="http://schemas.microsoft.com/office/drawing/2010/main" val="0"/>
+              </a:ext>
+            </a:extLst>
+          </a:blip>
+          <a:srcRect/>
+          <a:stretch>
+            <a:fillRect/>
+          </a:stretch>
+        </p:blipFill>
+        <p:spPr bwMode="auto">
+          <a:xfrm>
+            <a:off x="2918209" y="1903319"/>
+            <a:ext cx="3307581" cy="1336862"/>
+          </a:xfrm>
+          <a:prstGeom prst="rect">
+            <a:avLst/>
+          </a:prstGeom>
+          <a:noFill/>
+          <a:extLst>
+            <a:ext uri="{909E8E84-426E-40DD-AFC4-6F175D3DCCD1}">
+              <a14:hiddenFill xmlns:a14="http://schemas.microsoft.com/office/drawing/2010/main">
+                <a:solidFill>
+                  <a:srgbClr val="FFFFFF"/>
+                </a:solidFill>
+              </a14:hiddenFill>
+            </a:ext>
+          </a:extLst>
+        </p:spPr>
+      </p:pic>
+    </p:spTree>
+    <p:extLst>
+      <p:ext uri="{BB962C8B-B14F-4D97-AF65-F5344CB8AC3E}">
+        <p14:creationId xmlns:p14="http://schemas.microsoft.com/office/powerpoint/2010/main" val="3536651445"/>
+      </p:ext>
+    </p:extLst>
+  </p:cSld>
+  <p:clrMapOvr>
+    <a:masterClrMapping/>
+  </p:clrMapOvr>
+</p:sld>
+</file>
+
+<file path=ppt/slides/slide12.xml><?xml version="1.0" encoding="utf-8"?>
+<p:sld xmlns:a="http://schemas.openxmlformats.org/drawingml/2006/main" xmlns:r="http://schemas.openxmlformats.org/officeDocument/2006/relationships" xmlns:p="http://schemas.openxmlformats.org/presentationml/2006/main">
+  <p:cSld>
+    <p:spTree>
+      <p:nvGrpSpPr>
+        <p:cNvPr id="1" name="Shape 94"/>
+        <p:cNvGrpSpPr/>
+        <p:nvPr/>
+      </p:nvGrpSpPr>
+      <p:grpSpPr>
+        <a:xfrm>
+          <a:off x="0" y="0"/>
+          <a:ext cx="0" cy="0"/>
+          <a:chOff x="0" y="0"/>
+          <a:chExt cx="0" cy="0"/>
+        </a:xfrm>
+      </p:grpSpPr>
+      <p:sp>
+        <p:nvSpPr>
+          <p:cNvPr id="95" name="Google Shape;95;p19"/>
+          <p:cNvSpPr txBox="1">
+            <a:spLocks noGrp="1"/>
+          </p:cNvSpPr>
+          <p:nvPr>
+            <p:ph type="title"/>
+          </p:nvPr>
+        </p:nvSpPr>
+        <p:spPr>
+          <a:xfrm>
+            <a:off x="226208" y="230849"/>
+            <a:ext cx="8520600" cy="572700"/>
+          </a:xfrm>
+          <a:prstGeom prst="rect">
+            <a:avLst/>
+          </a:prstGeom>
+        </p:spPr>
+        <p:txBody>
+          <a:bodyPr spcFirstLastPara="1" wrap="square" lIns="91425" tIns="91425" rIns="91425" bIns="91425" anchor="t" anchorCtr="0">
+            <a:noAutofit/>
+          </a:bodyPr>
+          <a:lstStyle/>
+          <a:p>
+            <a:pPr marL="0" lvl="0" indent="0" algn="l" rtl="0">
+              <a:spcBef>
+                <a:spcPts val="0"/>
+              </a:spcBef>
+              <a:spcAft>
+                <a:spcPts val="0"/>
+              </a:spcAft>
+              <a:buNone/>
+            </a:pPr>
+            <a:r>
+              <a:rPr lang="en-GB" b="1" dirty="0">
+                <a:solidFill>
+                  <a:schemeClr val="tx1"/>
+                </a:solidFill>
+                <a:effectLst>
+                  <a:outerShdw blurRad="38100" dist="38100" dir="2700000" algn="tl">
+                    <a:srgbClr val="000000">
+                      <a:alpha val="43137"/>
+                    </a:srgbClr>
+                  </a:outerShdw>
+                </a:effectLst>
+              </a:rPr>
+              <a:t>Model </a:t>
+            </a:r>
+            <a:r>
+              <a:rPr lang="en-GB" b="1" dirty="0" err="1">
+                <a:solidFill>
+                  <a:schemeClr val="tx1"/>
+                </a:solidFill>
+                <a:effectLst>
+                  <a:outerShdw blurRad="38100" dist="38100" dir="2700000" algn="tl">
+                    <a:srgbClr val="000000">
+                      <a:alpha val="43137"/>
+                    </a:srgbClr>
+                  </a:outerShdw>
+                </a:effectLst>
+              </a:rPr>
+              <a:t>Containerizer</a:t>
+            </a:r>
+            <a:r>
+              <a:rPr lang="en-GB" b="1" dirty="0">
+                <a:solidFill>
+                  <a:schemeClr val="tx1"/>
+                </a:solidFill>
+                <a:effectLst>
+                  <a:outerShdw blurRad="38100" dist="38100" dir="2700000" algn="tl">
+                    <a:srgbClr val="000000">
+                      <a:alpha val="43137"/>
+                    </a:srgbClr>
+                  </a:outerShdw>
+                </a:effectLst>
+              </a:rPr>
+              <a:t> Aggregation</a:t>
+            </a:r>
+            <a:endParaRPr b="1" dirty="0">
+              <a:solidFill>
+                <a:schemeClr val="tx1"/>
+              </a:solidFill>
+              <a:effectLst>
+                <a:outerShdw blurRad="38100" dist="38100" dir="2700000" algn="tl">
+                  <a:srgbClr val="000000">
+                    <a:alpha val="43137"/>
+                  </a:srgbClr>
+                </a:outerShdw>
+              </a:effectLst>
+            </a:endParaRPr>
+          </a:p>
+        </p:txBody>
+      </p:sp>
+      <p:sp>
+        <p:nvSpPr>
+          <p:cNvPr id="2" name="Slide Number Placeholder 1">
+            <a:extLst>
+              <a:ext uri="{FF2B5EF4-FFF2-40B4-BE49-F238E27FC236}">
+                <a16:creationId xmlns:a16="http://schemas.microsoft.com/office/drawing/2014/main" id="{272B98B5-4E5D-4669-BBE9-A43F81998D44}"/>
+              </a:ext>
+            </a:extLst>
+          </p:cNvPr>
+          <p:cNvSpPr>
+            <a:spLocks noGrp="1"/>
+          </p:cNvSpPr>
+          <p:nvPr>
+            <p:ph type="sldNum" idx="12"/>
+          </p:nvPr>
+        </p:nvSpPr>
+        <p:spPr/>
+        <p:txBody>
+          <a:bodyPr/>
+          <a:lstStyle/>
+          <a:p>
+            <a:pPr marL="0" lvl="0" indent="0" algn="r" rtl="0">
+              <a:spcBef>
+                <a:spcPts val="0"/>
+              </a:spcBef>
+              <a:spcAft>
+                <a:spcPts val="0"/>
+              </a:spcAft>
+              <a:buNone/>
+            </a:pPr>
+            <a:fld id="{00000000-1234-1234-1234-123412341234}" type="slidenum">
+              <a:rPr lang="en-GB" smtClean="0"/>
+              <a:t>12</a:t>
+            </a:fld>
+            <a:endParaRPr lang="en-GB"/>
+          </a:p>
+        </p:txBody>
+      </p:sp>
+      <p:grpSp>
+        <p:nvGrpSpPr>
+          <p:cNvPr id="4" name="Группа 3">
+            <a:extLst>
+              <a:ext uri="{FF2B5EF4-FFF2-40B4-BE49-F238E27FC236}">
+                <a16:creationId xmlns:a16="http://schemas.microsoft.com/office/drawing/2014/main" id="{4D3FF0D8-EA0B-430A-A98C-8F0AA73B3297}"/>
+              </a:ext>
+            </a:extLst>
+          </p:cNvPr>
+          <p:cNvGrpSpPr/>
+          <p:nvPr/>
+        </p:nvGrpSpPr>
+        <p:grpSpPr>
+          <a:xfrm>
+            <a:off x="3069291" y="1160953"/>
+            <a:ext cx="3005417" cy="3414668"/>
+            <a:chOff x="3069291" y="1160953"/>
+            <a:chExt cx="3005417" cy="3414668"/>
+          </a:xfrm>
+        </p:grpSpPr>
+        <p:pic>
+          <p:nvPicPr>
+            <p:cNvPr id="3074" name="Picture 2">
+              <a:extLst>
+                <a:ext uri="{FF2B5EF4-FFF2-40B4-BE49-F238E27FC236}">
+                  <a16:creationId xmlns:a16="http://schemas.microsoft.com/office/drawing/2014/main" id="{D0A6D8E3-F1E6-47BE-9876-B9F6D05BC1B2}"/>
+                </a:ext>
+              </a:extLst>
+            </p:cNvPr>
+            <p:cNvPicPr>
+              <a:picLocks noChangeAspect="1" noChangeArrowheads="1"/>
+            </p:cNvPicPr>
+            <p:nvPr/>
+          </p:nvPicPr>
+          <p:blipFill>
+            <a:blip r:embed="rId3"/>
+            <a:srcRect/>
+            <a:stretch/>
+          </p:blipFill>
+          <p:spPr bwMode="auto">
+            <a:xfrm>
+              <a:off x="3069291" y="1160953"/>
+              <a:ext cx="3005417" cy="3414668"/>
+            </a:xfrm>
+            <a:prstGeom prst="rect">
+              <a:avLst/>
+            </a:prstGeom>
+            <a:noFill/>
+            <a:extLst>
+              <a:ext uri="{909E8E84-426E-40DD-AFC4-6F175D3DCCD1}">
+                <a14:hiddenFill xmlns:a14="http://schemas.microsoft.com/office/drawing/2010/main">
+                  <a:solidFill>
+                    <a:srgbClr val="FFFFFF"/>
+                  </a:solidFill>
+                </a14:hiddenFill>
+              </a:ext>
+            </a:extLst>
+          </p:spPr>
+        </p:pic>
+        <p:sp>
+          <p:nvSpPr>
+            <p:cNvPr id="3" name="TextBox 2">
+              <a:extLst>
+                <a:ext uri="{FF2B5EF4-FFF2-40B4-BE49-F238E27FC236}">
+                  <a16:creationId xmlns:a16="http://schemas.microsoft.com/office/drawing/2014/main" id="{3097D8B8-9BCC-44DD-A393-3AB6B5710CA6}"/>
+                </a:ext>
+              </a:extLst>
+            </p:cNvPr>
+            <p:cNvSpPr txBox="1"/>
+            <p:nvPr/>
+          </p:nvSpPr>
+          <p:spPr>
+            <a:xfrm>
+              <a:off x="4682937" y="2507875"/>
+              <a:ext cx="1391771" cy="307777"/>
+            </a:xfrm>
+            <a:prstGeom prst="rect">
+              <a:avLst/>
+            </a:prstGeom>
+            <a:noFill/>
+          </p:spPr>
+          <p:txBody>
+            <a:bodyPr wrap="square" rtlCol="0">
+              <a:spAutoFit/>
+            </a:bodyPr>
+            <a:lstStyle/>
+            <a:p>
+              <a:r>
+                <a:rPr lang="en-US" dirty="0"/>
+                <a:t>has</a:t>
+              </a:r>
+              <a:endParaRPr lang="ru-RU" dirty="0"/>
+            </a:p>
+          </p:txBody>
+        </p:sp>
+      </p:grpSp>
+    </p:spTree>
+    <p:extLst>
+      <p:ext uri="{BB962C8B-B14F-4D97-AF65-F5344CB8AC3E}">
+        <p14:creationId xmlns:p14="http://schemas.microsoft.com/office/powerpoint/2010/main" val="3284643921"/>
+      </p:ext>
+    </p:extLst>
+  </p:cSld>
+  <p:clrMapOvr>
+    <a:masterClrMapping/>
+  </p:clrMapOvr>
+</p:sld>
+</file>
+
+<file path=ppt/slides/slide13.xml><?xml version="1.0" encoding="utf-8"?>
+<p:sld xmlns:a="http://schemas.openxmlformats.org/drawingml/2006/main" xmlns:r="http://schemas.openxmlformats.org/officeDocument/2006/relationships" xmlns:p="http://schemas.openxmlformats.org/presentationml/2006/main">
+  <p:cSld>
+    <p:spTree>
+      <p:nvGrpSpPr>
+        <p:cNvPr id="1" name="Shape 94"/>
+        <p:cNvGrpSpPr/>
+        <p:nvPr/>
+      </p:nvGrpSpPr>
+      <p:grpSpPr>
+        <a:xfrm>
+          <a:off x="0" y="0"/>
+          <a:ext cx="0" cy="0"/>
+          <a:chOff x="0" y="0"/>
+          <a:chExt cx="0" cy="0"/>
+        </a:xfrm>
+      </p:grpSpPr>
+      <p:sp>
+        <p:nvSpPr>
+          <p:cNvPr id="95" name="Google Shape;95;p19"/>
+          <p:cNvSpPr txBox="1">
+            <a:spLocks noGrp="1"/>
+          </p:cNvSpPr>
+          <p:nvPr>
+            <p:ph type="title"/>
+          </p:nvPr>
+        </p:nvSpPr>
+        <p:spPr>
+          <a:xfrm>
+            <a:off x="226208" y="230849"/>
+            <a:ext cx="8520600" cy="572700"/>
+          </a:xfrm>
+          <a:prstGeom prst="rect">
+            <a:avLst/>
+          </a:prstGeom>
+        </p:spPr>
+        <p:txBody>
+          <a:bodyPr spcFirstLastPara="1" wrap="square" lIns="91425" tIns="91425" rIns="91425" bIns="91425" anchor="t" anchorCtr="0">
+            <a:noAutofit/>
+          </a:bodyPr>
+          <a:lstStyle/>
+          <a:p>
+            <a:pPr marL="0" lvl="0" indent="0" algn="l" rtl="0">
+              <a:spcBef>
+                <a:spcPts val="0"/>
+              </a:spcBef>
+              <a:spcAft>
+                <a:spcPts val="0"/>
+              </a:spcAft>
+              <a:buNone/>
+            </a:pPr>
+            <a:r>
+              <a:rPr lang="en-GB" b="1" dirty="0">
+                <a:solidFill>
+                  <a:schemeClr val="tx1"/>
+                </a:solidFill>
+                <a:effectLst>
+                  <a:outerShdw blurRad="38100" dist="38100" dir="2700000" algn="tl">
+                    <a:srgbClr val="000000">
+                      <a:alpha val="43137"/>
+                    </a:srgbClr>
+                  </a:outerShdw>
+                </a:effectLst>
+              </a:rPr>
+              <a:t>Service Deployer Aggregation</a:t>
+            </a:r>
+            <a:endParaRPr b="1" dirty="0">
+              <a:solidFill>
+                <a:schemeClr val="tx1"/>
+              </a:solidFill>
+              <a:effectLst>
+                <a:outerShdw blurRad="38100" dist="38100" dir="2700000" algn="tl">
+                  <a:srgbClr val="000000">
+                    <a:alpha val="43137"/>
+                  </a:srgbClr>
+                </a:outerShdw>
+              </a:effectLst>
+            </a:endParaRPr>
+          </a:p>
+        </p:txBody>
+      </p:sp>
+      <p:sp>
+        <p:nvSpPr>
+          <p:cNvPr id="2" name="Slide Number Placeholder 1">
+            <a:extLst>
+              <a:ext uri="{FF2B5EF4-FFF2-40B4-BE49-F238E27FC236}">
+                <a16:creationId xmlns:a16="http://schemas.microsoft.com/office/drawing/2014/main" id="{272B98B5-4E5D-4669-BBE9-A43F81998D44}"/>
+              </a:ext>
+            </a:extLst>
+          </p:cNvPr>
+          <p:cNvSpPr>
+            <a:spLocks noGrp="1"/>
+          </p:cNvSpPr>
+          <p:nvPr>
+            <p:ph type="sldNum" idx="12"/>
+          </p:nvPr>
+        </p:nvSpPr>
+        <p:spPr/>
+        <p:txBody>
+          <a:bodyPr/>
+          <a:lstStyle/>
+          <a:p>
+            <a:pPr marL="0" lvl="0" indent="0" algn="r" rtl="0">
+              <a:spcBef>
+                <a:spcPts val="0"/>
+              </a:spcBef>
+              <a:spcAft>
+                <a:spcPts val="0"/>
+              </a:spcAft>
+              <a:buNone/>
+            </a:pPr>
+            <a:fld id="{00000000-1234-1234-1234-123412341234}" type="slidenum">
+              <a:rPr lang="en-GB" smtClean="0"/>
+              <a:t>13</a:t>
+            </a:fld>
+            <a:endParaRPr lang="en-GB"/>
+          </a:p>
+        </p:txBody>
+      </p:sp>
+      <p:grpSp>
+        <p:nvGrpSpPr>
+          <p:cNvPr id="5" name="Группа 4">
+            <a:extLst>
+              <a:ext uri="{FF2B5EF4-FFF2-40B4-BE49-F238E27FC236}">
+                <a16:creationId xmlns:a16="http://schemas.microsoft.com/office/drawing/2014/main" id="{067D2654-1FA4-4B8B-9ECE-F28EA2E4EFCD}"/>
+              </a:ext>
+            </a:extLst>
+          </p:cNvPr>
+          <p:cNvGrpSpPr/>
+          <p:nvPr/>
+        </p:nvGrpSpPr>
+        <p:grpSpPr>
+          <a:xfrm>
+            <a:off x="1979347" y="1065679"/>
+            <a:ext cx="4882373" cy="3597538"/>
+            <a:chOff x="1979347" y="1065679"/>
+            <a:chExt cx="4882373" cy="3597538"/>
+          </a:xfrm>
+        </p:grpSpPr>
+        <p:pic>
+          <p:nvPicPr>
+            <p:cNvPr id="4098" name="Picture 2" descr="PlantUML Diagram">
+              <a:extLst>
+                <a:ext uri="{FF2B5EF4-FFF2-40B4-BE49-F238E27FC236}">
+                  <a16:creationId xmlns:a16="http://schemas.microsoft.com/office/drawing/2014/main" id="{B82F8136-0EDE-4D31-AC61-09E5ABED7252}"/>
+                </a:ext>
+              </a:extLst>
+            </p:cNvPr>
+            <p:cNvPicPr>
+              <a:picLocks noChangeAspect="1" noChangeArrowheads="1"/>
+            </p:cNvPicPr>
+            <p:nvPr/>
+          </p:nvPicPr>
+          <p:blipFill>
+            <a:blip r:embed="rId3">
+              <a:extLst>
+                <a:ext uri="{28A0092B-C50C-407E-A947-70E740481C1C}">
+                  <a14:useLocalDpi xmlns:a14="http://schemas.microsoft.com/office/drawing/2010/main" val="0"/>
+                </a:ext>
+              </a:extLst>
+            </a:blip>
+            <a:srcRect/>
+            <a:stretch>
+              <a:fillRect/>
+            </a:stretch>
+          </p:blipFill>
+          <p:spPr bwMode="auto">
+            <a:xfrm>
+              <a:off x="1979347" y="1065679"/>
+              <a:ext cx="4882373" cy="3597538"/>
+            </a:xfrm>
+            <a:prstGeom prst="rect">
+              <a:avLst/>
+            </a:prstGeom>
+            <a:noFill/>
+            <a:extLst>
+              <a:ext uri="{909E8E84-426E-40DD-AFC4-6F175D3DCCD1}">
+                <a14:hiddenFill xmlns:a14="http://schemas.microsoft.com/office/drawing/2010/main">
+                  <a:solidFill>
+                    <a:srgbClr val="FFFFFF"/>
+                  </a:solidFill>
+                </a14:hiddenFill>
+              </a:ext>
+            </a:extLst>
+          </p:spPr>
+        </p:pic>
+        <p:sp>
+          <p:nvSpPr>
+            <p:cNvPr id="4" name="TextBox 3">
+              <a:extLst>
+                <a:ext uri="{FF2B5EF4-FFF2-40B4-BE49-F238E27FC236}">
+                  <a16:creationId xmlns:a16="http://schemas.microsoft.com/office/drawing/2014/main" id="{6E09FC91-3419-441F-940F-6306FD5262DD}"/>
+                </a:ext>
+              </a:extLst>
+            </p:cNvPr>
+            <p:cNvSpPr txBox="1"/>
+            <p:nvPr/>
+          </p:nvSpPr>
+          <p:spPr>
+            <a:xfrm>
+              <a:off x="5277971" y="2669241"/>
+              <a:ext cx="1176617" cy="307777"/>
+            </a:xfrm>
+            <a:prstGeom prst="rect">
+              <a:avLst/>
+            </a:prstGeom>
+            <a:noFill/>
+          </p:spPr>
+          <p:txBody>
+            <a:bodyPr wrap="square" rtlCol="0">
+              <a:spAutoFit/>
+            </a:bodyPr>
+            <a:lstStyle/>
+            <a:p>
+              <a:r>
+                <a:rPr lang="en-US" dirty="0"/>
+                <a:t>has</a:t>
+              </a:r>
+              <a:endParaRPr lang="ru-RU" dirty="0"/>
+            </a:p>
+          </p:txBody>
+        </p:sp>
+        <p:sp>
+          <p:nvSpPr>
+            <p:cNvPr id="7" name="TextBox 6">
+              <a:extLst>
+                <a:ext uri="{FF2B5EF4-FFF2-40B4-BE49-F238E27FC236}">
+                  <a16:creationId xmlns:a16="http://schemas.microsoft.com/office/drawing/2014/main" id="{2ACA1250-CFDD-4F72-8983-E110C2B359F6}"/>
+                </a:ext>
+              </a:extLst>
+            </p:cNvPr>
+            <p:cNvSpPr txBox="1"/>
+            <p:nvPr/>
+          </p:nvSpPr>
+          <p:spPr>
+            <a:xfrm>
+              <a:off x="3243916" y="2690899"/>
+              <a:ext cx="1176617" cy="307777"/>
+            </a:xfrm>
+            <a:prstGeom prst="rect">
+              <a:avLst/>
+            </a:prstGeom>
+            <a:noFill/>
+          </p:spPr>
+          <p:txBody>
+            <a:bodyPr wrap="square" rtlCol="0">
+              <a:spAutoFit/>
+            </a:bodyPr>
+            <a:lstStyle/>
+            <a:p>
+              <a:r>
+                <a:rPr lang="en-US" dirty="0"/>
+                <a:t>has</a:t>
+              </a:r>
+              <a:endParaRPr lang="ru-RU" dirty="0"/>
+            </a:p>
+          </p:txBody>
+        </p:sp>
+      </p:grpSp>
+    </p:spTree>
+    <p:extLst>
+      <p:ext uri="{BB962C8B-B14F-4D97-AF65-F5344CB8AC3E}">
+        <p14:creationId xmlns:p14="http://schemas.microsoft.com/office/powerpoint/2010/main" val="1707781090"/>
+      </p:ext>
+    </p:extLst>
+  </p:cSld>
+  <p:clrMapOvr>
+    <a:masterClrMapping/>
+  </p:clrMapOvr>
+</p:sld>
+</file>
+
+<file path=ppt/slides/slide14.xml><?xml version="1.0" encoding="utf-8"?>
+<p:sld xmlns:a="http://schemas.openxmlformats.org/drawingml/2006/main" xmlns:r="http://schemas.openxmlformats.org/officeDocument/2006/relationships" xmlns:p="http://schemas.openxmlformats.org/presentationml/2006/main">
+  <p:cSld>
+    <p:spTree>
+      <p:nvGrpSpPr>
+        <p:cNvPr id="1" name="Shape 84"/>
+        <p:cNvGrpSpPr/>
+        <p:nvPr/>
+      </p:nvGrpSpPr>
+      <p:grpSpPr>
+        <a:xfrm>
+          <a:off x="0" y="0"/>
+          <a:ext cx="0" cy="0"/>
+          <a:chOff x="0" y="0"/>
+          <a:chExt cx="0" cy="0"/>
+        </a:xfrm>
+      </p:grpSpPr>
+      <p:sp>
+        <p:nvSpPr>
+          <p:cNvPr id="85" name="Google Shape;85;p18"/>
+          <p:cNvSpPr txBox="1">
+            <a:spLocks noGrp="1"/>
+          </p:cNvSpPr>
+          <p:nvPr>
+            <p:ph type="title"/>
+          </p:nvPr>
+        </p:nvSpPr>
+        <p:spPr>
+          <a:xfrm>
+            <a:off x="311700" y="189531"/>
+            <a:ext cx="8520600" cy="572700"/>
+          </a:xfrm>
+          <a:prstGeom prst="rect">
+            <a:avLst/>
+          </a:prstGeom>
+        </p:spPr>
+        <p:txBody>
+          <a:bodyPr spcFirstLastPara="1" wrap="square" lIns="91425" tIns="91425" rIns="91425" bIns="91425" anchor="t" anchorCtr="0">
+            <a:noAutofit/>
+          </a:bodyPr>
+          <a:lstStyle/>
+          <a:p>
+            <a:pPr marL="0" lvl="0" indent="0" algn="l" rtl="0">
+              <a:spcBef>
+                <a:spcPts val="0"/>
+              </a:spcBef>
+              <a:spcAft>
+                <a:spcPts val="0"/>
+              </a:spcAft>
+              <a:buNone/>
+            </a:pPr>
+            <a:r>
+              <a:rPr lang="en-GB" b="1" dirty="0">
+                <a:solidFill>
+                  <a:srgbClr val="FF0000"/>
+                </a:solidFill>
+                <a:effectLst>
+                  <a:outerShdw blurRad="38100" dist="38100" dir="2700000" algn="tl">
+                    <a:srgbClr val="000000">
+                      <a:alpha val="43137"/>
+                    </a:srgbClr>
+                  </a:outerShdw>
+                </a:effectLst>
+              </a:rPr>
+              <a:t>Service diagram</a:t>
+            </a:r>
+            <a:endParaRPr b="1" dirty="0">
+              <a:solidFill>
+                <a:srgbClr val="FF0000"/>
+              </a:solidFill>
+              <a:effectLst>
+                <a:outerShdw blurRad="38100" dist="38100" dir="2700000" algn="tl">
+                  <a:srgbClr val="000000">
+                    <a:alpha val="43137"/>
+                  </a:srgbClr>
+                </a:outerShdw>
+              </a:effectLst>
+            </a:endParaRPr>
+          </a:p>
+        </p:txBody>
+      </p:sp>
+      <p:sp>
+        <p:nvSpPr>
+          <p:cNvPr id="86" name="Google Shape;86;p18"/>
+          <p:cNvSpPr txBox="1">
+            <a:spLocks noGrp="1"/>
+          </p:cNvSpPr>
+          <p:nvPr>
+            <p:ph type="body" idx="1"/>
+          </p:nvPr>
+        </p:nvSpPr>
+        <p:spPr>
+          <a:xfrm>
+            <a:off x="311700" y="1152475"/>
+            <a:ext cx="8520600" cy="3416400"/>
+          </a:xfrm>
+          <a:prstGeom prst="rect">
+            <a:avLst/>
+          </a:prstGeom>
+        </p:spPr>
+        <p:txBody>
+          <a:bodyPr spcFirstLastPara="1" wrap="square" lIns="91425" tIns="91425" rIns="91425" bIns="91425" anchor="t" anchorCtr="0">
+            <a:noAutofit/>
+          </a:bodyPr>
+          <a:lstStyle/>
+          <a:p>
+            <a:pPr marL="0" lvl="0" indent="0" algn="l" rtl="0">
+              <a:spcBef>
+                <a:spcPts val="0"/>
+              </a:spcBef>
+              <a:spcAft>
+                <a:spcPts val="0"/>
+              </a:spcAft>
+              <a:buNone/>
+            </a:pPr>
+            <a:r>
+              <a:rPr lang="en-GB" dirty="0"/>
+              <a:t>Draw a UML2 component diagram or physical DFD with microservices and their interfaces/data exchanges</a:t>
+            </a:r>
+            <a:endParaRPr dirty="0"/>
+          </a:p>
+          <a:p>
+            <a:pPr marL="0" lvl="0" indent="0" algn="l" rtl="0">
+              <a:spcBef>
+                <a:spcPts val="1200"/>
+              </a:spcBef>
+              <a:spcAft>
+                <a:spcPts val="0"/>
+              </a:spcAft>
+              <a:buNone/>
+            </a:pPr>
+            <a:r>
+              <a:rPr lang="en-GB" dirty="0"/>
+              <a:t>Also include dependencies on external services</a:t>
+            </a:r>
+            <a:endParaRPr dirty="0"/>
+          </a:p>
+          <a:p>
+            <a:pPr marL="0" lvl="0" indent="0" algn="l" rtl="0">
+              <a:spcBef>
+                <a:spcPts val="1200"/>
+              </a:spcBef>
+              <a:spcAft>
+                <a:spcPts val="0"/>
+              </a:spcAft>
+              <a:buNone/>
+            </a:pPr>
+            <a:endParaRPr dirty="0"/>
+          </a:p>
+          <a:p>
+            <a:pPr marL="0" lvl="0" indent="0" algn="l" rtl="0">
+              <a:spcBef>
+                <a:spcPts val="1200"/>
+              </a:spcBef>
+              <a:spcAft>
+                <a:spcPts val="1200"/>
+              </a:spcAft>
+              <a:buNone/>
+            </a:pPr>
+            <a:r>
+              <a:rPr lang="en-GB" dirty="0"/>
+              <a:t>&lt;At least one service/component per team member&gt;</a:t>
+            </a:r>
+            <a:endParaRPr dirty="0"/>
+          </a:p>
+        </p:txBody>
+      </p:sp>
+    </p:spTree>
+  </p:cSld>
+  <p:clrMapOvr>
+    <a:masterClrMapping/>
+  </p:clrMapOvr>
+</p:sld>
+</file>
+
+<file path=ppt/slides/slide15.xml><?xml version="1.0" encoding="utf-8"?>
+<p:sld xmlns:a="http://schemas.openxmlformats.org/drawingml/2006/main" xmlns:r="http://schemas.openxmlformats.org/officeDocument/2006/relationships" xmlns:p="http://schemas.openxmlformats.org/presentationml/2006/main">
+  <p:cSld>
+    <p:spTree>
+      <p:nvGrpSpPr>
         <p:cNvPr id="1" name="Shape 90"/>
         <p:cNvGrpSpPr/>
         <p:nvPr/>
@@ -6686,6 +8363,9 @@
             </a:pPr>
             <a:r>
               <a:rPr lang="en-GB" b="1" dirty="0">
+                <a:solidFill>
+                  <a:schemeClr val="tx1"/>
+                </a:solidFill>
                 <a:effectLst>
                   <a:outerShdw blurRad="38100" dist="38100" dir="2700000" algn="tl">
                     <a:srgbClr val="000000">
@@ -6697,6 +8377,9 @@
               <a:t>Traceability</a:t>
             </a:r>
             <a:endParaRPr b="1" dirty="0">
+              <a:solidFill>
+                <a:schemeClr val="tx1"/>
+              </a:solidFill>
               <a:effectLst>
                 <a:outerShdw blurRad="38100" dist="38100" dir="2700000" algn="tl">
                   <a:srgbClr val="000000">
@@ -6715,14 +8398,14 @@
           <p:nvPr>
             <p:extLst>
               <p:ext uri="{D42A27DB-BD31-4B8C-83A1-F6EECF244321}">
-                <p14:modId xmlns:p14="http://schemas.microsoft.com/office/powerpoint/2010/main" val="2282195347"/>
+                <p14:modId xmlns:p14="http://schemas.microsoft.com/office/powerpoint/2010/main" val="2637945206"/>
               </p:ext>
             </p:extLst>
           </p:nvPr>
         </p:nvGraphicFramePr>
         <p:xfrm>
-          <a:off x="437000" y="930654"/>
-          <a:ext cx="8270000" cy="3870780"/>
+          <a:off x="437000" y="816354"/>
+          <a:ext cx="8270000" cy="4063200"/>
         </p:xfrm>
         <a:graphic>
           <a:graphicData uri="http://schemas.openxmlformats.org/drawingml/2006/table">
@@ -6777,17 +8460,17 @@
                         <a:buNone/>
                       </a:pPr>
                       <a:r>
-                        <a:rPr lang="en-GB" b="1"/>
+                        <a:rPr lang="en-GB" b="1" dirty="0"/>
                         <a:t>Microservice</a:t>
                       </a:r>
                       <a:br>
-                        <a:rPr lang="en-GB" b="1"/>
+                        <a:rPr lang="en-GB" b="1" dirty="0"/>
                       </a:br>
                       <a:r>
-                        <a:rPr lang="en-GB" b="1"/>
+                        <a:rPr lang="en-GB" b="1" dirty="0"/>
                         <a:t>(component)</a:t>
                       </a:r>
-                      <a:endParaRPr b="1"/>
+                      <a:endParaRPr b="1" dirty="0"/>
                     </a:p>
                   </a:txBody>
                   <a:tcPr marL="91425" marR="91425" marT="91425" marB="91425"/>
@@ -6807,17 +8490,17 @@
                         <a:buNone/>
                       </a:pPr>
                       <a:r>
-                        <a:rPr lang="en-GB" b="1"/>
-                        <a:t>Resource</a:t>
+                        <a:rPr lang="en-GB" b="1" dirty="0"/>
+                        <a:t>Resources</a:t>
                       </a:r>
                       <a:br>
-                        <a:rPr lang="en-GB" b="1"/>
+                        <a:rPr lang="en-GB" b="1" dirty="0"/>
                       </a:br>
                       <a:r>
-                        <a:rPr lang="en-GB" b="1"/>
-                        <a:t>(interface)</a:t>
+                        <a:rPr lang="en-GB" b="1" dirty="0"/>
+                        <a:t>(provided interfaces)</a:t>
                       </a:r>
-                      <a:endParaRPr b="1"/>
+                      <a:endParaRPr b="1" dirty="0"/>
                     </a:p>
                   </a:txBody>
                   <a:tcPr marL="91425" marR="91425" marT="91425" marB="91425"/>
@@ -6837,10 +8520,10 @@
                         <a:buNone/>
                       </a:pPr>
                       <a:r>
-                        <a:rPr lang="en-GB" b="1"/>
+                        <a:rPr lang="en-GB" b="1" dirty="0"/>
                         <a:t>Domain classes in the microservice</a:t>
                       </a:r>
-                      <a:endParaRPr b="1"/>
+                      <a:endParaRPr b="1" dirty="0"/>
                     </a:p>
                   </a:txBody>
                   <a:tcPr marL="91425" marR="91425" marT="91425" marB="91425"/>
@@ -6916,14 +8599,6 @@
                         <a:rPr lang="en-US" dirty="0" err="1"/>
                         <a:t>IHttpRequest</a:t>
                       </a:r>
-                      <a:r>
-                        <a:rPr lang="en-US" dirty="0"/>
-                        <a:t>, </a:t>
-                      </a:r>
-                      <a:r>
-                        <a:rPr lang="en-US" dirty="0" err="1"/>
-                        <a:t>ILoadBalancingRules</a:t>
-                      </a:r>
                       <a:endParaRPr dirty="0"/>
                     </a:p>
                   </a:txBody>
@@ -6960,7 +8635,26 @@
                       </a:pPr>
                       <a:r>
                         <a:rPr lang="en-US" dirty="0"/>
-                        <a:t>Load Balancer</a:t>
+                        <a:t>Load Balancer,</a:t>
+                      </a:r>
+                    </a:p>
+                    <a:p>
+                      <a:pPr marL="0" lvl="0" indent="0" algn="l" rtl="0">
+                        <a:spcBef>
+                          <a:spcPts val="0"/>
+                        </a:spcBef>
+                        <a:spcAft>
+                          <a:spcPts val="0"/>
+                        </a:spcAft>
+                        <a:buNone/>
+                      </a:pPr>
+                      <a:r>
+                        <a:rPr lang="en-US" dirty="0"/>
+                        <a:t>Response </a:t>
+                      </a:r>
+                      <a:r>
+                        <a:rPr lang="en-US" dirty="0" err="1"/>
+                        <a:t>Cacher</a:t>
                       </a:r>
                       <a:endParaRPr dirty="0"/>
                     </a:p>
@@ -7065,15 +8759,7 @@
                       </a:pPr>
                       <a:r>
                         <a:rPr lang="en-US" dirty="0" err="1"/>
-                        <a:t>IAuthSession</a:t>
-                      </a:r>
-                      <a:r>
-                        <a:rPr lang="en-US" dirty="0"/>
-                        <a:t>, </a:t>
-                      </a:r>
-                      <a:r>
-                        <a:rPr lang="en-US" dirty="0" err="1"/>
-                        <a:t>IAuthRules</a:t>
+                        <a:t>IAuthRequest</a:t>
                       </a:r>
                       <a:endParaRPr dirty="0"/>
                     </a:p>
@@ -7171,8 +8857,8 @@
                         <a:buNone/>
                       </a:pPr>
                       <a:r>
-                        <a:rPr lang="en-US" dirty="0" err="1"/>
-                        <a:t>IModelData</a:t>
+                        <a:rPr lang="en-US" dirty="0"/>
+                        <a:t>-</a:t>
                       </a:r>
                       <a:endParaRPr dirty="0"/>
                     </a:p>
@@ -7270,7 +8956,7 @@
                         <a:buNone/>
                       </a:pPr>
                       <a:r>
-                        <a:rPr lang="en-US"/>
+                        <a:rPr lang="en-US" dirty="0"/>
                         <a:t>Schema Generator</a:t>
                       </a:r>
                       <a:endParaRPr dirty="0"/>
@@ -7294,7 +8980,7 @@
                       </a:pPr>
                       <a:r>
                         <a:rPr lang="en-US" dirty="0" err="1"/>
-                        <a:t>ISchema</a:t>
+                        <a:t>IApiSchema</a:t>
                       </a:r>
                       <a:endParaRPr dirty="0"/>
                     </a:p>
@@ -7401,15 +9087,7 @@
                       </a:pPr>
                       <a:r>
                         <a:rPr lang="en-US" dirty="0" err="1"/>
-                        <a:t>ILoggingRules</a:t>
-                      </a:r>
-                      <a:r>
-                        <a:rPr lang="en-US" dirty="0"/>
-                        <a:t>, </a:t>
-                      </a:r>
-                      <a:r>
-                        <a:rPr lang="en-US" dirty="0" err="1"/>
-                        <a:t>ILogEntry</a:t>
+                        <a:t>ILogFile</a:t>
                       </a:r>
                       <a:endParaRPr dirty="0"/>
                     </a:p>
@@ -8334,7 +10012,7 @@
             <a:r>
               <a:rPr lang="en-GB" b="1" dirty="0">
                 <a:solidFill>
-                  <a:srgbClr val="FF0000"/>
+                  <a:schemeClr val="tx1"/>
                 </a:solidFill>
                 <a:effectLst>
                   <a:outerShdw blurRad="38100" dist="38100" dir="2700000" algn="tl">
@@ -8344,11 +10022,11 @@
                   </a:outerShdw>
                 </a:effectLst>
               </a:rPr>
-              <a:t>Request Validator Aggregation</a:t>
+              <a:t>Request Router Aggregation</a:t>
             </a:r>
             <a:endParaRPr b="1" dirty="0">
               <a:solidFill>
-                <a:srgbClr val="FF0000"/>
+                <a:schemeClr val="tx1"/>
               </a:solidFill>
               <a:effectLst>
                 <a:outerShdw blurRad="38100" dist="38100" dir="2700000" algn="tl">
@@ -8401,10 +10079,10 @@
       </p:sp>
       <p:pic>
         <p:nvPicPr>
-          <p:cNvPr id="3" name="Picture 2">
+          <p:cNvPr id="1026" name="Picture 2" descr="PlantUML Diagram">
             <a:extLst>
               <a:ext uri="{FF2B5EF4-FFF2-40B4-BE49-F238E27FC236}">
-                <a16:creationId xmlns:a16="http://schemas.microsoft.com/office/drawing/2014/main" id="{9D06CEFF-A3C6-485D-9352-27590F4CA803}"/>
+                <a16:creationId xmlns:a16="http://schemas.microsoft.com/office/drawing/2014/main" id="{46B2B34A-1667-4E1B-9EB4-3774152CFF4D}"/>
               </a:ext>
             </a:extLst>
           </p:cNvPr>
@@ -8414,14 +10092,22 @@
           <p:nvPr/>
         </p:nvPicPr>
         <p:blipFill>
-          <a:blip r:embed="rId3"/>
+          <a:blip r:embed="rId3">
+            <a:extLst>
+              <a:ext uri="{28A0092B-C50C-407E-A947-70E740481C1C}">
+                <a14:useLocalDpi xmlns:a14="http://schemas.microsoft.com/office/drawing/2010/main" val="0"/>
+              </a:ext>
+            </a:extLst>
+          </a:blip>
           <a:srcRect/>
-          <a:stretch/>
+          <a:stretch>
+            <a:fillRect/>
+          </a:stretch>
         </p:blipFill>
         <p:spPr bwMode="auto">
           <a:xfrm>
-            <a:off x="1533096" y="1141379"/>
-            <a:ext cx="6182111" cy="2905327"/>
+            <a:off x="2336633" y="1076324"/>
+            <a:ext cx="4470734" cy="3267075"/>
           </a:xfrm>
           <a:prstGeom prst="rect">
             <a:avLst/>
@@ -8438,10 +10124,82 @@
           </a:extLst>
         </p:spPr>
       </p:pic>
+      <p:sp>
+        <p:nvSpPr>
+          <p:cNvPr id="3" name="TextBox 2">
+            <a:extLst>
+              <a:ext uri="{FF2B5EF4-FFF2-40B4-BE49-F238E27FC236}">
+                <a16:creationId xmlns:a16="http://schemas.microsoft.com/office/drawing/2014/main" id="{9729ECD6-ACDD-42D8-B879-59F4BDA06EFB}"/>
+              </a:ext>
+            </a:extLst>
+          </p:cNvPr>
+          <p:cNvSpPr txBox="1"/>
+          <p:nvPr/>
+        </p:nvSpPr>
+        <p:spPr>
+          <a:xfrm>
+            <a:off x="5277971" y="2484344"/>
+            <a:ext cx="1660712" cy="307777"/>
+          </a:xfrm>
+          <a:prstGeom prst="rect">
+            <a:avLst/>
+          </a:prstGeom>
+          <a:noFill/>
+        </p:spPr>
+        <p:txBody>
+          <a:bodyPr wrap="square" rtlCol="0">
+            <a:spAutoFit/>
+          </a:bodyPr>
+          <a:lstStyle/>
+          <a:p>
+            <a:r>
+              <a:rPr lang="en-US" dirty="0"/>
+              <a:t>receives</a:t>
+            </a:r>
+            <a:endParaRPr lang="ru-RU" dirty="0"/>
+          </a:p>
+        </p:txBody>
+      </p:sp>
+      <p:sp>
+        <p:nvSpPr>
+          <p:cNvPr id="4" name="TextBox 3">
+            <a:extLst>
+              <a:ext uri="{FF2B5EF4-FFF2-40B4-BE49-F238E27FC236}">
+                <a16:creationId xmlns:a16="http://schemas.microsoft.com/office/drawing/2014/main" id="{3CDB94BB-6EF8-4FEC-87DD-A41E3108B890}"/>
+              </a:ext>
+            </a:extLst>
+          </p:cNvPr>
+          <p:cNvSpPr txBox="1"/>
+          <p:nvPr/>
+        </p:nvSpPr>
+        <p:spPr>
+          <a:xfrm>
+            <a:off x="3348318" y="2484344"/>
+            <a:ext cx="671979" cy="307777"/>
+          </a:xfrm>
+          <a:prstGeom prst="rect">
+            <a:avLst/>
+          </a:prstGeom>
+          <a:noFill/>
+        </p:spPr>
+        <p:txBody>
+          <a:bodyPr wrap="none" rtlCol="0">
+            <a:spAutoFit/>
+          </a:bodyPr>
+          <a:lstStyle/>
+          <a:p>
+            <a:r>
+              <a:rPr lang="en-US" dirty="0"/>
+              <a:t>stores</a:t>
+            </a:r>
+            <a:endParaRPr lang="ru-RU" dirty="0"/>
+          </a:p>
+        </p:txBody>
+      </p:sp>
     </p:spTree>
     <p:extLst>
       <p:ext uri="{BB962C8B-B14F-4D97-AF65-F5344CB8AC3E}">
-        <p14:creationId xmlns:p14="http://schemas.microsoft.com/office/powerpoint/2010/main" val="690850579"/>
+        <p14:creationId xmlns:p14="http://schemas.microsoft.com/office/powerpoint/2010/main" val="4103552349"/>
       </p:ext>
     </p:extLst>
   </p:cSld>
@@ -8503,9 +10261,9 @@
               <a:buNone/>
             </a:pPr>
             <a:r>
-              <a:rPr lang="en-GB" b="1" dirty="0" err="1">
+              <a:rPr lang="en-GB" b="1" dirty="0">
                 <a:solidFill>
-                  <a:srgbClr val="FF0000"/>
+                  <a:schemeClr val="tx1"/>
                 </a:solidFill>
                 <a:effectLst>
                   <a:outerShdw blurRad="38100" dist="38100" dir="2700000" algn="tl">
@@ -8515,26 +10273,11 @@
                   </a:outerShdw>
                 </a:effectLst>
               </a:rPr>
-              <a:t>OpenAPI</a:t>
-            </a:r>
-            <a:r>
-              <a:rPr lang="en-GB" b="1" dirty="0">
-                <a:solidFill>
-                  <a:srgbClr val="FF0000"/>
-                </a:solidFill>
-                <a:effectLst>
-                  <a:outerShdw blurRad="38100" dist="38100" dir="2700000" algn="tl">
-                    <a:srgbClr val="000000">
-                      <a:alpha val="43137"/>
-                    </a:srgbClr>
-                  </a:outerShdw>
-                </a:effectLst>
-              </a:rPr>
-              <a:t> Generator Aggregation</a:t>
+              <a:t>Request Validator Aggregation</a:t>
             </a:r>
             <a:endParaRPr b="1" dirty="0">
               <a:solidFill>
-                <a:srgbClr val="FF0000"/>
+                <a:schemeClr val="tx1"/>
               </a:solidFill>
               <a:effectLst>
                 <a:outerShdw blurRad="38100" dist="38100" dir="2700000" algn="tl">
@@ -8585,49 +10328,142 @@
           </a:p>
         </p:txBody>
       </p:sp>
-      <p:pic>
-        <p:nvPicPr>
-          <p:cNvPr id="3" name="Picture 2">
+      <p:grpSp>
+        <p:nvGrpSpPr>
+          <p:cNvPr id="6" name="Группа 5">
             <a:extLst>
               <a:ext uri="{FF2B5EF4-FFF2-40B4-BE49-F238E27FC236}">
-                <a16:creationId xmlns:a16="http://schemas.microsoft.com/office/drawing/2014/main" id="{9D06CEFF-A3C6-485D-9352-27590F4CA803}"/>
+                <a16:creationId xmlns:a16="http://schemas.microsoft.com/office/drawing/2014/main" id="{3A5F6BFF-602E-4518-99C4-E5B654702314}"/>
               </a:ext>
             </a:extLst>
           </p:cNvPr>
-          <p:cNvPicPr>
-            <a:picLocks noChangeAspect="1" noChangeArrowheads="1"/>
-          </p:cNvPicPr>
+          <p:cNvGrpSpPr/>
           <p:nvPr/>
-        </p:nvPicPr>
-        <p:blipFill>
-          <a:blip r:embed="rId3"/>
-          <a:srcRect/>
-          <a:stretch/>
-        </p:blipFill>
-        <p:spPr bwMode="auto">
+        </p:nvGrpSpPr>
+        <p:grpSpPr>
           <a:xfrm>
-            <a:off x="2051786" y="824856"/>
-            <a:ext cx="4730014" cy="3817054"/>
+            <a:off x="1398674" y="1405218"/>
+            <a:ext cx="5822396" cy="2932918"/>
+            <a:chOff x="1802087" y="1243557"/>
+            <a:chExt cx="5560178" cy="2792020"/>
           </a:xfrm>
-          <a:prstGeom prst="rect">
-            <a:avLst/>
-          </a:prstGeom>
-          <a:noFill/>
-          <a:extLst>
-            <a:ext uri="{909E8E84-426E-40DD-AFC4-6F175D3DCCD1}">
-              <a14:hiddenFill xmlns:a14="http://schemas.microsoft.com/office/drawing/2010/main">
-                <a:solidFill>
-                  <a:srgbClr val="FFFFFF"/>
-                </a:solidFill>
-              </a14:hiddenFill>
-            </a:ext>
-          </a:extLst>
-        </p:spPr>
-      </p:pic>
+        </p:grpSpPr>
+        <p:pic>
+          <p:nvPicPr>
+            <p:cNvPr id="7" name="Picture 2">
+              <a:extLst>
+                <a:ext uri="{FF2B5EF4-FFF2-40B4-BE49-F238E27FC236}">
+                  <a16:creationId xmlns:a16="http://schemas.microsoft.com/office/drawing/2014/main" id="{E3F5BCFF-5A9E-4256-AA09-E020007AAEE0}"/>
+                </a:ext>
+              </a:extLst>
+            </p:cNvPr>
+            <p:cNvPicPr>
+              <a:picLocks noChangeAspect="1" noChangeArrowheads="1"/>
+            </p:cNvPicPr>
+            <p:nvPr/>
+          </p:nvPicPr>
+          <p:blipFill>
+            <a:blip r:embed="rId3"/>
+            <a:srcRect/>
+            <a:stretch/>
+          </p:blipFill>
+          <p:spPr bwMode="auto">
+            <a:xfrm>
+              <a:off x="1802087" y="1243557"/>
+              <a:ext cx="5560178" cy="2792020"/>
+            </a:xfrm>
+            <a:prstGeom prst="rect">
+              <a:avLst/>
+            </a:prstGeom>
+            <a:noFill/>
+            <a:extLst>
+              <a:ext uri="{909E8E84-426E-40DD-AFC4-6F175D3DCCD1}">
+                <a14:hiddenFill xmlns:a14="http://schemas.microsoft.com/office/drawing/2010/main">
+                  <a:solidFill>
+                    <a:srgbClr val="FFFFFF"/>
+                  </a:solidFill>
+                </a14:hiddenFill>
+              </a:ext>
+            </a:extLst>
+          </p:spPr>
+        </p:pic>
+        <p:sp>
+          <p:nvSpPr>
+            <p:cNvPr id="8" name="TextBox 7">
+              <a:extLst>
+                <a:ext uri="{FF2B5EF4-FFF2-40B4-BE49-F238E27FC236}">
+                  <a16:creationId xmlns:a16="http://schemas.microsoft.com/office/drawing/2014/main" id="{B337BF65-8DBB-4B62-BD53-6599E83356D7}"/>
+                </a:ext>
+              </a:extLst>
+            </p:cNvPr>
+            <p:cNvSpPr txBox="1"/>
+            <p:nvPr/>
+          </p:nvSpPr>
+          <p:spPr>
+            <a:xfrm>
+              <a:off x="3476065" y="2407023"/>
+              <a:ext cx="1371600" cy="307777"/>
+            </a:xfrm>
+            <a:prstGeom prst="rect">
+              <a:avLst/>
+            </a:prstGeom>
+            <a:noFill/>
+          </p:spPr>
+          <p:txBody>
+            <a:bodyPr wrap="square" rtlCol="0">
+              <a:spAutoFit/>
+            </a:bodyPr>
+            <a:lstStyle/>
+            <a:p>
+              <a:r>
+                <a:rPr lang="en-US" dirty="0"/>
+                <a:t>stores</a:t>
+              </a:r>
+              <a:endParaRPr lang="ru-RU" dirty="0"/>
+            </a:p>
+          </p:txBody>
+        </p:sp>
+        <p:sp>
+          <p:nvSpPr>
+            <p:cNvPr id="9" name="TextBox 8">
+              <a:extLst>
+                <a:ext uri="{FF2B5EF4-FFF2-40B4-BE49-F238E27FC236}">
+                  <a16:creationId xmlns:a16="http://schemas.microsoft.com/office/drawing/2014/main" id="{B7F27CDF-3020-4300-A4D5-B7CE05198094}"/>
+                </a:ext>
+              </a:extLst>
+            </p:cNvPr>
+            <p:cNvSpPr txBox="1"/>
+            <p:nvPr/>
+          </p:nvSpPr>
+          <p:spPr>
+            <a:xfrm>
+              <a:off x="5815853" y="2417861"/>
+              <a:ext cx="1264023" cy="307777"/>
+            </a:xfrm>
+            <a:prstGeom prst="rect">
+              <a:avLst/>
+            </a:prstGeom>
+            <a:noFill/>
+          </p:spPr>
+          <p:txBody>
+            <a:bodyPr wrap="square" rtlCol="0">
+              <a:spAutoFit/>
+            </a:bodyPr>
+            <a:lstStyle/>
+            <a:p>
+              <a:r>
+                <a:rPr lang="en-US" dirty="0"/>
+                <a:t>validates</a:t>
+              </a:r>
+              <a:endParaRPr lang="ru-RU" dirty="0"/>
+            </a:p>
+          </p:txBody>
+        </p:sp>
+      </p:grpSp>
     </p:spTree>
     <p:extLst>
       <p:ext uri="{BB962C8B-B14F-4D97-AF65-F5344CB8AC3E}">
-        <p14:creationId xmlns:p14="http://schemas.microsoft.com/office/powerpoint/2010/main" val="2097092720"/>
+        <p14:creationId xmlns:p14="http://schemas.microsoft.com/office/powerpoint/2010/main" val="690850579"/>
       </p:ext>
     </p:extLst>
   </p:cSld>
@@ -8691,7 +10527,7 @@
             <a:r>
               <a:rPr lang="en-GB" b="1" dirty="0">
                 <a:solidFill>
-                  <a:srgbClr val="FF0000"/>
+                  <a:schemeClr val="tx1"/>
                 </a:solidFill>
                 <a:effectLst>
                   <a:outerShdw blurRad="38100" dist="38100" dir="2700000" algn="tl">
@@ -8701,11 +10537,11 @@
                   </a:outerShdw>
                 </a:effectLst>
               </a:rPr>
-              <a:t>Service Deployer Aggregation</a:t>
+              <a:t>Authentication Provider Aggregation</a:t>
             </a:r>
             <a:endParaRPr b="1" dirty="0">
               <a:solidFill>
-                <a:srgbClr val="FF0000"/>
+                <a:schemeClr val="tx1"/>
               </a:solidFill>
               <a:effectLst>
                 <a:outerShdw blurRad="38100" dist="38100" dir="2700000" algn="tl">
@@ -8752,7 +10588,7 @@
               <a:rPr lang="en-GB" smtClean="0"/>
               <a:t>7</a:t>
             </a:fld>
-            <a:endParaRPr lang="en-GB"/>
+            <a:endParaRPr lang="en-GB" dirty="0"/>
           </a:p>
         </p:txBody>
       </p:sp>
@@ -8777,8 +10613,8 @@
         </p:blipFill>
         <p:spPr bwMode="auto">
           <a:xfrm>
-            <a:off x="2112818" y="825967"/>
-            <a:ext cx="4918364" cy="3688774"/>
+            <a:off x="3011721" y="871278"/>
+            <a:ext cx="2949574" cy="3724210"/>
           </a:xfrm>
           <a:prstGeom prst="rect">
             <a:avLst/>
@@ -8798,7 +10634,7 @@
     </p:spTree>
     <p:extLst>
       <p:ext uri="{BB962C8B-B14F-4D97-AF65-F5344CB8AC3E}">
-        <p14:creationId xmlns:p14="http://schemas.microsoft.com/office/powerpoint/2010/main" val="1707781090"/>
+        <p14:creationId xmlns:p14="http://schemas.microsoft.com/office/powerpoint/2010/main" val="4088691068"/>
       </p:ext>
     </p:extLst>
   </p:cSld>
@@ -8860,9 +10696,9 @@
               <a:buNone/>
             </a:pPr>
             <a:r>
-              <a:rPr lang="en-GB" b="1" dirty="0">
+              <a:rPr lang="en-GB" b="1" dirty="0" err="1">
                 <a:solidFill>
-                  <a:srgbClr val="FF0000"/>
+                  <a:schemeClr val="tx1"/>
                 </a:solidFill>
                 <a:effectLst>
                   <a:outerShdw blurRad="38100" dist="38100" dir="2700000" algn="tl">
@@ -8872,11 +10708,26 @@
                   </a:outerShdw>
                 </a:effectLst>
               </a:rPr>
-              <a:t>Authentication Provider Aggregation</a:t>
+              <a:t>OpenAPI</a:t>
+            </a:r>
+            <a:r>
+              <a:rPr lang="en-GB" b="1" dirty="0">
+                <a:solidFill>
+                  <a:schemeClr val="tx1"/>
+                </a:solidFill>
+                <a:effectLst>
+                  <a:outerShdw blurRad="38100" dist="38100" dir="2700000" algn="tl">
+                    <a:srgbClr val="000000">
+                      <a:alpha val="43137"/>
+                    </a:srgbClr>
+                  </a:outerShdw>
+                </a:effectLst>
+              </a:rPr>
+              <a:t> Generator Aggregation</a:t>
             </a:r>
             <a:endParaRPr b="1" dirty="0">
               <a:solidFill>
-                <a:srgbClr val="FF0000"/>
+                <a:schemeClr val="tx1"/>
               </a:solidFill>
               <a:effectLst>
                 <a:outerShdw blurRad="38100" dist="38100" dir="2700000" algn="tl">
@@ -8923,53 +10774,218 @@
               <a:rPr lang="en-GB" smtClean="0"/>
               <a:t>8</a:t>
             </a:fld>
-            <a:endParaRPr lang="en-GB" dirty="0"/>
+            <a:endParaRPr lang="en-GB"/>
           </a:p>
         </p:txBody>
       </p:sp>
-      <p:pic>
-        <p:nvPicPr>
-          <p:cNvPr id="3" name="Picture 2">
+      <p:grpSp>
+        <p:nvGrpSpPr>
+          <p:cNvPr id="5" name="Группа 4">
             <a:extLst>
               <a:ext uri="{FF2B5EF4-FFF2-40B4-BE49-F238E27FC236}">
-                <a16:creationId xmlns:a16="http://schemas.microsoft.com/office/drawing/2014/main" id="{9D06CEFF-A3C6-485D-9352-27590F4CA803}"/>
+                <a16:creationId xmlns:a16="http://schemas.microsoft.com/office/drawing/2014/main" id="{862476B5-02B7-4244-8A95-3ED9E59144CE}"/>
               </a:ext>
             </a:extLst>
           </p:cNvPr>
-          <p:cNvPicPr>
-            <a:picLocks noChangeAspect="1" noChangeArrowheads="1"/>
-          </p:cNvPicPr>
+          <p:cNvGrpSpPr/>
           <p:nvPr/>
-        </p:nvPicPr>
-        <p:blipFill>
-          <a:blip r:embed="rId3"/>
-          <a:srcRect/>
-          <a:stretch/>
-        </p:blipFill>
-        <p:spPr bwMode="auto">
+        </p:nvGrpSpPr>
+        <p:grpSpPr>
           <a:xfrm>
-            <a:off x="2389811" y="790642"/>
-            <a:ext cx="4184172" cy="3724210"/>
+            <a:off x="2051786" y="837931"/>
+            <a:ext cx="4730014" cy="3790903"/>
+            <a:chOff x="2051786" y="837931"/>
+            <a:chExt cx="4730014" cy="3790903"/>
           </a:xfrm>
-          <a:prstGeom prst="rect">
-            <a:avLst/>
-          </a:prstGeom>
-          <a:noFill/>
-          <a:extLst>
-            <a:ext uri="{909E8E84-426E-40DD-AFC4-6F175D3DCCD1}">
-              <a14:hiddenFill xmlns:a14="http://schemas.microsoft.com/office/drawing/2010/main">
-                <a:solidFill>
-                  <a:srgbClr val="FFFFFF"/>
-                </a:solidFill>
-              </a14:hiddenFill>
-            </a:ext>
-          </a:extLst>
-        </p:spPr>
-      </p:pic>
+        </p:grpSpPr>
+        <p:pic>
+          <p:nvPicPr>
+            <p:cNvPr id="6" name="Picture 2">
+              <a:extLst>
+                <a:ext uri="{FF2B5EF4-FFF2-40B4-BE49-F238E27FC236}">
+                  <a16:creationId xmlns:a16="http://schemas.microsoft.com/office/drawing/2014/main" id="{79BC32DB-FBB9-4384-9FCC-324126797880}"/>
+                </a:ext>
+              </a:extLst>
+            </p:cNvPr>
+            <p:cNvPicPr>
+              <a:picLocks noChangeAspect="1" noChangeArrowheads="1"/>
+            </p:cNvPicPr>
+            <p:nvPr/>
+          </p:nvPicPr>
+          <p:blipFill>
+            <a:blip r:embed="rId3"/>
+            <a:srcRect/>
+            <a:stretch/>
+          </p:blipFill>
+          <p:spPr bwMode="auto">
+            <a:xfrm>
+              <a:off x="2051786" y="837931"/>
+              <a:ext cx="4730014" cy="3790903"/>
+            </a:xfrm>
+            <a:prstGeom prst="rect">
+              <a:avLst/>
+            </a:prstGeom>
+            <a:noFill/>
+            <a:extLst>
+              <a:ext uri="{909E8E84-426E-40DD-AFC4-6F175D3DCCD1}">
+                <a14:hiddenFill xmlns:a14="http://schemas.microsoft.com/office/drawing/2010/main">
+                  <a:solidFill>
+                    <a:srgbClr val="FFFFFF"/>
+                  </a:solidFill>
+                </a14:hiddenFill>
+              </a:ext>
+            </a:extLst>
+          </p:spPr>
+        </p:pic>
+        <p:sp>
+          <p:nvSpPr>
+            <p:cNvPr id="7" name="TextBox 6">
+              <a:extLst>
+                <a:ext uri="{FF2B5EF4-FFF2-40B4-BE49-F238E27FC236}">
+                  <a16:creationId xmlns:a16="http://schemas.microsoft.com/office/drawing/2014/main" id="{CC5F10F6-5FEF-47A7-9775-B00C503DA4EB}"/>
+                </a:ext>
+              </a:extLst>
+            </p:cNvPr>
+            <p:cNvSpPr txBox="1"/>
+            <p:nvPr/>
+          </p:nvSpPr>
+          <p:spPr>
+            <a:xfrm>
+              <a:off x="5338482" y="2142927"/>
+              <a:ext cx="1163171" cy="523220"/>
+            </a:xfrm>
+            <a:prstGeom prst="rect">
+              <a:avLst/>
+            </a:prstGeom>
+            <a:noFill/>
+          </p:spPr>
+          <p:txBody>
+            <a:bodyPr wrap="square" rtlCol="0">
+              <a:spAutoFit/>
+            </a:bodyPr>
+            <a:lstStyle/>
+            <a:p>
+              <a:r>
+                <a:rPr lang="en-US" dirty="0"/>
+                <a:t>generates, stores</a:t>
+              </a:r>
+              <a:endParaRPr lang="ru-RU" dirty="0"/>
+            </a:p>
+          </p:txBody>
+        </p:sp>
+        <p:sp>
+          <p:nvSpPr>
+            <p:cNvPr id="8" name="TextBox 7">
+              <a:extLst>
+                <a:ext uri="{FF2B5EF4-FFF2-40B4-BE49-F238E27FC236}">
+                  <a16:creationId xmlns:a16="http://schemas.microsoft.com/office/drawing/2014/main" id="{80723869-A512-4722-BC47-B6B49A8108EC}"/>
+                </a:ext>
+              </a:extLst>
+            </p:cNvPr>
+            <p:cNvSpPr txBox="1"/>
+            <p:nvPr/>
+          </p:nvSpPr>
+          <p:spPr>
+            <a:xfrm>
+              <a:off x="2985247" y="2189992"/>
+              <a:ext cx="894231" cy="307777"/>
+            </a:xfrm>
+            <a:prstGeom prst="rect">
+              <a:avLst/>
+            </a:prstGeom>
+            <a:noFill/>
+          </p:spPr>
+          <p:txBody>
+            <a:bodyPr wrap="square" rtlCol="0">
+              <a:spAutoFit/>
+            </a:bodyPr>
+            <a:lstStyle/>
+            <a:p>
+              <a:r>
+                <a:rPr lang="en-US" dirty="0"/>
+                <a:t>receives</a:t>
+              </a:r>
+              <a:endParaRPr lang="ru-RU" dirty="0"/>
+            </a:p>
+          </p:txBody>
+        </p:sp>
+        <p:sp>
+          <p:nvSpPr>
+            <p:cNvPr id="9" name="TextBox 8">
+              <a:extLst>
+                <a:ext uri="{FF2B5EF4-FFF2-40B4-BE49-F238E27FC236}">
+                  <a16:creationId xmlns:a16="http://schemas.microsoft.com/office/drawing/2014/main" id="{603543E5-0DFC-45B1-B186-C5A01D901A28}"/>
+                </a:ext>
+              </a:extLst>
+            </p:cNvPr>
+            <p:cNvSpPr txBox="1"/>
+            <p:nvPr/>
+          </p:nvSpPr>
+          <p:spPr>
+            <a:xfrm>
+              <a:off x="2511238" y="3534335"/>
+              <a:ext cx="773206" cy="307777"/>
+            </a:xfrm>
+            <a:prstGeom prst="rect">
+              <a:avLst/>
+            </a:prstGeom>
+            <a:noFill/>
+          </p:spPr>
+          <p:txBody>
+            <a:bodyPr wrap="square" rtlCol="0">
+              <a:spAutoFit/>
+            </a:bodyPr>
+            <a:lstStyle/>
+            <a:p>
+              <a:r>
+                <a:rPr lang="en-US" dirty="0"/>
+                <a:t>has</a:t>
+              </a:r>
+              <a:endParaRPr lang="ru-RU" dirty="0"/>
+            </a:p>
+          </p:txBody>
+        </p:sp>
+        <p:sp>
+          <p:nvSpPr>
+            <p:cNvPr id="10" name="TextBox 9">
+              <a:extLst>
+                <a:ext uri="{FF2B5EF4-FFF2-40B4-BE49-F238E27FC236}">
+                  <a16:creationId xmlns:a16="http://schemas.microsoft.com/office/drawing/2014/main" id="{0D4DC108-22E1-49AC-8D3E-3A03D5E5B55B}"/>
+                </a:ext>
+              </a:extLst>
+            </p:cNvPr>
+            <p:cNvSpPr txBox="1"/>
+            <p:nvPr/>
+          </p:nvSpPr>
+          <p:spPr>
+            <a:xfrm>
+              <a:off x="3933265" y="3534336"/>
+              <a:ext cx="773206" cy="307777"/>
+            </a:xfrm>
+            <a:prstGeom prst="rect">
+              <a:avLst/>
+            </a:prstGeom>
+            <a:noFill/>
+          </p:spPr>
+          <p:txBody>
+            <a:bodyPr wrap="square" rtlCol="0">
+              <a:spAutoFit/>
+            </a:bodyPr>
+            <a:lstStyle/>
+            <a:p>
+              <a:r>
+                <a:rPr lang="en-US" dirty="0"/>
+                <a:t>has</a:t>
+              </a:r>
+              <a:endParaRPr lang="ru-RU" dirty="0"/>
+            </a:p>
+          </p:txBody>
+        </p:sp>
+      </p:grpSp>
     </p:spTree>
     <p:extLst>
       <p:ext uri="{BB962C8B-B14F-4D97-AF65-F5344CB8AC3E}">
-        <p14:creationId xmlns:p14="http://schemas.microsoft.com/office/powerpoint/2010/main" val="4088691068"/>
+        <p14:creationId xmlns:p14="http://schemas.microsoft.com/office/powerpoint/2010/main" val="3023432397"/>
       </p:ext>
     </p:extLst>
   </p:cSld>
@@ -8984,7 +11000,7 @@
   <p:cSld>
     <p:spTree>
       <p:nvGrpSpPr>
-        <p:cNvPr id="1" name="Shape 84"/>
+        <p:cNvPr id="1" name="Shape 94"/>
         <p:cNvGrpSpPr/>
         <p:nvPr/>
       </p:nvGrpSpPr>
@@ -8998,7 +11014,7 @@
       </p:grpSpPr>
       <p:sp>
         <p:nvSpPr>
-          <p:cNvPr id="85" name="Google Shape;85;p18"/>
+          <p:cNvPr id="95" name="Google Shape;95;p19"/>
           <p:cNvSpPr txBox="1">
             <a:spLocks noGrp="1"/>
           </p:cNvSpPr>
@@ -9008,7 +11024,7 @@
         </p:nvSpPr>
         <p:spPr>
           <a:xfrm>
-            <a:off x="311700" y="445025"/>
+            <a:off x="226208" y="230849"/>
             <a:ext cx="8520600" cy="572700"/>
           </a:xfrm>
           <a:prstGeom prst="rect">
@@ -9031,39 +11047,87 @@
               <a:buNone/>
             </a:pPr>
             <a:r>
-              <a:rPr lang="en-GB"/>
-              <a:t>Service diagram</a:t>
+              <a:rPr lang="en-GB" b="1" dirty="0">
+                <a:solidFill>
+                  <a:schemeClr val="tx1"/>
+                </a:solidFill>
+                <a:effectLst>
+                  <a:outerShdw blurRad="38100" dist="38100" dir="2700000" algn="tl">
+                    <a:srgbClr val="000000">
+                      <a:alpha val="43137"/>
+                    </a:srgbClr>
+                  </a:outerShdw>
+                </a:effectLst>
+              </a:rPr>
+              <a:t>Response </a:t>
             </a:r>
-            <a:endParaRPr/>
+            <a:r>
+              <a:rPr lang="en-GB" b="1" dirty="0" err="1">
+                <a:solidFill>
+                  <a:schemeClr val="tx1"/>
+                </a:solidFill>
+                <a:effectLst>
+                  <a:outerShdw blurRad="38100" dist="38100" dir="2700000" algn="tl">
+                    <a:srgbClr val="000000">
+                      <a:alpha val="43137"/>
+                    </a:srgbClr>
+                  </a:outerShdw>
+                </a:effectLst>
+              </a:rPr>
+              <a:t>Cacher</a:t>
+            </a:r>
+            <a:r>
+              <a:rPr lang="en-GB" b="1" dirty="0">
+                <a:solidFill>
+                  <a:schemeClr val="tx1"/>
+                </a:solidFill>
+                <a:effectLst>
+                  <a:outerShdw blurRad="38100" dist="38100" dir="2700000" algn="tl">
+                    <a:srgbClr val="000000">
+                      <a:alpha val="43137"/>
+                    </a:srgbClr>
+                  </a:outerShdw>
+                </a:effectLst>
+              </a:rPr>
+              <a:t> Aggregation</a:t>
+            </a:r>
+            <a:endParaRPr b="1" dirty="0">
+              <a:solidFill>
+                <a:schemeClr val="tx1"/>
+              </a:solidFill>
+              <a:effectLst>
+                <a:outerShdw blurRad="38100" dist="38100" dir="2700000" algn="tl">
+                  <a:srgbClr val="000000">
+                    <a:alpha val="43137"/>
+                  </a:srgbClr>
+                </a:outerShdw>
+              </a:effectLst>
+            </a:endParaRPr>
           </a:p>
         </p:txBody>
       </p:sp>
       <p:sp>
         <p:nvSpPr>
-          <p:cNvPr id="86" name="Google Shape;86;p18"/>
-          <p:cNvSpPr txBox="1">
+          <p:cNvPr id="2" name="Slide Number Placeholder 1">
+            <a:extLst>
+              <a:ext uri="{FF2B5EF4-FFF2-40B4-BE49-F238E27FC236}">
+                <a16:creationId xmlns:a16="http://schemas.microsoft.com/office/drawing/2014/main" id="{272B98B5-4E5D-4669-BBE9-A43F81998D44}"/>
+              </a:ext>
+            </a:extLst>
+          </p:cNvPr>
+          <p:cNvSpPr>
             <a:spLocks noGrp="1"/>
           </p:cNvSpPr>
           <p:nvPr>
-            <p:ph type="body" idx="1"/>
+            <p:ph type="sldNum" idx="12"/>
           </p:nvPr>
         </p:nvSpPr>
-        <p:spPr>
-          <a:xfrm>
-            <a:off x="311700" y="1152475"/>
-            <a:ext cx="8520600" cy="3416400"/>
-          </a:xfrm>
-          <a:prstGeom prst="rect">
-            <a:avLst/>
-          </a:prstGeom>
-        </p:spPr>
+        <p:spPr/>
         <p:txBody>
-          <a:bodyPr spcFirstLastPara="1" wrap="square" lIns="91425" tIns="91425" rIns="91425" bIns="91425" anchor="t" anchorCtr="0">
-            <a:noAutofit/>
-          </a:bodyPr>
+          <a:bodyPr/>
           <a:lstStyle/>
           <a:p>
-            <a:pPr marL="0" lvl="0" indent="0" algn="l" rtl="0">
+            <a:pPr marL="0" lvl="0" indent="0" algn="r" rtl="0">
               <a:spcBef>
                 <a:spcPts val="0"/>
               </a:spcBef>
@@ -9072,59 +11136,196 @@
               </a:spcAft>
               <a:buNone/>
             </a:pPr>
-            <a:r>
-              <a:rPr lang="en-GB" dirty="0"/>
-              <a:t>Draw a UML2 component diagram or physical DFD with microservices and their interfaces/data exchanges</a:t>
-            </a:r>
-            <a:endParaRPr dirty="0"/>
-          </a:p>
-          <a:p>
-            <a:pPr marL="0" lvl="0" indent="0" algn="l" rtl="0">
-              <a:spcBef>
-                <a:spcPts val="1200"/>
-              </a:spcBef>
-              <a:spcAft>
-                <a:spcPts val="0"/>
-              </a:spcAft>
-              <a:buNone/>
-            </a:pPr>
-            <a:r>
-              <a:rPr lang="en-GB" dirty="0"/>
-              <a:t>Also include dependencies on external services</a:t>
-            </a:r>
-            <a:endParaRPr dirty="0"/>
-          </a:p>
-          <a:p>
-            <a:pPr marL="0" lvl="0" indent="0" algn="l" rtl="0">
-              <a:spcBef>
-                <a:spcPts val="1200"/>
-              </a:spcBef>
-              <a:spcAft>
-                <a:spcPts val="0"/>
-              </a:spcAft>
-              <a:buNone/>
-            </a:pPr>
-            <a:endParaRPr dirty="0"/>
-          </a:p>
-          <a:p>
-            <a:pPr marL="0" lvl="0" indent="0" algn="l" rtl="0">
-              <a:spcBef>
-                <a:spcPts val="1200"/>
-              </a:spcBef>
-              <a:spcAft>
-                <a:spcPts val="1200"/>
-              </a:spcAft>
-              <a:buNone/>
-            </a:pPr>
-            <a:r>
-              <a:rPr lang="en-GB" dirty="0"/>
-              <a:t>&lt;At least one service/component per team member&gt;</a:t>
-            </a:r>
-            <a:endParaRPr dirty="0"/>
+            <a:fld id="{00000000-1234-1234-1234-123412341234}" type="slidenum">
+              <a:rPr lang="en-GB" smtClean="0"/>
+              <a:t>9</a:t>
+            </a:fld>
+            <a:endParaRPr lang="en-GB"/>
           </a:p>
         </p:txBody>
       </p:sp>
+      <p:grpSp>
+        <p:nvGrpSpPr>
+          <p:cNvPr id="13" name="Группа 12">
+            <a:extLst>
+              <a:ext uri="{FF2B5EF4-FFF2-40B4-BE49-F238E27FC236}">
+                <a16:creationId xmlns:a16="http://schemas.microsoft.com/office/drawing/2014/main" id="{FDE32414-AF88-4A3E-B460-3F883FB83F3D}"/>
+              </a:ext>
+            </a:extLst>
+          </p:cNvPr>
+          <p:cNvGrpSpPr/>
+          <p:nvPr/>
+        </p:nvGrpSpPr>
+        <p:grpSpPr>
+          <a:xfrm>
+            <a:off x="2152650" y="992001"/>
+            <a:ext cx="4838700" cy="3724275"/>
+            <a:chOff x="2152650" y="992001"/>
+            <a:chExt cx="4838700" cy="3724275"/>
+          </a:xfrm>
+        </p:grpSpPr>
+        <p:pic>
+          <p:nvPicPr>
+            <p:cNvPr id="2050" name="Picture 2" descr="PlantUML Diagram">
+              <a:extLst>
+                <a:ext uri="{FF2B5EF4-FFF2-40B4-BE49-F238E27FC236}">
+                  <a16:creationId xmlns:a16="http://schemas.microsoft.com/office/drawing/2014/main" id="{DFF57F6F-D318-44EB-B792-000360816415}"/>
+                </a:ext>
+              </a:extLst>
+            </p:cNvPr>
+            <p:cNvPicPr>
+              <a:picLocks noChangeAspect="1" noChangeArrowheads="1"/>
+            </p:cNvPicPr>
+            <p:nvPr/>
+          </p:nvPicPr>
+          <p:blipFill>
+            <a:blip r:embed="rId3">
+              <a:extLst>
+                <a:ext uri="{28A0092B-C50C-407E-A947-70E740481C1C}">
+                  <a14:useLocalDpi xmlns:a14="http://schemas.microsoft.com/office/drawing/2010/main" val="0"/>
+                </a:ext>
+              </a:extLst>
+            </a:blip>
+            <a:srcRect/>
+            <a:stretch>
+              <a:fillRect/>
+            </a:stretch>
+          </p:blipFill>
+          <p:spPr bwMode="auto">
+            <a:xfrm>
+              <a:off x="2152650" y="992001"/>
+              <a:ext cx="4838700" cy="3724275"/>
+            </a:xfrm>
+            <a:prstGeom prst="rect">
+              <a:avLst/>
+            </a:prstGeom>
+            <a:noFill/>
+            <a:extLst>
+              <a:ext uri="{909E8E84-426E-40DD-AFC4-6F175D3DCCD1}">
+                <a14:hiddenFill xmlns:a14="http://schemas.microsoft.com/office/drawing/2010/main">
+                  <a:solidFill>
+                    <a:srgbClr val="FFFFFF"/>
+                  </a:solidFill>
+                </a14:hiddenFill>
+              </a:ext>
+            </a:extLst>
+          </p:spPr>
+        </p:pic>
+        <p:sp>
+          <p:nvSpPr>
+            <p:cNvPr id="4" name="TextBox 3">
+              <a:extLst>
+                <a:ext uri="{FF2B5EF4-FFF2-40B4-BE49-F238E27FC236}">
+                  <a16:creationId xmlns:a16="http://schemas.microsoft.com/office/drawing/2014/main" id="{EAE01777-72BF-4C4A-AA00-9DE7EC3F2478}"/>
+                </a:ext>
+              </a:extLst>
+            </p:cNvPr>
+            <p:cNvSpPr txBox="1"/>
+            <p:nvPr/>
+          </p:nvSpPr>
+          <p:spPr>
+            <a:xfrm>
+              <a:off x="5143501" y="2077570"/>
+              <a:ext cx="880782" cy="307777"/>
+            </a:xfrm>
+            <a:prstGeom prst="rect">
+              <a:avLst/>
+            </a:prstGeom>
+            <a:noFill/>
+          </p:spPr>
+          <p:txBody>
+            <a:bodyPr wrap="square" rtlCol="0">
+              <a:spAutoFit/>
+            </a:bodyPr>
+            <a:lstStyle/>
+            <a:p>
+              <a:r>
+                <a:rPr lang="en-US" dirty="0"/>
+                <a:t>receives</a:t>
+              </a:r>
+              <a:endParaRPr lang="ru-RU" dirty="0"/>
+            </a:p>
+          </p:txBody>
+        </p:sp>
+        <p:sp>
+          <p:nvSpPr>
+            <p:cNvPr id="11" name="TextBox 10">
+              <a:extLst>
+                <a:ext uri="{FF2B5EF4-FFF2-40B4-BE49-F238E27FC236}">
+                  <a16:creationId xmlns:a16="http://schemas.microsoft.com/office/drawing/2014/main" id="{0F239266-C775-46DF-A1A5-23AA4D6480E1}"/>
+                </a:ext>
+              </a:extLst>
+            </p:cNvPr>
+            <p:cNvSpPr txBox="1"/>
+            <p:nvPr/>
+          </p:nvSpPr>
+          <p:spPr>
+            <a:xfrm>
+              <a:off x="3132044" y="3469342"/>
+              <a:ext cx="860612" cy="307777"/>
+            </a:xfrm>
+            <a:prstGeom prst="rect">
+              <a:avLst/>
+            </a:prstGeom>
+            <a:noFill/>
+          </p:spPr>
+          <p:txBody>
+            <a:bodyPr wrap="square" rtlCol="0">
+              <a:spAutoFit/>
+            </a:bodyPr>
+            <a:lstStyle/>
+            <a:p>
+              <a:r>
+                <a:rPr lang="en-US" dirty="0"/>
+                <a:t>has</a:t>
+              </a:r>
+              <a:endParaRPr lang="ru-RU" dirty="0"/>
+            </a:p>
+          </p:txBody>
+        </p:sp>
+        <p:sp>
+          <p:nvSpPr>
+            <p:cNvPr id="12" name="TextBox 11">
+              <a:extLst>
+                <a:ext uri="{FF2B5EF4-FFF2-40B4-BE49-F238E27FC236}">
+                  <a16:creationId xmlns:a16="http://schemas.microsoft.com/office/drawing/2014/main" id="{1FC4CDB7-468B-4226-B678-E5E928CC591E}"/>
+                </a:ext>
+              </a:extLst>
+            </p:cNvPr>
+            <p:cNvSpPr txBox="1"/>
+            <p:nvPr/>
+          </p:nvSpPr>
+          <p:spPr>
+            <a:xfrm>
+              <a:off x="3361765" y="2076782"/>
+              <a:ext cx="954741" cy="307777"/>
+            </a:xfrm>
+            <a:prstGeom prst="rect">
+              <a:avLst/>
+            </a:prstGeom>
+            <a:noFill/>
+          </p:spPr>
+          <p:txBody>
+            <a:bodyPr wrap="square" rtlCol="0">
+              <a:spAutoFit/>
+            </a:bodyPr>
+            <a:lstStyle/>
+            <a:p>
+              <a:r>
+                <a:rPr lang="en-US" dirty="0"/>
+                <a:t>stores</a:t>
+              </a:r>
+              <a:endParaRPr lang="ru-RU" dirty="0"/>
+            </a:p>
+          </p:txBody>
+        </p:sp>
+      </p:grpSp>
     </p:spTree>
+    <p:extLst>
+      <p:ext uri="{BB962C8B-B14F-4D97-AF65-F5344CB8AC3E}">
+        <p14:creationId xmlns:p14="http://schemas.microsoft.com/office/powerpoint/2010/main" val="2097092720"/>
+      </p:ext>
+    </p:extLst>
   </p:cSld>
   <p:clrMapOvr>
     <a:masterClrMapping/>

--- a/PracticeTasks/Module2/Task_9.1/Task 9.1 Resources and microservices.pptx
+++ b/PracticeTasks/Module2/Task_9.1/Task 9.1 Resources and microservices.pptx
@@ -8189,7 +8189,7 @@
             <a:r>
               <a:rPr lang="en-GB" b="1" dirty="0">
                 <a:solidFill>
-                  <a:srgbClr val="FF0000"/>
+                  <a:schemeClr val="tx1"/>
                 </a:solidFill>
                 <a:effectLst>
                   <a:outerShdw blurRad="38100" dist="38100" dir="2700000" algn="tl">
@@ -8203,7 +8203,7 @@
             </a:r>
             <a:endParaRPr b="1" dirty="0">
               <a:solidFill>
-                <a:srgbClr val="FF0000"/>
+                <a:schemeClr val="tx1"/>
               </a:solidFill>
               <a:effectLst>
                 <a:outerShdw blurRad="38100" dist="38100" dir="2700000" algn="tl">
@@ -8216,92 +8216,36 @@
           </a:p>
         </p:txBody>
       </p:sp>
-      <p:sp>
-        <p:nvSpPr>
-          <p:cNvPr id="86" name="Google Shape;86;p18"/>
-          <p:cNvSpPr txBox="1">
-            <a:spLocks noGrp="1"/>
-          </p:cNvSpPr>
-          <p:nvPr>
-            <p:ph type="body" idx="1"/>
-          </p:nvPr>
-        </p:nvSpPr>
+      <p:pic>
+        <p:nvPicPr>
+          <p:cNvPr id="5" name="Рисунок 4">
+            <a:extLst>
+              <a:ext uri="{FF2B5EF4-FFF2-40B4-BE49-F238E27FC236}">
+                <a16:creationId xmlns:a16="http://schemas.microsoft.com/office/drawing/2014/main" id="{9B6B5254-8FA1-493D-ACC6-991307EC8AAD}"/>
+              </a:ext>
+            </a:extLst>
+          </p:cNvPr>
+          <p:cNvPicPr>
+            <a:picLocks noChangeAspect="1"/>
+          </p:cNvPicPr>
+          <p:nvPr/>
+        </p:nvPicPr>
+        <p:blipFill>
+          <a:blip r:embed="rId3"/>
+          <a:stretch>
+            <a:fillRect/>
+          </a:stretch>
+        </p:blipFill>
         <p:spPr>
           <a:xfrm>
-            <a:off x="311700" y="1152475"/>
-            <a:ext cx="8520600" cy="3416400"/>
+            <a:off x="2810754" y="968188"/>
+            <a:ext cx="3928702" cy="3697941"/>
           </a:xfrm>
           <a:prstGeom prst="rect">
             <a:avLst/>
           </a:prstGeom>
         </p:spPr>
-        <p:txBody>
-          <a:bodyPr spcFirstLastPara="1" wrap="square" lIns="91425" tIns="91425" rIns="91425" bIns="91425" anchor="t" anchorCtr="0">
-            <a:noAutofit/>
-          </a:bodyPr>
-          <a:lstStyle/>
-          <a:p>
-            <a:pPr marL="0" lvl="0" indent="0" algn="l" rtl="0">
-              <a:spcBef>
-                <a:spcPts val="0"/>
-              </a:spcBef>
-              <a:spcAft>
-                <a:spcPts val="0"/>
-              </a:spcAft>
-              <a:buNone/>
-            </a:pPr>
-            <a:r>
-              <a:rPr lang="en-GB" dirty="0"/>
-              <a:t>Draw a UML2 component diagram or physical DFD with microservices and their interfaces/data exchanges</a:t>
-            </a:r>
-            <a:endParaRPr dirty="0"/>
-          </a:p>
-          <a:p>
-            <a:pPr marL="0" lvl="0" indent="0" algn="l" rtl="0">
-              <a:spcBef>
-                <a:spcPts val="1200"/>
-              </a:spcBef>
-              <a:spcAft>
-                <a:spcPts val="0"/>
-              </a:spcAft>
-              <a:buNone/>
-            </a:pPr>
-            <a:r>
-              <a:rPr lang="en-GB" dirty="0"/>
-              <a:t>Also include dependencies on external services</a:t>
-            </a:r>
-            <a:endParaRPr dirty="0"/>
-          </a:p>
-          <a:p>
-            <a:pPr marL="0" lvl="0" indent="0" algn="l" rtl="0">
-              <a:spcBef>
-                <a:spcPts val="1200"/>
-              </a:spcBef>
-              <a:spcAft>
-                <a:spcPts val="0"/>
-              </a:spcAft>
-              <a:buNone/>
-            </a:pPr>
-            <a:endParaRPr dirty="0"/>
-          </a:p>
-          <a:p>
-            <a:pPr marL="0" lvl="0" indent="0" algn="l" rtl="0">
-              <a:spcBef>
-                <a:spcPts val="1200"/>
-              </a:spcBef>
-              <a:spcAft>
-                <a:spcPts val="1200"/>
-              </a:spcAft>
-              <a:buNone/>
-            </a:pPr>
-            <a:r>
-              <a:rPr lang="en-GB" dirty="0"/>
-              <a:t>&lt;At least one service/component per team member&gt;</a:t>
-            </a:r>
-            <a:endParaRPr dirty="0"/>
-          </a:p>
-        </p:txBody>
-      </p:sp>
+      </p:pic>
     </p:spTree>
   </p:cSld>
   <p:clrMapOvr>
@@ -8398,7 +8342,7 @@
           <p:nvPr>
             <p:extLst>
               <p:ext uri="{D42A27DB-BD31-4B8C-83A1-F6EECF244321}">
-                <p14:modId xmlns:p14="http://schemas.microsoft.com/office/powerpoint/2010/main" val="2637945206"/>
+                <p14:modId xmlns:p14="http://schemas.microsoft.com/office/powerpoint/2010/main" val="474809179"/>
               </p:ext>
             </p:extLst>
           </p:nvPr>
@@ -8857,8 +8801,8 @@
                         <a:buNone/>
                       </a:pPr>
                       <a:r>
-                        <a:rPr lang="en-US" dirty="0"/>
-                        <a:t>-</a:t>
+                        <a:rPr lang="en-US" dirty="0" err="1"/>
+                        <a:t>IDeployModel</a:t>
                       </a:r>
                       <a:endParaRPr dirty="0"/>
                     </a:p>
@@ -8956,8 +8900,12 @@
                         <a:buNone/>
                       </a:pPr>
                       <a:r>
+                        <a:rPr lang="en-US"/>
+                        <a:t>OpenAPI </a:t>
+                      </a:r>
+                      <a:r>
                         <a:rPr lang="en-US" dirty="0"/>
-                        <a:t>Schema Generator</a:t>
+                        <a:t>Generator</a:t>
                       </a:r>
                       <a:endParaRPr dirty="0"/>
                     </a:p>

--- a/PracticeTasks/Module2/Task_9.1/Task 9.1 Resources and microservices.pptx
+++ b/PracticeTasks/Module2/Task_9.1/Task 9.1 Resources and microservices.pptx
@@ -7294,11 +7294,11 @@
               </a:spcAft>
               <a:buNone/>
             </a:pPr>
-            <a:fld id="{00000000-1234-1234-1234-123412341234}" type="slidenum">
-              <a:rPr lang="en-GB" smtClean="0"/>
-              <a:t>10</a:t>
-            </a:fld>
-            <a:endParaRPr lang="en-GB"/>
+            <a:r>
+              <a:rPr lang="ru-RU" dirty="0"/>
+              <a:t>9</a:t>
+            </a:r>
+            <a:endParaRPr lang="en-GB" dirty="0"/>
           </a:p>
         </p:txBody>
       </p:sp>
@@ -7537,11 +7537,11 @@
               </a:spcAft>
               <a:buNone/>
             </a:pPr>
-            <a:fld id="{00000000-1234-1234-1234-123412341234}" type="slidenum">
-              <a:rPr lang="en-GB" smtClean="0"/>
-              <a:t>11</a:t>
-            </a:fld>
-            <a:endParaRPr lang="en-GB"/>
+            <a:r>
+              <a:rPr lang="ru-RU" dirty="0"/>
+              <a:t>10</a:t>
+            </a:r>
+            <a:endParaRPr lang="en-GB" dirty="0"/>
           </a:p>
         </p:txBody>
       </p:sp>
@@ -7746,11 +7746,11 @@
               </a:spcAft>
               <a:buNone/>
             </a:pPr>
-            <a:fld id="{00000000-1234-1234-1234-123412341234}" type="slidenum">
-              <a:rPr lang="en-GB" smtClean="0"/>
-              <a:t>12</a:t>
-            </a:fld>
-            <a:endParaRPr lang="en-GB"/>
+            <a:r>
+              <a:rPr lang="ru-RU" dirty="0"/>
+              <a:t>11</a:t>
+            </a:r>
+            <a:endParaRPr lang="en-GB" dirty="0"/>
           </a:p>
         </p:txBody>
       </p:sp>
@@ -7974,11 +7974,11 @@
               </a:spcAft>
               <a:buNone/>
             </a:pPr>
-            <a:fld id="{00000000-1234-1234-1234-123412341234}" type="slidenum">
-              <a:rPr lang="en-GB" smtClean="0"/>
-              <a:t>13</a:t>
-            </a:fld>
-            <a:endParaRPr lang="en-GB"/>
+            <a:r>
+              <a:rPr lang="ru-RU" dirty="0"/>
+              <a:t>12</a:t>
+            </a:r>
+            <a:endParaRPr lang="en-GB" dirty="0"/>
           </a:p>
         </p:txBody>
       </p:sp>
@@ -9627,7 +9627,12 @@
             <p:ph type="sldNum" idx="12"/>
           </p:nvPr>
         </p:nvSpPr>
-        <p:spPr/>
+        <p:spPr>
+          <a:xfrm>
+            <a:off x="8472458" y="4663217"/>
+            <a:ext cx="548700" cy="393600"/>
+          </a:xfrm>
+        </p:spPr>
         <p:txBody>
           <a:bodyPr/>
           <a:lstStyle/>
@@ -9645,7 +9650,7 @@
               <a:rPr lang="en-GB" smtClean="0"/>
               <a:t>3</a:t>
             </a:fld>
-            <a:endParaRPr lang="en-GB"/>
+            <a:endParaRPr lang="en-GB" dirty="0"/>
           </a:p>
         </p:txBody>
       </p:sp>
@@ -10017,11 +10022,11 @@
               </a:spcAft>
               <a:buNone/>
             </a:pPr>
-            <a:fld id="{00000000-1234-1234-1234-123412341234}" type="slidenum">
-              <a:rPr lang="en-GB" smtClean="0"/>
-              <a:t>5</a:t>
-            </a:fld>
-            <a:endParaRPr lang="en-GB"/>
+            <a:r>
+              <a:rPr lang="ru-RU" dirty="0"/>
+              <a:t>4</a:t>
+            </a:r>
+            <a:endParaRPr lang="en-GB" dirty="0"/>
           </a:p>
         </p:txBody>
       </p:sp>
@@ -10268,11 +10273,11 @@
               </a:spcAft>
               <a:buNone/>
             </a:pPr>
-            <a:fld id="{00000000-1234-1234-1234-123412341234}" type="slidenum">
-              <a:rPr lang="en-GB" smtClean="0"/>
-              <a:t>6</a:t>
-            </a:fld>
-            <a:endParaRPr lang="en-GB"/>
+            <a:r>
+              <a:rPr lang="ru-RU" dirty="0"/>
+              <a:t>5</a:t>
+            </a:r>
+            <a:endParaRPr lang="en-GB" dirty="0"/>
           </a:p>
         </p:txBody>
       </p:sp>
@@ -10532,10 +10537,10 @@
               </a:spcAft>
               <a:buNone/>
             </a:pPr>
-            <a:fld id="{00000000-1234-1234-1234-123412341234}" type="slidenum">
-              <a:rPr lang="en-GB" smtClean="0"/>
-              <a:t>7</a:t>
-            </a:fld>
+            <a:r>
+              <a:rPr lang="ru-RU" dirty="0"/>
+              <a:t>6</a:t>
+            </a:r>
             <a:endParaRPr lang="en-GB" dirty="0"/>
           </a:p>
         </p:txBody>
@@ -10718,11 +10723,11 @@
               </a:spcAft>
               <a:buNone/>
             </a:pPr>
-            <a:fld id="{00000000-1234-1234-1234-123412341234}" type="slidenum">
-              <a:rPr lang="en-GB" smtClean="0"/>
-              <a:t>8</a:t>
-            </a:fld>
-            <a:endParaRPr lang="en-GB"/>
+            <a:r>
+              <a:rPr lang="ru-RU" dirty="0"/>
+              <a:t>7</a:t>
+            </a:r>
+            <a:endParaRPr lang="en-GB" dirty="0"/>
           </a:p>
         </p:txBody>
       </p:sp>
@@ -11070,7 +11075,12 @@
             <p:ph type="sldNum" idx="12"/>
           </p:nvPr>
         </p:nvSpPr>
-        <p:spPr/>
+        <p:spPr>
+          <a:xfrm>
+            <a:off x="8472458" y="4663217"/>
+            <a:ext cx="548700" cy="393600"/>
+          </a:xfrm>
+        </p:spPr>
         <p:txBody>
           <a:bodyPr/>
           <a:lstStyle/>
@@ -11084,11 +11094,11 @@
               </a:spcAft>
               <a:buNone/>
             </a:pPr>
-            <a:fld id="{00000000-1234-1234-1234-123412341234}" type="slidenum">
-              <a:rPr lang="en-GB" smtClean="0"/>
-              <a:t>9</a:t>
-            </a:fld>
-            <a:endParaRPr lang="en-GB"/>
+            <a:r>
+              <a:rPr lang="ru-RU" dirty="0"/>
+              <a:t>8</a:t>
+            </a:r>
+            <a:endParaRPr lang="en-GB" dirty="0"/>
           </a:p>
         </p:txBody>
       </p:sp>

--- a/PracticeTasks/Module2/Task_9.1/Task 9.1 Resources and microservices.pptx
+++ b/PracticeTasks/Module2/Task_9.1/Task 9.1 Resources and microservices.pptx
@@ -1,28 +1,27 @@
 
 <file path=ppt/presentation.xml><?xml version="1.0" encoding="utf-8"?>
-<p:presentation xmlns:a="http://schemas.openxmlformats.org/drawingml/2006/main" xmlns:r="http://schemas.openxmlformats.org/officeDocument/2006/relationships" xmlns:p="http://schemas.openxmlformats.org/presentationml/2006/main" strictFirstAndLastChars="0" saveSubsetFonts="1" autoCompressPictures="0">
+<p:presentation xmlns:a="http://schemas.openxmlformats.org/drawingml/2006/main" xmlns:r="http://schemas.openxmlformats.org/officeDocument/2006/relationships" xmlns:p="http://schemas.openxmlformats.org/presentationml/2006/main" showSpecialPlsOnTitleSld="0" strictFirstAndLastChars="0" saveSubsetFonts="1" autoCompressPictures="0">
   <p:sldMasterIdLst>
     <p:sldMasterId id="2147483659" r:id="rId1"/>
   </p:sldMasterIdLst>
   <p:notesMasterIdLst>
-    <p:notesMasterId r:id="rId17"/>
+    <p:notesMasterId r:id="rId16"/>
   </p:notesMasterIdLst>
   <p:sldIdLst>
     <p:sldId id="263" r:id="rId2"/>
     <p:sldId id="267" r:id="rId3"/>
     <p:sldId id="268" r:id="rId4"/>
-    <p:sldId id="273" r:id="rId5"/>
-    <p:sldId id="274" r:id="rId6"/>
-    <p:sldId id="269" r:id="rId7"/>
-    <p:sldId id="272" r:id="rId8"/>
-    <p:sldId id="275" r:id="rId9"/>
-    <p:sldId id="270" r:id="rId10"/>
-    <p:sldId id="278" r:id="rId11"/>
-    <p:sldId id="276" r:id="rId12"/>
-    <p:sldId id="277" r:id="rId13"/>
-    <p:sldId id="271" r:id="rId14"/>
-    <p:sldId id="261" r:id="rId15"/>
-    <p:sldId id="262" r:id="rId16"/>
+    <p:sldId id="274" r:id="rId5"/>
+    <p:sldId id="269" r:id="rId6"/>
+    <p:sldId id="272" r:id="rId7"/>
+    <p:sldId id="275" r:id="rId8"/>
+    <p:sldId id="270" r:id="rId9"/>
+    <p:sldId id="278" r:id="rId10"/>
+    <p:sldId id="276" r:id="rId11"/>
+    <p:sldId id="277" r:id="rId12"/>
+    <p:sldId id="271" r:id="rId13"/>
+    <p:sldId id="261" r:id="rId14"/>
+    <p:sldId id="262" r:id="rId15"/>
   </p:sldIdLst>
   <p:sldSz cx="9144000" cy="5143500" type="screen16x9"/>
   <p:notesSz cx="6858000" cy="9144000"/>
@@ -918,7 +917,7 @@
     </p:spTree>
     <p:extLst>
       <p:ext uri="{BB962C8B-B14F-4D97-AF65-F5344CB8AC3E}">
-        <p14:creationId xmlns:p14="http://schemas.microsoft.com/office/powerpoint/2010/main" val="3591033285"/>
+        <p14:creationId xmlns:p14="http://schemas.microsoft.com/office/powerpoint/2010/main" val="2805846599"/>
       </p:ext>
     </p:extLst>
   </p:cSld>
@@ -1027,7 +1026,7 @@
     </p:spTree>
     <p:extLst>
       <p:ext uri="{BB962C8B-B14F-4D97-AF65-F5344CB8AC3E}">
-        <p14:creationId xmlns:p14="http://schemas.microsoft.com/office/powerpoint/2010/main" val="2805846599"/>
+        <p14:creationId xmlns:p14="http://schemas.microsoft.com/office/powerpoint/2010/main" val="2350722413"/>
       </p:ext>
     </p:extLst>
   </p:cSld>
@@ -1136,7 +1135,7 @@
     </p:spTree>
     <p:extLst>
       <p:ext uri="{BB962C8B-B14F-4D97-AF65-F5344CB8AC3E}">
-        <p14:creationId xmlns:p14="http://schemas.microsoft.com/office/powerpoint/2010/main" val="2350722413"/>
+        <p14:creationId xmlns:p14="http://schemas.microsoft.com/office/powerpoint/2010/main" val="1640745857"/>
       </p:ext>
     </p:extLst>
   </p:cSld>
@@ -1147,115 +1146,6 @@
 </file>
 
 <file path=ppt/notesSlides/notesSlide13.xml><?xml version="1.0" encoding="utf-8"?>
-<p:notes xmlns:a="http://schemas.openxmlformats.org/drawingml/2006/main" xmlns:r="http://schemas.openxmlformats.org/officeDocument/2006/relationships" xmlns:p="http://schemas.openxmlformats.org/presentationml/2006/main" showMasterSp="0" showMasterPhAnim="0">
-  <p:cSld>
-    <p:spTree>
-      <p:nvGrpSpPr>
-        <p:cNvPr id="1" name="Shape 91"/>
-        <p:cNvGrpSpPr/>
-        <p:nvPr/>
-      </p:nvGrpSpPr>
-      <p:grpSpPr>
-        <a:xfrm>
-          <a:off x="0" y="0"/>
-          <a:ext cx="0" cy="0"/>
-          <a:chOff x="0" y="0"/>
-          <a:chExt cx="0" cy="0"/>
-        </a:xfrm>
-      </p:grpSpPr>
-      <p:sp>
-        <p:nvSpPr>
-          <p:cNvPr id="92" name="Google Shape;92;gf6a3e371d8_0_120:notes"/>
-          <p:cNvSpPr>
-            <a:spLocks noGrp="1" noRot="1" noChangeAspect="1"/>
-          </p:cNvSpPr>
-          <p:nvPr>
-            <p:ph type="sldImg" idx="2"/>
-          </p:nvPr>
-        </p:nvSpPr>
-        <p:spPr>
-          <a:xfrm>
-            <a:off x="381000" y="685800"/>
-            <a:ext cx="6096000" cy="3429000"/>
-          </a:xfrm>
-          <a:custGeom>
-            <a:avLst/>
-            <a:gdLst/>
-            <a:ahLst/>
-            <a:cxnLst/>
-            <a:rect l="l" t="t" r="r" b="b"/>
-            <a:pathLst>
-              <a:path w="120000" h="120000" extrusionOk="0">
-                <a:moveTo>
-                  <a:pt x="0" y="0"/>
-                </a:moveTo>
-                <a:lnTo>
-                  <a:pt x="120000" y="0"/>
-                </a:lnTo>
-                <a:lnTo>
-                  <a:pt x="120000" y="120000"/>
-                </a:lnTo>
-                <a:lnTo>
-                  <a:pt x="0" y="120000"/>
-                </a:lnTo>
-                <a:close/>
-              </a:path>
-            </a:pathLst>
-          </a:custGeom>
-        </p:spPr>
-      </p:sp>
-      <p:sp>
-        <p:nvSpPr>
-          <p:cNvPr id="93" name="Google Shape;93;gf6a3e371d8_0_120:notes"/>
-          <p:cNvSpPr txBox="1">
-            <a:spLocks noGrp="1"/>
-          </p:cNvSpPr>
-          <p:nvPr>
-            <p:ph type="body" idx="1"/>
-          </p:nvPr>
-        </p:nvSpPr>
-        <p:spPr>
-          <a:xfrm>
-            <a:off x="685800" y="4343400"/>
-            <a:ext cx="5486400" cy="4114800"/>
-          </a:xfrm>
-          <a:prstGeom prst="rect">
-            <a:avLst/>
-          </a:prstGeom>
-        </p:spPr>
-        <p:txBody>
-          <a:bodyPr spcFirstLastPara="1" wrap="square" lIns="91425" tIns="91425" rIns="91425" bIns="91425" anchor="t" anchorCtr="0">
-            <a:noAutofit/>
-          </a:bodyPr>
-          <a:lstStyle/>
-          <a:p>
-            <a:pPr marL="0" lvl="0" indent="0" algn="l" rtl="0">
-              <a:spcBef>
-                <a:spcPts val="0"/>
-              </a:spcBef>
-              <a:spcAft>
-                <a:spcPts val="0"/>
-              </a:spcAft>
-              <a:buNone/>
-            </a:pPr>
-            <a:endParaRPr/>
-          </a:p>
-        </p:txBody>
-      </p:sp>
-    </p:spTree>
-    <p:extLst>
-      <p:ext uri="{BB962C8B-B14F-4D97-AF65-F5344CB8AC3E}">
-        <p14:creationId xmlns:p14="http://schemas.microsoft.com/office/powerpoint/2010/main" val="1640745857"/>
-      </p:ext>
-    </p:extLst>
-  </p:cSld>
-  <p:clrMapOvr>
-    <a:masterClrMapping/>
-  </p:clrMapOvr>
-</p:notes>
-</file>
-
-<file path=ppt/notesSlides/notesSlide14.xml><?xml version="1.0" encoding="utf-8"?>
 <p:notes xmlns:a="http://schemas.openxmlformats.org/drawingml/2006/main" xmlns:r="http://schemas.openxmlformats.org/officeDocument/2006/relationships" xmlns:p="http://schemas.openxmlformats.org/presentationml/2006/main" showMasterSp="0" showMasterPhAnim="0">
   <p:cSld>
     <p:spTree>
@@ -1359,7 +1249,7 @@
 </p:notes>
 </file>
 
-<file path=ppt/notesSlides/notesSlide15.xml><?xml version="1.0" encoding="utf-8"?>
+<file path=ppt/notesSlides/notesSlide14.xml><?xml version="1.0" encoding="utf-8"?>
 <p:notes xmlns:a="http://schemas.openxmlformats.org/drawingml/2006/main" xmlns:r="http://schemas.openxmlformats.org/officeDocument/2006/relationships" xmlns:p="http://schemas.openxmlformats.org/presentationml/2006/main" showMasterSp="0" showMasterPhAnim="0">
   <p:cSld>
     <p:spTree>
@@ -1773,6 +1663,11 @@
         </p:txBody>
       </p:sp>
     </p:spTree>
+    <p:extLst>
+      <p:ext uri="{BB962C8B-B14F-4D97-AF65-F5344CB8AC3E}">
+        <p14:creationId xmlns:p14="http://schemas.microsoft.com/office/powerpoint/2010/main" val="4104238910"/>
+      </p:ext>
+    </p:extLst>
   </p:cSld>
   <p:clrMapOvr>
     <a:masterClrMapping/>
@@ -1879,7 +1774,7 @@
     </p:spTree>
     <p:extLst>
       <p:ext uri="{BB962C8B-B14F-4D97-AF65-F5344CB8AC3E}">
-        <p14:creationId xmlns:p14="http://schemas.microsoft.com/office/powerpoint/2010/main" val="4104238910"/>
+        <p14:creationId xmlns:p14="http://schemas.microsoft.com/office/powerpoint/2010/main" val="883992255"/>
       </p:ext>
     </p:extLst>
   </p:cSld>
@@ -1988,7 +1883,7 @@
     </p:spTree>
     <p:extLst>
       <p:ext uri="{BB962C8B-B14F-4D97-AF65-F5344CB8AC3E}">
-        <p14:creationId xmlns:p14="http://schemas.microsoft.com/office/powerpoint/2010/main" val="883992255"/>
+        <p14:creationId xmlns:p14="http://schemas.microsoft.com/office/powerpoint/2010/main" val="47371821"/>
       </p:ext>
     </p:extLst>
   </p:cSld>
@@ -2097,7 +1992,7 @@
     </p:spTree>
     <p:extLst>
       <p:ext uri="{BB962C8B-B14F-4D97-AF65-F5344CB8AC3E}">
-        <p14:creationId xmlns:p14="http://schemas.microsoft.com/office/powerpoint/2010/main" val="47371821"/>
+        <p14:creationId xmlns:p14="http://schemas.microsoft.com/office/powerpoint/2010/main" val="744335688"/>
       </p:ext>
     </p:extLst>
   </p:cSld>
@@ -2206,7 +2101,7 @@
     </p:spTree>
     <p:extLst>
       <p:ext uri="{BB962C8B-B14F-4D97-AF65-F5344CB8AC3E}">
-        <p14:creationId xmlns:p14="http://schemas.microsoft.com/office/powerpoint/2010/main" val="744335688"/>
+        <p14:creationId xmlns:p14="http://schemas.microsoft.com/office/powerpoint/2010/main" val="3673230045"/>
       </p:ext>
     </p:extLst>
   </p:cSld>
@@ -2315,7 +2210,7 @@
     </p:spTree>
     <p:extLst>
       <p:ext uri="{BB962C8B-B14F-4D97-AF65-F5344CB8AC3E}">
-        <p14:creationId xmlns:p14="http://schemas.microsoft.com/office/powerpoint/2010/main" val="3673230045"/>
+        <p14:creationId xmlns:p14="http://schemas.microsoft.com/office/powerpoint/2010/main" val="3591033285"/>
       </p:ext>
     </p:extLst>
   </p:cSld>
@@ -6381,7 +6276,7 @@
     <p:sldLayoutId id="2147483657" r:id="rId10"/>
     <p:sldLayoutId id="2147483658" r:id="rId11"/>
   </p:sldLayoutIdLst>
-  <p:hf sldNum="0" hdr="0" ftr="0" dt="0"/>
+  <p:hf hdr="0" ftr="0" dt="0"/>
   <p:txStyles>
     <p:titleStyle>
       <a:defPPr marR="0" lvl="0" algn="l" rtl="0">
@@ -7247,249 +7142,6 @@
                   </a:outerShdw>
                 </a:effectLst>
               </a:rPr>
-              <a:t>Logger Aggregation</a:t>
-            </a:r>
-            <a:endParaRPr b="1" dirty="0">
-              <a:solidFill>
-                <a:schemeClr val="tx1"/>
-              </a:solidFill>
-              <a:effectLst>
-                <a:outerShdw blurRad="38100" dist="38100" dir="2700000" algn="tl">
-                  <a:srgbClr val="000000">
-                    <a:alpha val="43137"/>
-                  </a:srgbClr>
-                </a:outerShdw>
-              </a:effectLst>
-            </a:endParaRPr>
-          </a:p>
-        </p:txBody>
-      </p:sp>
-      <p:sp>
-        <p:nvSpPr>
-          <p:cNvPr id="2" name="Slide Number Placeholder 1">
-            <a:extLst>
-              <a:ext uri="{FF2B5EF4-FFF2-40B4-BE49-F238E27FC236}">
-                <a16:creationId xmlns:a16="http://schemas.microsoft.com/office/drawing/2014/main" id="{272B98B5-4E5D-4669-BBE9-A43F81998D44}"/>
-              </a:ext>
-            </a:extLst>
-          </p:cNvPr>
-          <p:cNvSpPr>
-            <a:spLocks noGrp="1"/>
-          </p:cNvSpPr>
-          <p:nvPr>
-            <p:ph type="sldNum" idx="12"/>
-          </p:nvPr>
-        </p:nvSpPr>
-        <p:spPr/>
-        <p:txBody>
-          <a:bodyPr/>
-          <a:lstStyle/>
-          <a:p>
-            <a:pPr marL="0" lvl="0" indent="0" algn="r" rtl="0">
-              <a:spcBef>
-                <a:spcPts val="0"/>
-              </a:spcBef>
-              <a:spcAft>
-                <a:spcPts val="0"/>
-              </a:spcAft>
-              <a:buNone/>
-            </a:pPr>
-            <a:r>
-              <a:rPr lang="ru-RU" dirty="0"/>
-              <a:t>9</a:t>
-            </a:r>
-            <a:endParaRPr lang="en-GB" dirty="0"/>
-          </a:p>
-        </p:txBody>
-      </p:sp>
-      <p:pic>
-        <p:nvPicPr>
-          <p:cNvPr id="3074" name="Picture 2">
-            <a:extLst>
-              <a:ext uri="{FF2B5EF4-FFF2-40B4-BE49-F238E27FC236}">
-                <a16:creationId xmlns:a16="http://schemas.microsoft.com/office/drawing/2014/main" id="{D0A6D8E3-F1E6-47BE-9876-B9F6D05BC1B2}"/>
-              </a:ext>
-            </a:extLst>
-          </p:cNvPr>
-          <p:cNvPicPr>
-            <a:picLocks noChangeAspect="1" noChangeArrowheads="1"/>
-          </p:cNvPicPr>
-          <p:nvPr/>
-        </p:nvPicPr>
-        <p:blipFill>
-          <a:blip r:embed="rId3"/>
-          <a:srcRect/>
-          <a:stretch/>
-        </p:blipFill>
-        <p:spPr bwMode="auto">
-          <a:xfrm>
-            <a:off x="3172629" y="884231"/>
-            <a:ext cx="2627758" cy="3903277"/>
-          </a:xfrm>
-          <a:prstGeom prst="rect">
-            <a:avLst/>
-          </a:prstGeom>
-          <a:noFill/>
-          <a:extLst>
-            <a:ext uri="{909E8E84-426E-40DD-AFC4-6F175D3DCCD1}">
-              <a14:hiddenFill xmlns:a14="http://schemas.microsoft.com/office/drawing/2010/main">
-                <a:solidFill>
-                  <a:srgbClr val="FFFFFF"/>
-                </a:solidFill>
-              </a14:hiddenFill>
-            </a:ext>
-          </a:extLst>
-        </p:spPr>
-      </p:pic>
-      <p:sp>
-        <p:nvSpPr>
-          <p:cNvPr id="3" name="TextBox 2">
-            <a:extLst>
-              <a:ext uri="{FF2B5EF4-FFF2-40B4-BE49-F238E27FC236}">
-                <a16:creationId xmlns:a16="http://schemas.microsoft.com/office/drawing/2014/main" id="{ED9C455E-9313-43F8-B49E-9AC3F80BDBFB}"/>
-              </a:ext>
-            </a:extLst>
-          </p:cNvPr>
-          <p:cNvSpPr txBox="1"/>
-          <p:nvPr/>
-        </p:nvSpPr>
-        <p:spPr>
-          <a:xfrm>
-            <a:off x="4572000" y="2010337"/>
-            <a:ext cx="981635" cy="307777"/>
-          </a:xfrm>
-          <a:prstGeom prst="rect">
-            <a:avLst/>
-          </a:prstGeom>
-          <a:noFill/>
-        </p:spPr>
-        <p:txBody>
-          <a:bodyPr wrap="square" rtlCol="0">
-            <a:spAutoFit/>
-          </a:bodyPr>
-          <a:lstStyle/>
-          <a:p>
-            <a:r>
-              <a:rPr lang="en-US" dirty="0"/>
-              <a:t>has</a:t>
-            </a:r>
-            <a:endParaRPr lang="ru-RU" dirty="0"/>
-          </a:p>
-        </p:txBody>
-      </p:sp>
-      <p:sp>
-        <p:nvSpPr>
-          <p:cNvPr id="4" name="TextBox 3">
-            <a:extLst>
-              <a:ext uri="{FF2B5EF4-FFF2-40B4-BE49-F238E27FC236}">
-                <a16:creationId xmlns:a16="http://schemas.microsoft.com/office/drawing/2014/main" id="{AD2CA4D7-C772-460E-A6C8-3FD64396FA30}"/>
-              </a:ext>
-            </a:extLst>
-          </p:cNvPr>
-          <p:cNvSpPr txBox="1"/>
-          <p:nvPr/>
-        </p:nvSpPr>
-        <p:spPr>
-          <a:xfrm>
-            <a:off x="4572000" y="3361765"/>
-            <a:ext cx="1445559" cy="307777"/>
-          </a:xfrm>
-          <a:prstGeom prst="rect">
-            <a:avLst/>
-          </a:prstGeom>
-          <a:noFill/>
-        </p:spPr>
-        <p:txBody>
-          <a:bodyPr wrap="square" rtlCol="0">
-            <a:spAutoFit/>
-          </a:bodyPr>
-          <a:lstStyle/>
-          <a:p>
-            <a:r>
-              <a:rPr lang="en-US" dirty="0"/>
-              <a:t>consists of</a:t>
-            </a:r>
-            <a:endParaRPr lang="ru-RU" dirty="0"/>
-          </a:p>
-        </p:txBody>
-      </p:sp>
-    </p:spTree>
-    <p:extLst>
-      <p:ext uri="{BB962C8B-B14F-4D97-AF65-F5344CB8AC3E}">
-        <p14:creationId xmlns:p14="http://schemas.microsoft.com/office/powerpoint/2010/main" val="1420547182"/>
-      </p:ext>
-    </p:extLst>
-  </p:cSld>
-  <p:clrMapOvr>
-    <a:masterClrMapping/>
-  </p:clrMapOvr>
-</p:sld>
-</file>
-
-<file path=ppt/slides/slide11.xml><?xml version="1.0" encoding="utf-8"?>
-<p:sld xmlns:a="http://schemas.openxmlformats.org/drawingml/2006/main" xmlns:r="http://schemas.openxmlformats.org/officeDocument/2006/relationships" xmlns:p="http://schemas.openxmlformats.org/presentationml/2006/main">
-  <p:cSld>
-    <p:spTree>
-      <p:nvGrpSpPr>
-        <p:cNvPr id="1" name="Shape 94"/>
-        <p:cNvGrpSpPr/>
-        <p:nvPr/>
-      </p:nvGrpSpPr>
-      <p:grpSpPr>
-        <a:xfrm>
-          <a:off x="0" y="0"/>
-          <a:ext cx="0" cy="0"/>
-          <a:chOff x="0" y="0"/>
-          <a:chExt cx="0" cy="0"/>
-        </a:xfrm>
-      </p:grpSpPr>
-      <p:sp>
-        <p:nvSpPr>
-          <p:cNvPr id="95" name="Google Shape;95;p19"/>
-          <p:cNvSpPr txBox="1">
-            <a:spLocks noGrp="1"/>
-          </p:cNvSpPr>
-          <p:nvPr>
-            <p:ph type="title"/>
-          </p:nvPr>
-        </p:nvSpPr>
-        <p:spPr>
-          <a:xfrm>
-            <a:off x="226208" y="230849"/>
-            <a:ext cx="8520600" cy="572700"/>
-          </a:xfrm>
-          <a:prstGeom prst="rect">
-            <a:avLst/>
-          </a:prstGeom>
-        </p:spPr>
-        <p:txBody>
-          <a:bodyPr spcFirstLastPara="1" wrap="square" lIns="91425" tIns="91425" rIns="91425" bIns="91425" anchor="t" anchorCtr="0">
-            <a:noAutofit/>
-          </a:bodyPr>
-          <a:lstStyle/>
-          <a:p>
-            <a:pPr marL="0" lvl="0" indent="0" algn="l" rtl="0">
-              <a:spcBef>
-                <a:spcPts val="0"/>
-              </a:spcBef>
-              <a:spcAft>
-                <a:spcPts val="0"/>
-              </a:spcAft>
-              <a:buNone/>
-            </a:pPr>
-            <a:r>
-              <a:rPr lang="en-GB" b="1" dirty="0">
-                <a:solidFill>
-                  <a:schemeClr val="tx1"/>
-                </a:solidFill>
-                <a:effectLst>
-                  <a:outerShdw blurRad="38100" dist="38100" dir="2700000" algn="tl">
-                    <a:srgbClr val="000000">
-                      <a:alpha val="43137"/>
-                    </a:srgbClr>
-                  </a:outerShdw>
-                </a:effectLst>
-              </a:rPr>
               <a:t>Load Balancer Aggregation</a:t>
             </a:r>
             <a:endParaRPr b="1" dirty="0">
@@ -7504,44 +7156,6 @@
                 </a:outerShdw>
               </a:effectLst>
             </a:endParaRPr>
-          </a:p>
-        </p:txBody>
-      </p:sp>
-      <p:sp>
-        <p:nvSpPr>
-          <p:cNvPr id="2" name="Slide Number Placeholder 1">
-            <a:extLst>
-              <a:ext uri="{FF2B5EF4-FFF2-40B4-BE49-F238E27FC236}">
-                <a16:creationId xmlns:a16="http://schemas.microsoft.com/office/drawing/2014/main" id="{272B98B5-4E5D-4669-BBE9-A43F81998D44}"/>
-              </a:ext>
-            </a:extLst>
-          </p:cNvPr>
-          <p:cNvSpPr>
-            <a:spLocks noGrp="1"/>
-          </p:cNvSpPr>
-          <p:nvPr>
-            <p:ph type="sldNum" idx="12"/>
-          </p:nvPr>
-        </p:nvSpPr>
-        <p:spPr/>
-        <p:txBody>
-          <a:bodyPr/>
-          <a:lstStyle/>
-          <a:p>
-            <a:pPr marL="0" lvl="0" indent="0" algn="r" rtl="0">
-              <a:spcBef>
-                <a:spcPts val="0"/>
-              </a:spcBef>
-              <a:spcAft>
-                <a:spcPts val="0"/>
-              </a:spcAft>
-              <a:buNone/>
-            </a:pPr>
-            <a:r>
-              <a:rPr lang="ru-RU" dirty="0"/>
-              <a:t>10</a:t>
-            </a:r>
-            <a:endParaRPr lang="en-GB" dirty="0"/>
           </a:p>
         </p:txBody>
       </p:sp>
@@ -7592,6 +7206,44 @@
           </a:extLst>
         </p:spPr>
       </p:pic>
+      <p:sp>
+        <p:nvSpPr>
+          <p:cNvPr id="3" name="Номер слайда 2">
+            <a:extLst>
+              <a:ext uri="{FF2B5EF4-FFF2-40B4-BE49-F238E27FC236}">
+                <a16:creationId xmlns:a16="http://schemas.microsoft.com/office/drawing/2014/main" id="{B746FED9-33EE-4A43-866A-889C7558CF7E}"/>
+              </a:ext>
+            </a:extLst>
+          </p:cNvPr>
+          <p:cNvSpPr>
+            <a:spLocks noGrp="1"/>
+          </p:cNvSpPr>
+          <p:nvPr>
+            <p:ph type="sldNum" idx="12"/>
+          </p:nvPr>
+        </p:nvSpPr>
+        <p:spPr/>
+        <p:txBody>
+          <a:bodyPr/>
+          <a:lstStyle/>
+          <a:p>
+            <a:pPr marL="0" lvl="0" indent="0" algn="r" rtl="0">
+              <a:spcBef>
+                <a:spcPts val="0"/>
+              </a:spcBef>
+              <a:spcAft>
+                <a:spcPts val="0"/>
+              </a:spcAft>
+              <a:buNone/>
+            </a:pPr>
+            <a:fld id="{00000000-1234-1234-1234-123412341234}" type="slidenum">
+              <a:rPr lang="en-GB" smtClean="0"/>
+              <a:t>10</a:t>
+            </a:fld>
+            <a:endParaRPr lang="en-GB"/>
+          </a:p>
+        </p:txBody>
+      </p:sp>
     </p:spTree>
     <p:extLst>
       <p:ext uri="{BB962C8B-B14F-4D97-AF65-F5344CB8AC3E}">
@@ -7605,7 +7257,7 @@
 </p:sld>
 </file>
 
-<file path=ppt/slides/slide12.xml><?xml version="1.0" encoding="utf-8"?>
+<file path=ppt/slides/slide11.xml><?xml version="1.0" encoding="utf-8"?>
 <p:sld xmlns:a="http://schemas.openxmlformats.org/drawingml/2006/main" xmlns:r="http://schemas.openxmlformats.org/officeDocument/2006/relationships" xmlns:p="http://schemas.openxmlformats.org/presentationml/2006/main">
   <p:cSld>
     <p:spTree>
@@ -7713,44 +7365,6 @@
                 </a:outerShdw>
               </a:effectLst>
             </a:endParaRPr>
-          </a:p>
-        </p:txBody>
-      </p:sp>
-      <p:sp>
-        <p:nvSpPr>
-          <p:cNvPr id="2" name="Slide Number Placeholder 1">
-            <a:extLst>
-              <a:ext uri="{FF2B5EF4-FFF2-40B4-BE49-F238E27FC236}">
-                <a16:creationId xmlns:a16="http://schemas.microsoft.com/office/drawing/2014/main" id="{272B98B5-4E5D-4669-BBE9-A43F81998D44}"/>
-              </a:ext>
-            </a:extLst>
-          </p:cNvPr>
-          <p:cNvSpPr>
-            <a:spLocks noGrp="1"/>
-          </p:cNvSpPr>
-          <p:nvPr>
-            <p:ph type="sldNum" idx="12"/>
-          </p:nvPr>
-        </p:nvSpPr>
-        <p:spPr/>
-        <p:txBody>
-          <a:bodyPr/>
-          <a:lstStyle/>
-          <a:p>
-            <a:pPr marL="0" lvl="0" indent="0" algn="r" rtl="0">
-              <a:spcBef>
-                <a:spcPts val="0"/>
-              </a:spcBef>
-              <a:spcAft>
-                <a:spcPts val="0"/>
-              </a:spcAft>
-              <a:buNone/>
-            </a:pPr>
-            <a:r>
-              <a:rPr lang="ru-RU" dirty="0"/>
-              <a:t>11</a:t>
-            </a:r>
-            <a:endParaRPr lang="en-GB" dirty="0"/>
           </a:p>
         </p:txBody>
       </p:sp>
@@ -7850,6 +7464,44 @@
           </p:txBody>
         </p:sp>
       </p:grpSp>
+      <p:sp>
+        <p:nvSpPr>
+          <p:cNvPr id="5" name="Номер слайда 4">
+            <a:extLst>
+              <a:ext uri="{FF2B5EF4-FFF2-40B4-BE49-F238E27FC236}">
+                <a16:creationId xmlns:a16="http://schemas.microsoft.com/office/drawing/2014/main" id="{25E5E788-CC64-45C4-BB72-1E6F20CE2EEF}"/>
+              </a:ext>
+            </a:extLst>
+          </p:cNvPr>
+          <p:cNvSpPr>
+            <a:spLocks noGrp="1"/>
+          </p:cNvSpPr>
+          <p:nvPr>
+            <p:ph type="sldNum" idx="12"/>
+          </p:nvPr>
+        </p:nvSpPr>
+        <p:spPr/>
+        <p:txBody>
+          <a:bodyPr/>
+          <a:lstStyle/>
+          <a:p>
+            <a:pPr marL="0" lvl="0" indent="0" algn="r" rtl="0">
+              <a:spcBef>
+                <a:spcPts val="0"/>
+              </a:spcBef>
+              <a:spcAft>
+                <a:spcPts val="0"/>
+              </a:spcAft>
+              <a:buNone/>
+            </a:pPr>
+            <a:fld id="{00000000-1234-1234-1234-123412341234}" type="slidenum">
+              <a:rPr lang="en-GB" smtClean="0"/>
+              <a:t>11</a:t>
+            </a:fld>
+            <a:endParaRPr lang="en-GB"/>
+          </a:p>
+        </p:txBody>
+      </p:sp>
     </p:spTree>
     <p:extLst>
       <p:ext uri="{BB962C8B-B14F-4D97-AF65-F5344CB8AC3E}">
@@ -7863,7 +7515,7 @@
 </p:sld>
 </file>
 
-<file path=ppt/slides/slide13.xml><?xml version="1.0" encoding="utf-8"?>
+<file path=ppt/slides/slide12.xml><?xml version="1.0" encoding="utf-8"?>
 <p:sld xmlns:a="http://schemas.openxmlformats.org/drawingml/2006/main" xmlns:r="http://schemas.openxmlformats.org/officeDocument/2006/relationships" xmlns:p="http://schemas.openxmlformats.org/presentationml/2006/main">
   <p:cSld>
     <p:spTree>
@@ -7941,44 +7593,6 @@
                 </a:outerShdw>
               </a:effectLst>
             </a:endParaRPr>
-          </a:p>
-        </p:txBody>
-      </p:sp>
-      <p:sp>
-        <p:nvSpPr>
-          <p:cNvPr id="2" name="Slide Number Placeholder 1">
-            <a:extLst>
-              <a:ext uri="{FF2B5EF4-FFF2-40B4-BE49-F238E27FC236}">
-                <a16:creationId xmlns:a16="http://schemas.microsoft.com/office/drawing/2014/main" id="{272B98B5-4E5D-4669-BBE9-A43F81998D44}"/>
-              </a:ext>
-            </a:extLst>
-          </p:cNvPr>
-          <p:cNvSpPr>
-            <a:spLocks noGrp="1"/>
-          </p:cNvSpPr>
-          <p:nvPr>
-            <p:ph type="sldNum" idx="12"/>
-          </p:nvPr>
-        </p:nvSpPr>
-        <p:spPr/>
-        <p:txBody>
-          <a:bodyPr/>
-          <a:lstStyle/>
-          <a:p>
-            <a:pPr marL="0" lvl="0" indent="0" algn="r" rtl="0">
-              <a:spcBef>
-                <a:spcPts val="0"/>
-              </a:spcBef>
-              <a:spcAft>
-                <a:spcPts val="0"/>
-              </a:spcAft>
-              <a:buNone/>
-            </a:pPr>
-            <a:r>
-              <a:rPr lang="ru-RU" dirty="0"/>
-              <a:t>12</a:t>
-            </a:r>
-            <a:endParaRPr lang="en-GB" dirty="0"/>
           </a:p>
         </p:txBody>
       </p:sp>
@@ -8122,6 +7736,44 @@
           </p:txBody>
         </p:sp>
       </p:grpSp>
+      <p:sp>
+        <p:nvSpPr>
+          <p:cNvPr id="3" name="Номер слайда 2">
+            <a:extLst>
+              <a:ext uri="{FF2B5EF4-FFF2-40B4-BE49-F238E27FC236}">
+                <a16:creationId xmlns:a16="http://schemas.microsoft.com/office/drawing/2014/main" id="{D9015539-3E4A-465C-BB7B-D3E621770663}"/>
+              </a:ext>
+            </a:extLst>
+          </p:cNvPr>
+          <p:cNvSpPr>
+            <a:spLocks noGrp="1"/>
+          </p:cNvSpPr>
+          <p:nvPr>
+            <p:ph type="sldNum" idx="12"/>
+          </p:nvPr>
+        </p:nvSpPr>
+        <p:spPr/>
+        <p:txBody>
+          <a:bodyPr/>
+          <a:lstStyle/>
+          <a:p>
+            <a:pPr marL="0" lvl="0" indent="0" algn="r" rtl="0">
+              <a:spcBef>
+                <a:spcPts val="0"/>
+              </a:spcBef>
+              <a:spcAft>
+                <a:spcPts val="0"/>
+              </a:spcAft>
+              <a:buNone/>
+            </a:pPr>
+            <a:fld id="{00000000-1234-1234-1234-123412341234}" type="slidenum">
+              <a:rPr lang="en-GB" smtClean="0"/>
+              <a:t>12</a:t>
+            </a:fld>
+            <a:endParaRPr lang="en-GB"/>
+          </a:p>
+        </p:txBody>
+      </p:sp>
     </p:spTree>
     <p:extLst>
       <p:ext uri="{BB962C8B-B14F-4D97-AF65-F5344CB8AC3E}">
@@ -8135,7 +7787,7 @@
 </p:sld>
 </file>
 
-<file path=ppt/slides/slide14.xml><?xml version="1.0" encoding="utf-8"?>
+<file path=ppt/slides/slide13.xml><?xml version="1.0" encoding="utf-8"?>
 <p:sld xmlns:a="http://schemas.openxmlformats.org/drawingml/2006/main" xmlns:r="http://schemas.openxmlformats.org/officeDocument/2006/relationships" xmlns:p="http://schemas.openxmlformats.org/presentationml/2006/main">
   <p:cSld>
     <p:spTree>
@@ -8246,6 +7898,44 @@
           </a:prstGeom>
         </p:spPr>
       </p:pic>
+      <p:sp>
+        <p:nvSpPr>
+          <p:cNvPr id="3" name="Номер слайда 2">
+            <a:extLst>
+              <a:ext uri="{FF2B5EF4-FFF2-40B4-BE49-F238E27FC236}">
+                <a16:creationId xmlns:a16="http://schemas.microsoft.com/office/drawing/2014/main" id="{122C8F8A-3156-4DEF-A6E5-4C0324BE2E66}"/>
+              </a:ext>
+            </a:extLst>
+          </p:cNvPr>
+          <p:cNvSpPr>
+            <a:spLocks noGrp="1"/>
+          </p:cNvSpPr>
+          <p:nvPr>
+            <p:ph type="sldNum" idx="12"/>
+          </p:nvPr>
+        </p:nvSpPr>
+        <p:spPr/>
+        <p:txBody>
+          <a:bodyPr/>
+          <a:lstStyle/>
+          <a:p>
+            <a:pPr marL="0" lvl="0" indent="0" algn="r" rtl="0">
+              <a:spcBef>
+                <a:spcPts val="0"/>
+              </a:spcBef>
+              <a:spcAft>
+                <a:spcPts val="0"/>
+              </a:spcAft>
+              <a:buNone/>
+            </a:pPr>
+            <a:fld id="{00000000-1234-1234-1234-123412341234}" type="slidenum">
+              <a:rPr lang="en-GB" smtClean="0"/>
+              <a:t>13</a:t>
+            </a:fld>
+            <a:endParaRPr lang="en-GB"/>
+          </a:p>
+        </p:txBody>
+      </p:sp>
     </p:spTree>
   </p:cSld>
   <p:clrMapOvr>
@@ -8254,7 +7944,7 @@
 </p:sld>
 </file>
 
-<file path=ppt/slides/slide15.xml><?xml version="1.0" encoding="utf-8"?>
+<file path=ppt/slides/slide14.xml><?xml version="1.0" encoding="utf-8"?>
 <p:sld xmlns:a="http://schemas.openxmlformats.org/drawingml/2006/main" xmlns:r="http://schemas.openxmlformats.org/officeDocument/2006/relationships" xmlns:p="http://schemas.openxmlformats.org/presentationml/2006/main">
   <p:cSld>
     <p:spTree>
@@ -9098,6 +8788,44 @@
           </a:graphicData>
         </a:graphic>
       </p:graphicFrame>
+      <p:sp>
+        <p:nvSpPr>
+          <p:cNvPr id="3" name="Номер слайда 2">
+            <a:extLst>
+              <a:ext uri="{FF2B5EF4-FFF2-40B4-BE49-F238E27FC236}">
+                <a16:creationId xmlns:a16="http://schemas.microsoft.com/office/drawing/2014/main" id="{5AA4EE2D-9730-41B7-A797-BDAA58EE99B1}"/>
+              </a:ext>
+            </a:extLst>
+          </p:cNvPr>
+          <p:cNvSpPr>
+            <a:spLocks noGrp="1"/>
+          </p:cNvSpPr>
+          <p:nvPr>
+            <p:ph type="sldNum" idx="12"/>
+          </p:nvPr>
+        </p:nvSpPr>
+        <p:spPr/>
+        <p:txBody>
+          <a:bodyPr/>
+          <a:lstStyle/>
+          <a:p>
+            <a:pPr marL="0" lvl="0" indent="0" algn="r" rtl="0">
+              <a:spcBef>
+                <a:spcPts val="0"/>
+              </a:spcBef>
+              <a:spcAft>
+                <a:spcPts val="0"/>
+              </a:spcAft>
+              <a:buNone/>
+            </a:pPr>
+            <a:fld id="{00000000-1234-1234-1234-123412341234}" type="slidenum">
+              <a:rPr lang="en-GB" smtClean="0"/>
+              <a:t>14</a:t>
+            </a:fld>
+            <a:endParaRPr lang="en-GB"/>
+          </a:p>
+        </p:txBody>
+      </p:sp>
     </p:spTree>
   </p:cSld>
   <p:clrMapOvr>
@@ -9481,10 +9209,10 @@
       </p:sp>
       <p:sp>
         <p:nvSpPr>
-          <p:cNvPr id="2" name="Slide Number Placeholder 1">
+          <p:cNvPr id="3" name="Номер слайда 2">
             <a:extLst>
               <a:ext uri="{FF2B5EF4-FFF2-40B4-BE49-F238E27FC236}">
-                <a16:creationId xmlns:a16="http://schemas.microsoft.com/office/drawing/2014/main" id="{73F10E7C-2BDF-4387-B5C5-552F63A04249}"/>
+                <a16:creationId xmlns:a16="http://schemas.microsoft.com/office/drawing/2014/main" id="{036FAA43-390E-4B6B-9783-F2E99F7F3B73}"/>
               </a:ext>
             </a:extLst>
           </p:cNvPr>
@@ -9510,10 +9238,10 @@
               <a:buNone/>
             </a:pPr>
             <a:fld id="{00000000-1234-1234-1234-123412341234}" type="slidenum">
-              <a:rPr lang="en-GB" sz="2000" smtClean="0"/>
+              <a:rPr lang="en-GB" smtClean="0"/>
               <a:t>2</a:t>
             </a:fld>
-            <a:endParaRPr lang="en-GB" sz="2000" dirty="0"/>
+            <a:endParaRPr lang="en-GB"/>
           </a:p>
         </p:txBody>
       </p:sp>
@@ -9608,49 +9336,6 @@
                 </a:outerShdw>
               </a:effectLst>
             </a:endParaRPr>
-          </a:p>
-        </p:txBody>
-      </p:sp>
-      <p:sp>
-        <p:nvSpPr>
-          <p:cNvPr id="2" name="Slide Number Placeholder 1">
-            <a:extLst>
-              <a:ext uri="{FF2B5EF4-FFF2-40B4-BE49-F238E27FC236}">
-                <a16:creationId xmlns:a16="http://schemas.microsoft.com/office/drawing/2014/main" id="{1C45EA91-FF78-454E-8779-39554D13AEE4}"/>
-              </a:ext>
-            </a:extLst>
-          </p:cNvPr>
-          <p:cNvSpPr>
-            <a:spLocks noGrp="1"/>
-          </p:cNvSpPr>
-          <p:nvPr>
-            <p:ph type="sldNum" idx="12"/>
-          </p:nvPr>
-        </p:nvSpPr>
-        <p:spPr>
-          <a:xfrm>
-            <a:off x="8472458" y="4663217"/>
-            <a:ext cx="548700" cy="393600"/>
-          </a:xfrm>
-        </p:spPr>
-        <p:txBody>
-          <a:bodyPr/>
-          <a:lstStyle/>
-          <a:p>
-            <a:pPr marL="0" lvl="0" indent="0" algn="r" rtl="0">
-              <a:spcBef>
-                <a:spcPts val="0"/>
-              </a:spcBef>
-              <a:spcAft>
-                <a:spcPts val="0"/>
-              </a:spcAft>
-              <a:buNone/>
-            </a:pPr>
-            <a:fld id="{00000000-1234-1234-1234-123412341234}" type="slidenum">
-              <a:rPr lang="en-GB" smtClean="0"/>
-              <a:t>3</a:t>
-            </a:fld>
-            <a:endParaRPr lang="en-GB" dirty="0"/>
           </a:p>
         </p:txBody>
       </p:sp>
@@ -9729,101 +9414,12 @@
           </a:extLst>
         </p:spPr>
       </p:pic>
-    </p:spTree>
-  </p:cSld>
-  <p:clrMapOvr>
-    <a:masterClrMapping/>
-  </p:clrMapOvr>
-</p:sld>
-</file>
-
-<file path=ppt/slides/slide4.xml><?xml version="1.0" encoding="utf-8"?>
-<p:sld xmlns:a="http://schemas.openxmlformats.org/drawingml/2006/main" xmlns:r="http://schemas.openxmlformats.org/officeDocument/2006/relationships" xmlns:p="http://schemas.openxmlformats.org/presentationml/2006/main" show="0">
-  <p:cSld>
-    <p:spTree>
-      <p:nvGrpSpPr>
-        <p:cNvPr id="1" name="Shape 94"/>
-        <p:cNvGrpSpPr/>
-        <p:nvPr/>
-      </p:nvGrpSpPr>
-      <p:grpSpPr>
-        <a:xfrm>
-          <a:off x="0" y="0"/>
-          <a:ext cx="0" cy="0"/>
-          <a:chOff x="0" y="0"/>
-          <a:chExt cx="0" cy="0"/>
-        </a:xfrm>
-      </p:grpSpPr>
       <p:sp>
         <p:nvSpPr>
-          <p:cNvPr id="95" name="Google Shape;95;p19"/>
-          <p:cNvSpPr txBox="1">
-            <a:spLocks noGrp="1"/>
-          </p:cNvSpPr>
-          <p:nvPr>
-            <p:ph type="title"/>
-          </p:nvPr>
-        </p:nvSpPr>
-        <p:spPr>
-          <a:xfrm>
-            <a:off x="226208" y="230849"/>
-            <a:ext cx="8520600" cy="572700"/>
-          </a:xfrm>
-          <a:prstGeom prst="rect">
-            <a:avLst/>
-          </a:prstGeom>
-        </p:spPr>
-        <p:txBody>
-          <a:bodyPr spcFirstLastPara="1" wrap="square" lIns="91425" tIns="91425" rIns="91425" bIns="91425" anchor="t" anchorCtr="0">
-            <a:noAutofit/>
-          </a:bodyPr>
-          <a:lstStyle/>
-          <a:p>
-            <a:pPr marL="0" lvl="0" indent="0" algn="l" rtl="0">
-              <a:spcBef>
-                <a:spcPts val="0"/>
-              </a:spcBef>
-              <a:spcAft>
-                <a:spcPts val="0"/>
-              </a:spcAft>
-              <a:buNone/>
-            </a:pPr>
-            <a:r>
-              <a:rPr lang="en-GB" b="1" dirty="0">
-                <a:solidFill>
-                  <a:schemeClr val="tx1"/>
-                </a:solidFill>
-                <a:effectLst>
-                  <a:outerShdw blurRad="38100" dist="38100" dir="2700000" algn="tl">
-                    <a:srgbClr val="000000">
-                      <a:alpha val="43137"/>
-                    </a:srgbClr>
-                  </a:outerShdw>
-                </a:effectLst>
-              </a:rPr>
-              <a:t>HIDDEN</a:t>
-            </a:r>
-            <a:endParaRPr b="1" dirty="0">
-              <a:solidFill>
-                <a:schemeClr val="tx1"/>
-              </a:solidFill>
-              <a:effectLst>
-                <a:outerShdw blurRad="38100" dist="38100" dir="2700000" algn="tl">
-                  <a:srgbClr val="000000">
-                    <a:alpha val="43137"/>
-                  </a:srgbClr>
-                </a:outerShdw>
-              </a:effectLst>
-            </a:endParaRPr>
-          </a:p>
-        </p:txBody>
-      </p:sp>
-      <p:sp>
-        <p:nvSpPr>
-          <p:cNvPr id="2" name="Slide Number Placeholder 1">
+          <p:cNvPr id="4" name="Номер слайда 3">
             <a:extLst>
               <a:ext uri="{FF2B5EF4-FFF2-40B4-BE49-F238E27FC236}">
-                <a16:creationId xmlns:a16="http://schemas.microsoft.com/office/drawing/2014/main" id="{272B98B5-4E5D-4669-BBE9-A43F81998D44}"/>
+                <a16:creationId xmlns:a16="http://schemas.microsoft.com/office/drawing/2014/main" id="{F27989A6-CE8F-46D5-928A-EF46DCDFD345}"/>
               </a:ext>
             </a:extLst>
           </p:cNvPr>
@@ -9850,59 +9446,12 @@
             </a:pPr>
             <a:fld id="{00000000-1234-1234-1234-123412341234}" type="slidenum">
               <a:rPr lang="en-GB" smtClean="0"/>
-              <a:t>4</a:t>
+              <a:t>3</a:t>
             </a:fld>
             <a:endParaRPr lang="en-GB"/>
           </a:p>
         </p:txBody>
       </p:sp>
-      <p:pic>
-        <p:nvPicPr>
-          <p:cNvPr id="1026" name="Picture 2">
-            <a:extLst>
-              <a:ext uri="{FF2B5EF4-FFF2-40B4-BE49-F238E27FC236}">
-                <a16:creationId xmlns:a16="http://schemas.microsoft.com/office/drawing/2014/main" id="{5AE1C267-B7A0-46D9-A93C-A49231800E7B}"/>
-              </a:ext>
-            </a:extLst>
-          </p:cNvPr>
-          <p:cNvPicPr>
-            <a:picLocks noChangeAspect="1" noChangeArrowheads="1"/>
-          </p:cNvPicPr>
-          <p:nvPr/>
-        </p:nvPicPr>
-        <p:blipFill>
-          <a:blip r:embed="rId3">
-            <a:extLst>
-              <a:ext uri="{28A0092B-C50C-407E-A947-70E740481C1C}">
-                <a14:useLocalDpi xmlns:a14="http://schemas.microsoft.com/office/drawing/2010/main" val="0"/>
-              </a:ext>
-            </a:extLst>
-          </a:blip>
-          <a:srcRect/>
-          <a:stretch>
-            <a:fillRect/>
-          </a:stretch>
-        </p:blipFill>
-        <p:spPr bwMode="auto">
-          <a:xfrm>
-            <a:off x="208429" y="1022045"/>
-            <a:ext cx="8727141" cy="3422676"/>
-          </a:xfrm>
-          <a:prstGeom prst="rect">
-            <a:avLst/>
-          </a:prstGeom>
-          <a:noFill/>
-          <a:extLst>
-            <a:ext uri="{909E8E84-426E-40DD-AFC4-6F175D3DCCD1}">
-              <a14:hiddenFill xmlns:a14="http://schemas.microsoft.com/office/drawing/2010/main">
-                <a:solidFill>
-                  <a:srgbClr val="FFFFFF"/>
-                </a:solidFill>
-              </a14:hiddenFill>
-            </a:ext>
-          </a:extLst>
-        </p:spPr>
-      </p:pic>
     </p:spTree>
   </p:cSld>
   <p:clrMapOvr>
@@ -9911,7 +9460,7 @@
 </p:sld>
 </file>
 
-<file path=ppt/slides/slide5.xml><?xml version="1.0" encoding="utf-8"?>
+<file path=ppt/slides/slide4.xml><?xml version="1.0" encoding="utf-8"?>
 <p:sld xmlns:a="http://schemas.openxmlformats.org/drawingml/2006/main" xmlns:r="http://schemas.openxmlformats.org/officeDocument/2006/relationships" xmlns:p="http://schemas.openxmlformats.org/presentationml/2006/main">
   <p:cSld>
     <p:spTree>
@@ -9989,44 +9538,6 @@
                 </a:outerShdw>
               </a:effectLst>
             </a:endParaRPr>
-          </a:p>
-        </p:txBody>
-      </p:sp>
-      <p:sp>
-        <p:nvSpPr>
-          <p:cNvPr id="2" name="Slide Number Placeholder 1">
-            <a:extLst>
-              <a:ext uri="{FF2B5EF4-FFF2-40B4-BE49-F238E27FC236}">
-                <a16:creationId xmlns:a16="http://schemas.microsoft.com/office/drawing/2014/main" id="{272B98B5-4E5D-4669-BBE9-A43F81998D44}"/>
-              </a:ext>
-            </a:extLst>
-          </p:cNvPr>
-          <p:cNvSpPr>
-            <a:spLocks noGrp="1"/>
-          </p:cNvSpPr>
-          <p:nvPr>
-            <p:ph type="sldNum" idx="12"/>
-          </p:nvPr>
-        </p:nvSpPr>
-        <p:spPr/>
-        <p:txBody>
-          <a:bodyPr/>
-          <a:lstStyle/>
-          <a:p>
-            <a:pPr marL="0" lvl="0" indent="0" algn="r" rtl="0">
-              <a:spcBef>
-                <a:spcPts val="0"/>
-              </a:spcBef>
-              <a:spcAft>
-                <a:spcPts val="0"/>
-              </a:spcAft>
-              <a:buNone/>
-            </a:pPr>
-            <a:r>
-              <a:rPr lang="ru-RU" dirty="0"/>
-              <a:t>4</a:t>
-            </a:r>
-            <a:endParaRPr lang="en-GB" dirty="0"/>
           </a:p>
         </p:txBody>
       </p:sp>
@@ -10149,6 +9660,43 @@
           </a:p>
         </p:txBody>
       </p:sp>
+      <p:sp>
+        <p:nvSpPr>
+          <p:cNvPr id="5" name="Номер слайда 4">
+            <a:extLst>
+              <a:ext uri="{FF2B5EF4-FFF2-40B4-BE49-F238E27FC236}">
+                <a16:creationId xmlns:a16="http://schemas.microsoft.com/office/drawing/2014/main" id="{D69DD38E-54AE-438C-BC4D-CFD84858D8DD}"/>
+              </a:ext>
+            </a:extLst>
+          </p:cNvPr>
+          <p:cNvSpPr>
+            <a:spLocks noGrp="1"/>
+          </p:cNvSpPr>
+          <p:nvPr>
+            <p:ph type="sldNum" idx="12"/>
+          </p:nvPr>
+        </p:nvSpPr>
+        <p:spPr/>
+        <p:txBody>
+          <a:bodyPr/>
+          <a:lstStyle/>
+          <a:p>
+            <a:pPr marL="0" lvl="0" indent="0" algn="r" rtl="0">
+              <a:spcBef>
+                <a:spcPts val="0"/>
+              </a:spcBef>
+              <a:spcAft>
+                <a:spcPts val="0"/>
+              </a:spcAft>
+              <a:buNone/>
+            </a:pPr>
+            <a:r>
+              <a:rPr lang="en-GB" dirty="0"/>
+              <a:t>4</a:t>
+            </a:r>
+          </a:p>
+        </p:txBody>
+      </p:sp>
     </p:spTree>
     <p:extLst>
       <p:ext uri="{BB962C8B-B14F-4D97-AF65-F5344CB8AC3E}">
@@ -10162,7 +9710,7 @@
 </p:sld>
 </file>
 
-<file path=ppt/slides/slide6.xml><?xml version="1.0" encoding="utf-8"?>
+<file path=ppt/slides/slide5.xml><?xml version="1.0" encoding="utf-8"?>
 <p:sld xmlns:a="http://schemas.openxmlformats.org/drawingml/2006/main" xmlns:r="http://schemas.openxmlformats.org/officeDocument/2006/relationships" xmlns:p="http://schemas.openxmlformats.org/presentationml/2006/main">
   <p:cSld>
     <p:spTree>
@@ -10240,44 +9788,6 @@
                 </a:outerShdw>
               </a:effectLst>
             </a:endParaRPr>
-          </a:p>
-        </p:txBody>
-      </p:sp>
-      <p:sp>
-        <p:nvSpPr>
-          <p:cNvPr id="2" name="Slide Number Placeholder 1">
-            <a:extLst>
-              <a:ext uri="{FF2B5EF4-FFF2-40B4-BE49-F238E27FC236}">
-                <a16:creationId xmlns:a16="http://schemas.microsoft.com/office/drawing/2014/main" id="{272B98B5-4E5D-4669-BBE9-A43F81998D44}"/>
-              </a:ext>
-            </a:extLst>
-          </p:cNvPr>
-          <p:cNvSpPr>
-            <a:spLocks noGrp="1"/>
-          </p:cNvSpPr>
-          <p:nvPr>
-            <p:ph type="sldNum" idx="12"/>
-          </p:nvPr>
-        </p:nvSpPr>
-        <p:spPr/>
-        <p:txBody>
-          <a:bodyPr/>
-          <a:lstStyle/>
-          <a:p>
-            <a:pPr marL="0" lvl="0" indent="0" algn="r" rtl="0">
-              <a:spcBef>
-                <a:spcPts val="0"/>
-              </a:spcBef>
-              <a:spcAft>
-                <a:spcPts val="0"/>
-              </a:spcAft>
-              <a:buNone/>
-            </a:pPr>
-            <a:r>
-              <a:rPr lang="ru-RU" dirty="0"/>
-              <a:t>5</a:t>
-            </a:r>
-            <a:endParaRPr lang="en-GB" dirty="0"/>
           </a:p>
         </p:txBody>
       </p:sp>
@@ -10413,10 +9923,219 @@
           </p:txBody>
         </p:sp>
       </p:grpSp>
+      <p:sp>
+        <p:nvSpPr>
+          <p:cNvPr id="3" name="Номер слайда 2">
+            <a:extLst>
+              <a:ext uri="{FF2B5EF4-FFF2-40B4-BE49-F238E27FC236}">
+                <a16:creationId xmlns:a16="http://schemas.microsoft.com/office/drawing/2014/main" id="{0828C2F5-F0F5-49F6-94FF-89624B256BD2}"/>
+              </a:ext>
+            </a:extLst>
+          </p:cNvPr>
+          <p:cNvSpPr>
+            <a:spLocks noGrp="1"/>
+          </p:cNvSpPr>
+          <p:nvPr>
+            <p:ph type="sldNum" idx="12"/>
+          </p:nvPr>
+        </p:nvSpPr>
+        <p:spPr/>
+        <p:txBody>
+          <a:bodyPr/>
+          <a:lstStyle/>
+          <a:p>
+            <a:pPr marL="0" lvl="0" indent="0" algn="r" rtl="0">
+              <a:spcBef>
+                <a:spcPts val="0"/>
+              </a:spcBef>
+              <a:spcAft>
+                <a:spcPts val="0"/>
+              </a:spcAft>
+              <a:buNone/>
+            </a:pPr>
+            <a:fld id="{00000000-1234-1234-1234-123412341234}" type="slidenum">
+              <a:rPr lang="en-GB" smtClean="0"/>
+              <a:t>5</a:t>
+            </a:fld>
+            <a:endParaRPr lang="en-GB"/>
+          </a:p>
+        </p:txBody>
+      </p:sp>
     </p:spTree>
     <p:extLst>
       <p:ext uri="{BB962C8B-B14F-4D97-AF65-F5344CB8AC3E}">
         <p14:creationId xmlns:p14="http://schemas.microsoft.com/office/powerpoint/2010/main" val="690850579"/>
+      </p:ext>
+    </p:extLst>
+  </p:cSld>
+  <p:clrMapOvr>
+    <a:masterClrMapping/>
+  </p:clrMapOvr>
+</p:sld>
+</file>
+
+<file path=ppt/slides/slide6.xml><?xml version="1.0" encoding="utf-8"?>
+<p:sld xmlns:a="http://schemas.openxmlformats.org/drawingml/2006/main" xmlns:r="http://schemas.openxmlformats.org/officeDocument/2006/relationships" xmlns:p="http://schemas.openxmlformats.org/presentationml/2006/main">
+  <p:cSld>
+    <p:spTree>
+      <p:nvGrpSpPr>
+        <p:cNvPr id="1" name="Shape 94"/>
+        <p:cNvGrpSpPr/>
+        <p:nvPr/>
+      </p:nvGrpSpPr>
+      <p:grpSpPr>
+        <a:xfrm>
+          <a:off x="0" y="0"/>
+          <a:ext cx="0" cy="0"/>
+          <a:chOff x="0" y="0"/>
+          <a:chExt cx="0" cy="0"/>
+        </a:xfrm>
+      </p:grpSpPr>
+      <p:sp>
+        <p:nvSpPr>
+          <p:cNvPr id="95" name="Google Shape;95;p19"/>
+          <p:cNvSpPr txBox="1">
+            <a:spLocks noGrp="1"/>
+          </p:cNvSpPr>
+          <p:nvPr>
+            <p:ph type="title"/>
+          </p:nvPr>
+        </p:nvSpPr>
+        <p:spPr>
+          <a:xfrm>
+            <a:off x="226208" y="230849"/>
+            <a:ext cx="8520600" cy="572700"/>
+          </a:xfrm>
+          <a:prstGeom prst="rect">
+            <a:avLst/>
+          </a:prstGeom>
+        </p:spPr>
+        <p:txBody>
+          <a:bodyPr spcFirstLastPara="1" wrap="square" lIns="91425" tIns="91425" rIns="91425" bIns="91425" anchor="t" anchorCtr="0">
+            <a:noAutofit/>
+          </a:bodyPr>
+          <a:lstStyle/>
+          <a:p>
+            <a:pPr marL="0" lvl="0" indent="0" algn="l" rtl="0">
+              <a:spcBef>
+                <a:spcPts val="0"/>
+              </a:spcBef>
+              <a:spcAft>
+                <a:spcPts val="0"/>
+              </a:spcAft>
+              <a:buNone/>
+            </a:pPr>
+            <a:r>
+              <a:rPr lang="en-GB" b="1" dirty="0">
+                <a:solidFill>
+                  <a:schemeClr val="tx1"/>
+                </a:solidFill>
+                <a:effectLst>
+                  <a:outerShdw blurRad="38100" dist="38100" dir="2700000" algn="tl">
+                    <a:srgbClr val="000000">
+                      <a:alpha val="43137"/>
+                    </a:srgbClr>
+                  </a:outerShdw>
+                </a:effectLst>
+              </a:rPr>
+              <a:t>Authentication Provider Aggregation</a:t>
+            </a:r>
+            <a:endParaRPr b="1" dirty="0">
+              <a:solidFill>
+                <a:schemeClr val="tx1"/>
+              </a:solidFill>
+              <a:effectLst>
+                <a:outerShdw blurRad="38100" dist="38100" dir="2700000" algn="tl">
+                  <a:srgbClr val="000000">
+                    <a:alpha val="43137"/>
+                  </a:srgbClr>
+                </a:outerShdw>
+              </a:effectLst>
+            </a:endParaRPr>
+          </a:p>
+        </p:txBody>
+      </p:sp>
+      <p:pic>
+        <p:nvPicPr>
+          <p:cNvPr id="3" name="Picture 2">
+            <a:extLst>
+              <a:ext uri="{FF2B5EF4-FFF2-40B4-BE49-F238E27FC236}">
+                <a16:creationId xmlns:a16="http://schemas.microsoft.com/office/drawing/2014/main" id="{9D06CEFF-A3C6-485D-9352-27590F4CA803}"/>
+              </a:ext>
+            </a:extLst>
+          </p:cNvPr>
+          <p:cNvPicPr>
+            <a:picLocks noChangeAspect="1" noChangeArrowheads="1"/>
+          </p:cNvPicPr>
+          <p:nvPr/>
+        </p:nvPicPr>
+        <p:blipFill>
+          <a:blip r:embed="rId3"/>
+          <a:srcRect/>
+          <a:stretch/>
+        </p:blipFill>
+        <p:spPr bwMode="auto">
+          <a:xfrm>
+            <a:off x="3011721" y="871278"/>
+            <a:ext cx="2949574" cy="3724210"/>
+          </a:xfrm>
+          <a:prstGeom prst="rect">
+            <a:avLst/>
+          </a:prstGeom>
+          <a:noFill/>
+          <a:extLst>
+            <a:ext uri="{909E8E84-426E-40DD-AFC4-6F175D3DCCD1}">
+              <a14:hiddenFill xmlns:a14="http://schemas.microsoft.com/office/drawing/2010/main">
+                <a:solidFill>
+                  <a:srgbClr val="FFFFFF"/>
+                </a:solidFill>
+              </a14:hiddenFill>
+            </a:ext>
+          </a:extLst>
+        </p:spPr>
+      </p:pic>
+      <p:sp>
+        <p:nvSpPr>
+          <p:cNvPr id="4" name="Номер слайда 3">
+            <a:extLst>
+              <a:ext uri="{FF2B5EF4-FFF2-40B4-BE49-F238E27FC236}">
+                <a16:creationId xmlns:a16="http://schemas.microsoft.com/office/drawing/2014/main" id="{2C27E23D-C8B0-4C02-927C-D8852EF646E2}"/>
+              </a:ext>
+            </a:extLst>
+          </p:cNvPr>
+          <p:cNvSpPr>
+            <a:spLocks noGrp="1"/>
+          </p:cNvSpPr>
+          <p:nvPr>
+            <p:ph type="sldNum" idx="12"/>
+          </p:nvPr>
+        </p:nvSpPr>
+        <p:spPr/>
+        <p:txBody>
+          <a:bodyPr/>
+          <a:lstStyle/>
+          <a:p>
+            <a:pPr marL="0" lvl="0" indent="0" algn="r" rtl="0">
+              <a:spcBef>
+                <a:spcPts val="0"/>
+              </a:spcBef>
+              <a:spcAft>
+                <a:spcPts val="0"/>
+              </a:spcAft>
+              <a:buNone/>
+            </a:pPr>
+            <a:fld id="{00000000-1234-1234-1234-123412341234}" type="slidenum">
+              <a:rPr lang="en-GB" smtClean="0"/>
+              <a:t>6</a:t>
+            </a:fld>
+            <a:endParaRPr lang="en-GB"/>
+          </a:p>
+        </p:txBody>
+      </p:sp>
+    </p:spTree>
+    <p:extLst>
+      <p:ext uri="{BB962C8B-B14F-4D97-AF65-F5344CB8AC3E}">
+        <p14:creationId xmlns:p14="http://schemas.microsoft.com/office/powerpoint/2010/main" val="4088691068"/>
       </p:ext>
     </p:extLst>
   </p:cSld>
@@ -10478,177 +10197,6 @@
               <a:buNone/>
             </a:pPr>
             <a:r>
-              <a:rPr lang="en-GB" b="1" dirty="0">
-                <a:solidFill>
-                  <a:schemeClr val="tx1"/>
-                </a:solidFill>
-                <a:effectLst>
-                  <a:outerShdw blurRad="38100" dist="38100" dir="2700000" algn="tl">
-                    <a:srgbClr val="000000">
-                      <a:alpha val="43137"/>
-                    </a:srgbClr>
-                  </a:outerShdw>
-                </a:effectLst>
-              </a:rPr>
-              <a:t>Authentication Provider Aggregation</a:t>
-            </a:r>
-            <a:endParaRPr b="1" dirty="0">
-              <a:solidFill>
-                <a:schemeClr val="tx1"/>
-              </a:solidFill>
-              <a:effectLst>
-                <a:outerShdw blurRad="38100" dist="38100" dir="2700000" algn="tl">
-                  <a:srgbClr val="000000">
-                    <a:alpha val="43137"/>
-                  </a:srgbClr>
-                </a:outerShdw>
-              </a:effectLst>
-            </a:endParaRPr>
-          </a:p>
-        </p:txBody>
-      </p:sp>
-      <p:sp>
-        <p:nvSpPr>
-          <p:cNvPr id="2" name="Slide Number Placeholder 1">
-            <a:extLst>
-              <a:ext uri="{FF2B5EF4-FFF2-40B4-BE49-F238E27FC236}">
-                <a16:creationId xmlns:a16="http://schemas.microsoft.com/office/drawing/2014/main" id="{272B98B5-4E5D-4669-BBE9-A43F81998D44}"/>
-              </a:ext>
-            </a:extLst>
-          </p:cNvPr>
-          <p:cNvSpPr>
-            <a:spLocks noGrp="1"/>
-          </p:cNvSpPr>
-          <p:nvPr>
-            <p:ph type="sldNum" idx="12"/>
-          </p:nvPr>
-        </p:nvSpPr>
-        <p:spPr/>
-        <p:txBody>
-          <a:bodyPr/>
-          <a:lstStyle/>
-          <a:p>
-            <a:pPr marL="0" lvl="0" indent="0" algn="r" rtl="0">
-              <a:spcBef>
-                <a:spcPts val="0"/>
-              </a:spcBef>
-              <a:spcAft>
-                <a:spcPts val="0"/>
-              </a:spcAft>
-              <a:buNone/>
-            </a:pPr>
-            <a:r>
-              <a:rPr lang="ru-RU" dirty="0"/>
-              <a:t>6</a:t>
-            </a:r>
-            <a:endParaRPr lang="en-GB" dirty="0"/>
-          </a:p>
-        </p:txBody>
-      </p:sp>
-      <p:pic>
-        <p:nvPicPr>
-          <p:cNvPr id="3" name="Picture 2">
-            <a:extLst>
-              <a:ext uri="{FF2B5EF4-FFF2-40B4-BE49-F238E27FC236}">
-                <a16:creationId xmlns:a16="http://schemas.microsoft.com/office/drawing/2014/main" id="{9D06CEFF-A3C6-485D-9352-27590F4CA803}"/>
-              </a:ext>
-            </a:extLst>
-          </p:cNvPr>
-          <p:cNvPicPr>
-            <a:picLocks noChangeAspect="1" noChangeArrowheads="1"/>
-          </p:cNvPicPr>
-          <p:nvPr/>
-        </p:nvPicPr>
-        <p:blipFill>
-          <a:blip r:embed="rId3"/>
-          <a:srcRect/>
-          <a:stretch/>
-        </p:blipFill>
-        <p:spPr bwMode="auto">
-          <a:xfrm>
-            <a:off x="3011721" y="871278"/>
-            <a:ext cx="2949574" cy="3724210"/>
-          </a:xfrm>
-          <a:prstGeom prst="rect">
-            <a:avLst/>
-          </a:prstGeom>
-          <a:noFill/>
-          <a:extLst>
-            <a:ext uri="{909E8E84-426E-40DD-AFC4-6F175D3DCCD1}">
-              <a14:hiddenFill xmlns:a14="http://schemas.microsoft.com/office/drawing/2010/main">
-                <a:solidFill>
-                  <a:srgbClr val="FFFFFF"/>
-                </a:solidFill>
-              </a14:hiddenFill>
-            </a:ext>
-          </a:extLst>
-        </p:spPr>
-      </p:pic>
-    </p:spTree>
-    <p:extLst>
-      <p:ext uri="{BB962C8B-B14F-4D97-AF65-F5344CB8AC3E}">
-        <p14:creationId xmlns:p14="http://schemas.microsoft.com/office/powerpoint/2010/main" val="4088691068"/>
-      </p:ext>
-    </p:extLst>
-  </p:cSld>
-  <p:clrMapOvr>
-    <a:masterClrMapping/>
-  </p:clrMapOvr>
-</p:sld>
-</file>
-
-<file path=ppt/slides/slide8.xml><?xml version="1.0" encoding="utf-8"?>
-<p:sld xmlns:a="http://schemas.openxmlformats.org/drawingml/2006/main" xmlns:r="http://schemas.openxmlformats.org/officeDocument/2006/relationships" xmlns:p="http://schemas.openxmlformats.org/presentationml/2006/main">
-  <p:cSld>
-    <p:spTree>
-      <p:nvGrpSpPr>
-        <p:cNvPr id="1" name="Shape 94"/>
-        <p:cNvGrpSpPr/>
-        <p:nvPr/>
-      </p:nvGrpSpPr>
-      <p:grpSpPr>
-        <a:xfrm>
-          <a:off x="0" y="0"/>
-          <a:ext cx="0" cy="0"/>
-          <a:chOff x="0" y="0"/>
-          <a:chExt cx="0" cy="0"/>
-        </a:xfrm>
-      </p:grpSpPr>
-      <p:sp>
-        <p:nvSpPr>
-          <p:cNvPr id="95" name="Google Shape;95;p19"/>
-          <p:cNvSpPr txBox="1">
-            <a:spLocks noGrp="1"/>
-          </p:cNvSpPr>
-          <p:nvPr>
-            <p:ph type="title"/>
-          </p:nvPr>
-        </p:nvSpPr>
-        <p:spPr>
-          <a:xfrm>
-            <a:off x="226208" y="230849"/>
-            <a:ext cx="8520600" cy="572700"/>
-          </a:xfrm>
-          <a:prstGeom prst="rect">
-            <a:avLst/>
-          </a:prstGeom>
-        </p:spPr>
-        <p:txBody>
-          <a:bodyPr spcFirstLastPara="1" wrap="square" lIns="91425" tIns="91425" rIns="91425" bIns="91425" anchor="t" anchorCtr="0">
-            <a:noAutofit/>
-          </a:bodyPr>
-          <a:lstStyle/>
-          <a:p>
-            <a:pPr marL="0" lvl="0" indent="0" algn="l" rtl="0">
-              <a:spcBef>
-                <a:spcPts val="0"/>
-              </a:spcBef>
-              <a:spcAft>
-                <a:spcPts val="0"/>
-              </a:spcAft>
-              <a:buNone/>
-            </a:pPr>
-            <a:r>
               <a:rPr lang="en-GB" b="1" dirty="0" err="1">
                 <a:solidFill>
                   <a:schemeClr val="tx1"/>
@@ -10690,44 +10238,6 @@
                 </a:outerShdw>
               </a:effectLst>
             </a:endParaRPr>
-          </a:p>
-        </p:txBody>
-      </p:sp>
-      <p:sp>
-        <p:nvSpPr>
-          <p:cNvPr id="2" name="Slide Number Placeholder 1">
-            <a:extLst>
-              <a:ext uri="{FF2B5EF4-FFF2-40B4-BE49-F238E27FC236}">
-                <a16:creationId xmlns:a16="http://schemas.microsoft.com/office/drawing/2014/main" id="{272B98B5-4E5D-4669-BBE9-A43F81998D44}"/>
-              </a:ext>
-            </a:extLst>
-          </p:cNvPr>
-          <p:cNvSpPr>
-            <a:spLocks noGrp="1"/>
-          </p:cNvSpPr>
-          <p:nvPr>
-            <p:ph type="sldNum" idx="12"/>
-          </p:nvPr>
-        </p:nvSpPr>
-        <p:spPr/>
-        <p:txBody>
-          <a:bodyPr/>
-          <a:lstStyle/>
-          <a:p>
-            <a:pPr marL="0" lvl="0" indent="0" algn="r" rtl="0">
-              <a:spcBef>
-                <a:spcPts val="0"/>
-              </a:spcBef>
-              <a:spcAft>
-                <a:spcPts val="0"/>
-              </a:spcAft>
-              <a:buNone/>
-            </a:pPr>
-            <a:r>
-              <a:rPr lang="ru-RU" dirty="0"/>
-              <a:t>7</a:t>
-            </a:r>
-            <a:endParaRPr lang="en-GB" dirty="0"/>
           </a:p>
         </p:txBody>
       </p:sp>
@@ -10935,6 +10445,44 @@
           </p:txBody>
         </p:sp>
       </p:grpSp>
+      <p:sp>
+        <p:nvSpPr>
+          <p:cNvPr id="3" name="Номер слайда 2">
+            <a:extLst>
+              <a:ext uri="{FF2B5EF4-FFF2-40B4-BE49-F238E27FC236}">
+                <a16:creationId xmlns:a16="http://schemas.microsoft.com/office/drawing/2014/main" id="{36910358-C03A-433F-81AB-E94F7151676A}"/>
+              </a:ext>
+            </a:extLst>
+          </p:cNvPr>
+          <p:cNvSpPr>
+            <a:spLocks noGrp="1"/>
+          </p:cNvSpPr>
+          <p:nvPr>
+            <p:ph type="sldNum" idx="12"/>
+          </p:nvPr>
+        </p:nvSpPr>
+        <p:spPr/>
+        <p:txBody>
+          <a:bodyPr/>
+          <a:lstStyle/>
+          <a:p>
+            <a:pPr marL="0" lvl="0" indent="0" algn="r" rtl="0">
+              <a:spcBef>
+                <a:spcPts val="0"/>
+              </a:spcBef>
+              <a:spcAft>
+                <a:spcPts val="0"/>
+              </a:spcAft>
+              <a:buNone/>
+            </a:pPr>
+            <a:fld id="{00000000-1234-1234-1234-123412341234}" type="slidenum">
+              <a:rPr lang="en-GB" smtClean="0"/>
+              <a:t>7</a:t>
+            </a:fld>
+            <a:endParaRPr lang="en-GB"/>
+          </a:p>
+        </p:txBody>
+      </p:sp>
     </p:spTree>
     <p:extLst>
       <p:ext uri="{BB962C8B-B14F-4D97-AF65-F5344CB8AC3E}">
@@ -10948,7 +10496,7 @@
 </p:sld>
 </file>
 
-<file path=ppt/slides/slide9.xml><?xml version="1.0" encoding="utf-8"?>
+<file path=ppt/slides/slide8.xml><?xml version="1.0" encoding="utf-8"?>
 <p:sld xmlns:a="http://schemas.openxmlformats.org/drawingml/2006/main" xmlns:r="http://schemas.openxmlformats.org/officeDocument/2006/relationships" xmlns:p="http://schemas.openxmlformats.org/presentationml/2006/main">
   <p:cSld>
     <p:spTree>
@@ -11056,49 +10604,6 @@
                 </a:outerShdw>
               </a:effectLst>
             </a:endParaRPr>
-          </a:p>
-        </p:txBody>
-      </p:sp>
-      <p:sp>
-        <p:nvSpPr>
-          <p:cNvPr id="2" name="Slide Number Placeholder 1">
-            <a:extLst>
-              <a:ext uri="{FF2B5EF4-FFF2-40B4-BE49-F238E27FC236}">
-                <a16:creationId xmlns:a16="http://schemas.microsoft.com/office/drawing/2014/main" id="{272B98B5-4E5D-4669-BBE9-A43F81998D44}"/>
-              </a:ext>
-            </a:extLst>
-          </p:cNvPr>
-          <p:cNvSpPr>
-            <a:spLocks noGrp="1"/>
-          </p:cNvSpPr>
-          <p:nvPr>
-            <p:ph type="sldNum" idx="12"/>
-          </p:nvPr>
-        </p:nvSpPr>
-        <p:spPr>
-          <a:xfrm>
-            <a:off x="8472458" y="4663217"/>
-            <a:ext cx="548700" cy="393600"/>
-          </a:xfrm>
-        </p:spPr>
-        <p:txBody>
-          <a:bodyPr/>
-          <a:lstStyle/>
-          <a:p>
-            <a:pPr marL="0" lvl="0" indent="0" algn="r" rtl="0">
-              <a:spcBef>
-                <a:spcPts val="0"/>
-              </a:spcBef>
-              <a:spcAft>
-                <a:spcPts val="0"/>
-              </a:spcAft>
-              <a:buNone/>
-            </a:pPr>
-            <a:r>
-              <a:rPr lang="ru-RU" dirty="0"/>
-              <a:t>8</a:t>
-            </a:r>
-            <a:endParaRPr lang="en-GB" dirty="0"/>
           </a:p>
         </p:txBody>
       </p:sp>
@@ -11278,10 +10783,291 @@
           </p:txBody>
         </p:sp>
       </p:grpSp>
+      <p:sp>
+        <p:nvSpPr>
+          <p:cNvPr id="3" name="Номер слайда 2">
+            <a:extLst>
+              <a:ext uri="{FF2B5EF4-FFF2-40B4-BE49-F238E27FC236}">
+                <a16:creationId xmlns:a16="http://schemas.microsoft.com/office/drawing/2014/main" id="{7E7E3C94-782F-4D17-808C-4EBCE339AD6E}"/>
+              </a:ext>
+            </a:extLst>
+          </p:cNvPr>
+          <p:cNvSpPr>
+            <a:spLocks noGrp="1"/>
+          </p:cNvSpPr>
+          <p:nvPr>
+            <p:ph type="sldNum" idx="12"/>
+          </p:nvPr>
+        </p:nvSpPr>
+        <p:spPr/>
+        <p:txBody>
+          <a:bodyPr/>
+          <a:lstStyle/>
+          <a:p>
+            <a:pPr marL="0" lvl="0" indent="0" algn="r" rtl="0">
+              <a:spcBef>
+                <a:spcPts val="0"/>
+              </a:spcBef>
+              <a:spcAft>
+                <a:spcPts val="0"/>
+              </a:spcAft>
+              <a:buNone/>
+            </a:pPr>
+            <a:fld id="{00000000-1234-1234-1234-123412341234}" type="slidenum">
+              <a:rPr lang="en-GB" smtClean="0"/>
+              <a:t>8</a:t>
+            </a:fld>
+            <a:endParaRPr lang="en-GB"/>
+          </a:p>
+        </p:txBody>
+      </p:sp>
     </p:spTree>
     <p:extLst>
       <p:ext uri="{BB962C8B-B14F-4D97-AF65-F5344CB8AC3E}">
         <p14:creationId xmlns:p14="http://schemas.microsoft.com/office/powerpoint/2010/main" val="2097092720"/>
+      </p:ext>
+    </p:extLst>
+  </p:cSld>
+  <p:clrMapOvr>
+    <a:masterClrMapping/>
+  </p:clrMapOvr>
+</p:sld>
+</file>
+
+<file path=ppt/slides/slide9.xml><?xml version="1.0" encoding="utf-8"?>
+<p:sld xmlns:a="http://schemas.openxmlformats.org/drawingml/2006/main" xmlns:r="http://schemas.openxmlformats.org/officeDocument/2006/relationships" xmlns:p="http://schemas.openxmlformats.org/presentationml/2006/main">
+  <p:cSld>
+    <p:spTree>
+      <p:nvGrpSpPr>
+        <p:cNvPr id="1" name="Shape 94"/>
+        <p:cNvGrpSpPr/>
+        <p:nvPr/>
+      </p:nvGrpSpPr>
+      <p:grpSpPr>
+        <a:xfrm>
+          <a:off x="0" y="0"/>
+          <a:ext cx="0" cy="0"/>
+          <a:chOff x="0" y="0"/>
+          <a:chExt cx="0" cy="0"/>
+        </a:xfrm>
+      </p:grpSpPr>
+      <p:sp>
+        <p:nvSpPr>
+          <p:cNvPr id="95" name="Google Shape;95;p19"/>
+          <p:cNvSpPr txBox="1">
+            <a:spLocks noGrp="1"/>
+          </p:cNvSpPr>
+          <p:nvPr>
+            <p:ph type="title"/>
+          </p:nvPr>
+        </p:nvSpPr>
+        <p:spPr>
+          <a:xfrm>
+            <a:off x="226208" y="230849"/>
+            <a:ext cx="8520600" cy="572700"/>
+          </a:xfrm>
+          <a:prstGeom prst="rect">
+            <a:avLst/>
+          </a:prstGeom>
+        </p:spPr>
+        <p:txBody>
+          <a:bodyPr spcFirstLastPara="1" wrap="square" lIns="91425" tIns="91425" rIns="91425" bIns="91425" anchor="t" anchorCtr="0">
+            <a:noAutofit/>
+          </a:bodyPr>
+          <a:lstStyle/>
+          <a:p>
+            <a:pPr marL="0" lvl="0" indent="0" algn="l" rtl="0">
+              <a:spcBef>
+                <a:spcPts val="0"/>
+              </a:spcBef>
+              <a:spcAft>
+                <a:spcPts val="0"/>
+              </a:spcAft>
+              <a:buNone/>
+            </a:pPr>
+            <a:r>
+              <a:rPr lang="en-GB" b="1" dirty="0">
+                <a:solidFill>
+                  <a:schemeClr val="tx1"/>
+                </a:solidFill>
+                <a:effectLst>
+                  <a:outerShdw blurRad="38100" dist="38100" dir="2700000" algn="tl">
+                    <a:srgbClr val="000000">
+                      <a:alpha val="43137"/>
+                    </a:srgbClr>
+                  </a:outerShdw>
+                </a:effectLst>
+              </a:rPr>
+              <a:t>Logger Aggregation</a:t>
+            </a:r>
+            <a:endParaRPr b="1" dirty="0">
+              <a:solidFill>
+                <a:schemeClr val="tx1"/>
+              </a:solidFill>
+              <a:effectLst>
+                <a:outerShdw blurRad="38100" dist="38100" dir="2700000" algn="tl">
+                  <a:srgbClr val="000000">
+                    <a:alpha val="43137"/>
+                  </a:srgbClr>
+                </a:outerShdw>
+              </a:effectLst>
+            </a:endParaRPr>
+          </a:p>
+        </p:txBody>
+      </p:sp>
+      <p:pic>
+        <p:nvPicPr>
+          <p:cNvPr id="3074" name="Picture 2">
+            <a:extLst>
+              <a:ext uri="{FF2B5EF4-FFF2-40B4-BE49-F238E27FC236}">
+                <a16:creationId xmlns:a16="http://schemas.microsoft.com/office/drawing/2014/main" id="{D0A6D8E3-F1E6-47BE-9876-B9F6D05BC1B2}"/>
+              </a:ext>
+            </a:extLst>
+          </p:cNvPr>
+          <p:cNvPicPr>
+            <a:picLocks noChangeAspect="1" noChangeArrowheads="1"/>
+          </p:cNvPicPr>
+          <p:nvPr/>
+        </p:nvPicPr>
+        <p:blipFill>
+          <a:blip r:embed="rId3"/>
+          <a:srcRect/>
+          <a:stretch/>
+        </p:blipFill>
+        <p:spPr bwMode="auto">
+          <a:xfrm>
+            <a:off x="3172629" y="884231"/>
+            <a:ext cx="2627758" cy="3903277"/>
+          </a:xfrm>
+          <a:prstGeom prst="rect">
+            <a:avLst/>
+          </a:prstGeom>
+          <a:noFill/>
+          <a:extLst>
+            <a:ext uri="{909E8E84-426E-40DD-AFC4-6F175D3DCCD1}">
+              <a14:hiddenFill xmlns:a14="http://schemas.microsoft.com/office/drawing/2010/main">
+                <a:solidFill>
+                  <a:srgbClr val="FFFFFF"/>
+                </a:solidFill>
+              </a14:hiddenFill>
+            </a:ext>
+          </a:extLst>
+        </p:spPr>
+      </p:pic>
+      <p:sp>
+        <p:nvSpPr>
+          <p:cNvPr id="3" name="TextBox 2">
+            <a:extLst>
+              <a:ext uri="{FF2B5EF4-FFF2-40B4-BE49-F238E27FC236}">
+                <a16:creationId xmlns:a16="http://schemas.microsoft.com/office/drawing/2014/main" id="{ED9C455E-9313-43F8-B49E-9AC3F80BDBFB}"/>
+              </a:ext>
+            </a:extLst>
+          </p:cNvPr>
+          <p:cNvSpPr txBox="1"/>
+          <p:nvPr/>
+        </p:nvSpPr>
+        <p:spPr>
+          <a:xfrm>
+            <a:off x="4572000" y="2010337"/>
+            <a:ext cx="981635" cy="307777"/>
+          </a:xfrm>
+          <a:prstGeom prst="rect">
+            <a:avLst/>
+          </a:prstGeom>
+          <a:noFill/>
+        </p:spPr>
+        <p:txBody>
+          <a:bodyPr wrap="square" rtlCol="0">
+            <a:spAutoFit/>
+          </a:bodyPr>
+          <a:lstStyle/>
+          <a:p>
+            <a:r>
+              <a:rPr lang="en-US" dirty="0"/>
+              <a:t>has</a:t>
+            </a:r>
+            <a:endParaRPr lang="ru-RU" dirty="0"/>
+          </a:p>
+        </p:txBody>
+      </p:sp>
+      <p:sp>
+        <p:nvSpPr>
+          <p:cNvPr id="4" name="TextBox 3">
+            <a:extLst>
+              <a:ext uri="{FF2B5EF4-FFF2-40B4-BE49-F238E27FC236}">
+                <a16:creationId xmlns:a16="http://schemas.microsoft.com/office/drawing/2014/main" id="{AD2CA4D7-C772-460E-A6C8-3FD64396FA30}"/>
+              </a:ext>
+            </a:extLst>
+          </p:cNvPr>
+          <p:cNvSpPr txBox="1"/>
+          <p:nvPr/>
+        </p:nvSpPr>
+        <p:spPr>
+          <a:xfrm>
+            <a:off x="4572000" y="3361765"/>
+            <a:ext cx="1445559" cy="307777"/>
+          </a:xfrm>
+          <a:prstGeom prst="rect">
+            <a:avLst/>
+          </a:prstGeom>
+          <a:noFill/>
+        </p:spPr>
+        <p:txBody>
+          <a:bodyPr wrap="square" rtlCol="0">
+            <a:spAutoFit/>
+          </a:bodyPr>
+          <a:lstStyle/>
+          <a:p>
+            <a:r>
+              <a:rPr lang="en-US" dirty="0"/>
+              <a:t>consists of</a:t>
+            </a:r>
+            <a:endParaRPr lang="ru-RU" dirty="0"/>
+          </a:p>
+        </p:txBody>
+      </p:sp>
+      <p:sp>
+        <p:nvSpPr>
+          <p:cNvPr id="5" name="Номер слайда 4">
+            <a:extLst>
+              <a:ext uri="{FF2B5EF4-FFF2-40B4-BE49-F238E27FC236}">
+                <a16:creationId xmlns:a16="http://schemas.microsoft.com/office/drawing/2014/main" id="{26010AF0-4AA1-48E7-BE8A-ABB3D537A2A7}"/>
+              </a:ext>
+            </a:extLst>
+          </p:cNvPr>
+          <p:cNvSpPr>
+            <a:spLocks noGrp="1"/>
+          </p:cNvSpPr>
+          <p:nvPr>
+            <p:ph type="sldNum" idx="12"/>
+          </p:nvPr>
+        </p:nvSpPr>
+        <p:spPr/>
+        <p:txBody>
+          <a:bodyPr/>
+          <a:lstStyle/>
+          <a:p>
+            <a:pPr marL="0" lvl="0" indent="0" algn="r" rtl="0">
+              <a:spcBef>
+                <a:spcPts val="0"/>
+              </a:spcBef>
+              <a:spcAft>
+                <a:spcPts val="0"/>
+              </a:spcAft>
+              <a:buNone/>
+            </a:pPr>
+            <a:fld id="{00000000-1234-1234-1234-123412341234}" type="slidenum">
+              <a:rPr lang="en-GB" smtClean="0"/>
+              <a:t>9</a:t>
+            </a:fld>
+            <a:endParaRPr lang="en-GB"/>
+          </a:p>
+        </p:txBody>
+      </p:sp>
+    </p:spTree>
+    <p:extLst>
+      <p:ext uri="{BB962C8B-B14F-4D97-AF65-F5344CB8AC3E}">
+        <p14:creationId xmlns:p14="http://schemas.microsoft.com/office/powerpoint/2010/main" val="1420547182"/>
       </p:ext>
     </p:extLst>
   </p:cSld>

--- a/PracticeTasks/Module2/Task_9.1/Task 9.1 Resources and microservices.pptx
+++ b/PracticeTasks/Module2/Task_9.1/Task 9.1 Resources and microservices.pptx
@@ -7067,6 +7067,298 @@
               <a:t>Resources and microservices</a:t>
             </a:r>
             <a:endParaRPr/>
+          </a:p>
+        </p:txBody>
+      </p:sp>
+      <p:sp>
+        <p:nvSpPr>
+          <p:cNvPr id="4" name="TextBox 1">
+            <a:extLst>
+              <a:ext uri="{FF2B5EF4-FFF2-40B4-BE49-F238E27FC236}">
+                <a16:creationId xmlns:a16="http://schemas.microsoft.com/office/drawing/2014/main" id="{BCD20AAA-E16B-F51D-BF7C-5D00007D96DF}"/>
+              </a:ext>
+            </a:extLst>
+          </p:cNvPr>
+          <p:cNvSpPr txBox="1"/>
+          <p:nvPr/>
+        </p:nvSpPr>
+        <p:spPr>
+          <a:xfrm>
+            <a:off x="5957795" y="4613862"/>
+            <a:ext cx="2874505" cy="307777"/>
+          </a:xfrm>
+          <a:prstGeom prst="rect">
+            <a:avLst/>
+          </a:prstGeom>
+          <a:noFill/>
+        </p:spPr>
+        <p:txBody>
+          <a:bodyPr wrap="none" rtlCol="0">
+            <a:spAutoFit/>
+          </a:bodyPr>
+          <a:lstStyle>
+            <a:defPPr marR="0" lvl="0" algn="l" rtl="0">
+              <a:lnSpc>
+                <a:spcPct val="100000"/>
+              </a:lnSpc>
+              <a:spcBef>
+                <a:spcPts val="0"/>
+              </a:spcBef>
+              <a:spcAft>
+                <a:spcPts val="0"/>
+              </a:spcAft>
+            </a:defPPr>
+            <a:lvl1pPr marR="0" lvl="0" algn="l" rtl="0">
+              <a:lnSpc>
+                <a:spcPct val="100000"/>
+              </a:lnSpc>
+              <a:spcBef>
+                <a:spcPts val="0"/>
+              </a:spcBef>
+              <a:spcAft>
+                <a:spcPts val="0"/>
+              </a:spcAft>
+              <a:buClr>
+                <a:srgbClr val="000000"/>
+              </a:buClr>
+              <a:buFont typeface="Arial"/>
+              <a:defRPr sz="1400" b="0" i="0" u="none" strike="noStrike" cap="none">
+                <a:solidFill>
+                  <a:srgbClr val="000000"/>
+                </a:solidFill>
+                <a:latin typeface="Arial"/>
+                <a:ea typeface="Arial"/>
+                <a:cs typeface="Arial"/>
+                <a:sym typeface="Arial"/>
+              </a:defRPr>
+            </a:lvl1pPr>
+            <a:lvl2pPr marR="0" lvl="1" algn="l" rtl="0">
+              <a:lnSpc>
+                <a:spcPct val="100000"/>
+              </a:lnSpc>
+              <a:spcBef>
+                <a:spcPts val="0"/>
+              </a:spcBef>
+              <a:spcAft>
+                <a:spcPts val="0"/>
+              </a:spcAft>
+              <a:buClr>
+                <a:srgbClr val="000000"/>
+              </a:buClr>
+              <a:buFont typeface="Arial"/>
+              <a:defRPr sz="1400" b="0" i="0" u="none" strike="noStrike" cap="none">
+                <a:solidFill>
+                  <a:srgbClr val="000000"/>
+                </a:solidFill>
+                <a:latin typeface="Arial"/>
+                <a:ea typeface="Arial"/>
+                <a:cs typeface="Arial"/>
+                <a:sym typeface="Arial"/>
+              </a:defRPr>
+            </a:lvl2pPr>
+            <a:lvl3pPr marR="0" lvl="2" algn="l" rtl="0">
+              <a:lnSpc>
+                <a:spcPct val="100000"/>
+              </a:lnSpc>
+              <a:spcBef>
+                <a:spcPts val="0"/>
+              </a:spcBef>
+              <a:spcAft>
+                <a:spcPts val="0"/>
+              </a:spcAft>
+              <a:buClr>
+                <a:srgbClr val="000000"/>
+              </a:buClr>
+              <a:buFont typeface="Arial"/>
+              <a:defRPr sz="1400" b="0" i="0" u="none" strike="noStrike" cap="none">
+                <a:solidFill>
+                  <a:srgbClr val="000000"/>
+                </a:solidFill>
+                <a:latin typeface="Arial"/>
+                <a:ea typeface="Arial"/>
+                <a:cs typeface="Arial"/>
+                <a:sym typeface="Arial"/>
+              </a:defRPr>
+            </a:lvl3pPr>
+            <a:lvl4pPr marR="0" lvl="3" algn="l" rtl="0">
+              <a:lnSpc>
+                <a:spcPct val="100000"/>
+              </a:lnSpc>
+              <a:spcBef>
+                <a:spcPts val="0"/>
+              </a:spcBef>
+              <a:spcAft>
+                <a:spcPts val="0"/>
+              </a:spcAft>
+              <a:buClr>
+                <a:srgbClr val="000000"/>
+              </a:buClr>
+              <a:buFont typeface="Arial"/>
+              <a:defRPr sz="1400" b="0" i="0" u="none" strike="noStrike" cap="none">
+                <a:solidFill>
+                  <a:srgbClr val="000000"/>
+                </a:solidFill>
+                <a:latin typeface="Arial"/>
+                <a:ea typeface="Arial"/>
+                <a:cs typeface="Arial"/>
+                <a:sym typeface="Arial"/>
+              </a:defRPr>
+            </a:lvl4pPr>
+            <a:lvl5pPr marR="0" lvl="4" algn="l" rtl="0">
+              <a:lnSpc>
+                <a:spcPct val="100000"/>
+              </a:lnSpc>
+              <a:spcBef>
+                <a:spcPts val="0"/>
+              </a:spcBef>
+              <a:spcAft>
+                <a:spcPts val="0"/>
+              </a:spcAft>
+              <a:buClr>
+                <a:srgbClr val="000000"/>
+              </a:buClr>
+              <a:buFont typeface="Arial"/>
+              <a:defRPr sz="1400" b="0" i="0" u="none" strike="noStrike" cap="none">
+                <a:solidFill>
+                  <a:srgbClr val="000000"/>
+                </a:solidFill>
+                <a:latin typeface="Arial"/>
+                <a:ea typeface="Arial"/>
+                <a:cs typeface="Arial"/>
+                <a:sym typeface="Arial"/>
+              </a:defRPr>
+            </a:lvl5pPr>
+            <a:lvl6pPr marR="0" lvl="5" algn="l" rtl="0">
+              <a:lnSpc>
+                <a:spcPct val="100000"/>
+              </a:lnSpc>
+              <a:spcBef>
+                <a:spcPts val="0"/>
+              </a:spcBef>
+              <a:spcAft>
+                <a:spcPts val="0"/>
+              </a:spcAft>
+              <a:buClr>
+                <a:srgbClr val="000000"/>
+              </a:buClr>
+              <a:buFont typeface="Arial"/>
+              <a:defRPr sz="1400" b="0" i="0" u="none" strike="noStrike" cap="none">
+                <a:solidFill>
+                  <a:srgbClr val="000000"/>
+                </a:solidFill>
+                <a:latin typeface="Arial"/>
+                <a:ea typeface="Arial"/>
+                <a:cs typeface="Arial"/>
+                <a:sym typeface="Arial"/>
+              </a:defRPr>
+            </a:lvl6pPr>
+            <a:lvl7pPr marR="0" lvl="6" algn="l" rtl="0">
+              <a:lnSpc>
+                <a:spcPct val="100000"/>
+              </a:lnSpc>
+              <a:spcBef>
+                <a:spcPts val="0"/>
+              </a:spcBef>
+              <a:spcAft>
+                <a:spcPts val="0"/>
+              </a:spcAft>
+              <a:buClr>
+                <a:srgbClr val="000000"/>
+              </a:buClr>
+              <a:buFont typeface="Arial"/>
+              <a:defRPr sz="1400" b="0" i="0" u="none" strike="noStrike" cap="none">
+                <a:solidFill>
+                  <a:srgbClr val="000000"/>
+                </a:solidFill>
+                <a:latin typeface="Arial"/>
+                <a:ea typeface="Arial"/>
+                <a:cs typeface="Arial"/>
+                <a:sym typeface="Arial"/>
+              </a:defRPr>
+            </a:lvl7pPr>
+            <a:lvl8pPr marR="0" lvl="7" algn="l" rtl="0">
+              <a:lnSpc>
+                <a:spcPct val="100000"/>
+              </a:lnSpc>
+              <a:spcBef>
+                <a:spcPts val="0"/>
+              </a:spcBef>
+              <a:spcAft>
+                <a:spcPts val="0"/>
+              </a:spcAft>
+              <a:buClr>
+                <a:srgbClr val="000000"/>
+              </a:buClr>
+              <a:buFont typeface="Arial"/>
+              <a:defRPr sz="1400" b="0" i="0" u="none" strike="noStrike" cap="none">
+                <a:solidFill>
+                  <a:srgbClr val="000000"/>
+                </a:solidFill>
+                <a:latin typeface="Arial"/>
+                <a:ea typeface="Arial"/>
+                <a:cs typeface="Arial"/>
+                <a:sym typeface="Arial"/>
+              </a:defRPr>
+            </a:lvl8pPr>
+            <a:lvl9pPr marR="0" lvl="8" algn="l" rtl="0">
+              <a:lnSpc>
+                <a:spcPct val="100000"/>
+              </a:lnSpc>
+              <a:spcBef>
+                <a:spcPts val="0"/>
+              </a:spcBef>
+              <a:spcAft>
+                <a:spcPts val="0"/>
+              </a:spcAft>
+              <a:buClr>
+                <a:srgbClr val="000000"/>
+              </a:buClr>
+              <a:buFont typeface="Arial"/>
+              <a:defRPr sz="1400" b="0" i="0" u="none" strike="noStrike" cap="none">
+                <a:solidFill>
+                  <a:srgbClr val="000000"/>
+                </a:solidFill>
+                <a:latin typeface="Arial"/>
+                <a:ea typeface="Arial"/>
+                <a:cs typeface="Arial"/>
+                <a:sym typeface="Arial"/>
+              </a:defRPr>
+            </a:lvl9pPr>
+          </a:lstStyle>
+          <a:p>
+            <a:r>
+              <a:rPr lang="en-GB" sz="1400" dirty="0">
+                <a:solidFill>
+                  <a:schemeClr val="dk1"/>
+                </a:solidFill>
+              </a:rPr>
+              <a:t>K8S access user</a:t>
+            </a:r>
+            <a:r>
+              <a:rPr lang="ru-RU" sz="1400" dirty="0">
+                <a:solidFill>
+                  <a:schemeClr val="dk1"/>
+                </a:solidFill>
+              </a:rPr>
+              <a:t>: </a:t>
+            </a:r>
+            <a:r>
+              <a:rPr lang="en-GB" sz="1400" dirty="0" err="1">
+                <a:solidFill>
+                  <a:schemeClr val="dk1"/>
+                </a:solidFill>
+              </a:rPr>
+              <a:t>Smolkin</a:t>
+            </a:r>
+            <a:r>
+              <a:rPr lang="en-GB" sz="1400" dirty="0">
+                <a:solidFill>
+                  <a:schemeClr val="dk1"/>
+                </a:solidFill>
+              </a:rPr>
+              <a:t> Mikhail</a:t>
+            </a:r>
+            <a:endParaRPr lang="ru-RU" dirty="0"/>
           </a:p>
         </p:txBody>
       </p:sp>
